--- a/docs/房产中介小程序方案设计.pptx
+++ b/docs/房产中介小程序方案设计.pptx
@@ -1,24 +1,23 @@
 
 <file path=ppt/presentation.xml><?xml version="1.0" encoding="utf-8"?>
-<p:presentation xmlns:a="http://schemas.openxmlformats.org/drawingml/2006/main" xmlns:r="http://schemas.openxmlformats.org/officeDocument/2006/relationships" xmlns:p="http://schemas.openxmlformats.org/presentationml/2006/main">
+<p:presentation xmlns:a="http://schemas.openxmlformats.org/drawingml/2006/main" xmlns:r="http://schemas.openxmlformats.org/officeDocument/2006/relationships" xmlns:p="http://schemas.openxmlformats.org/presentationml/2006/main" saveSubsetFonts="1">
   <p:sldMasterIdLst>
     <p:sldMasterId id="2147483648" r:id="rId1"/>
   </p:sldMasterIdLst>
   <p:notesMasterIdLst>
-    <p:notesMasterId r:id="rId4"/>
+    <p:notesMasterId r:id="rId12"/>
   </p:notesMasterIdLst>
   <p:sldIdLst>
-    <p:sldId id="256" r:id="rId3"/>
-    <p:sldId id="273" r:id="rId5"/>
-    <p:sldId id="275" r:id="rId6"/>
-    <p:sldId id="276" r:id="rId7"/>
-    <p:sldId id="277" r:id="rId8"/>
-    <p:sldId id="278" r:id="rId9"/>
-    <p:sldId id="279" r:id="rId10"/>
+    <p:sldId id="256" r:id="rId2"/>
+    <p:sldId id="273" r:id="rId3"/>
+    <p:sldId id="275" r:id="rId4"/>
+    <p:sldId id="276" r:id="rId5"/>
+    <p:sldId id="277" r:id="rId6"/>
+    <p:sldId id="278" r:id="rId7"/>
+    <p:sldId id="279" r:id="rId8"/>
+    <p:sldId id="282" r:id="rId9"/>
+    <p:sldId id="283" r:id="rId10"/>
     <p:sldId id="280" r:id="rId11"/>
-    <p:sldId id="282" r:id="rId12"/>
-    <p:sldId id="283" r:id="rId13"/>
-    <p:sldId id="284" r:id="rId14"/>
   </p:sldIdLst>
   <p:sldSz cx="12192000" cy="6858000"/>
   <p:notesSz cx="6858000" cy="9144000"/>
@@ -117,6 +116,11 @@
       </a:defRPr>
     </a:lvl9pPr>
   </p:defaultTextStyle>
+  <p:extLst>
+    <p:ext uri="{EFAFB233-063F-42B5-8137-9DF3F51BA10A}">
+      <p15:sldGuideLst xmlns:p15="http://schemas.microsoft.com/office/powerpoint/2012/main"/>
+    </p:ext>
+  </p:extLst>
 </p:presentation>
 </file>
 
@@ -202,6 +206,7 @@
           <a:p>
             <a:fld id="{53E80DE7-AD86-42FC-B9C4-C4B16408F743}" type="datetimeFigureOut">
               <a:rPr lang="en-US" smtClean="0"/>
+              <a:t>3/23/2018</a:t>
             </a:fld>
             <a:endParaRPr lang="en-US"/>
           </a:p>
@@ -268,7 +273,6 @@
               <a:rPr lang="en-US"/>
               <a:t>Click to edit Master text styles</a:t>
             </a:r>
-            <a:endParaRPr lang="en-US"/>
           </a:p>
           <a:p>
             <a:pPr lvl="1"/>
@@ -276,7 +280,6 @@
               <a:rPr lang="en-US"/>
               <a:t>Second level</a:t>
             </a:r>
-            <a:endParaRPr lang="en-US"/>
           </a:p>
           <a:p>
             <a:pPr lvl="2"/>
@@ -284,7 +287,6 @@
               <a:rPr lang="en-US"/>
               <a:t>Third level</a:t>
             </a:r>
-            <a:endParaRPr lang="en-US"/>
           </a:p>
           <a:p>
             <a:pPr lvl="3"/>
@@ -292,7 +294,6 @@
               <a:rPr lang="en-US"/>
               <a:t>Fourth level</a:t>
             </a:r>
-            <a:endParaRPr lang="en-US"/>
           </a:p>
           <a:p>
             <a:pPr lvl="4"/>
@@ -300,7 +301,6 @@
               <a:rPr lang="en-US"/>
               <a:t>Fifth level</a:t>
             </a:r>
-            <a:endParaRPr lang="en-US"/>
           </a:p>
         </p:txBody>
       </p:sp>
@@ -364,12 +364,18 @@
           <a:p>
             <a:fld id="{EB7FFCE1-52E3-42F3-88A5-0521A75561AA}" type="slidenum">
               <a:rPr lang="en-US" smtClean="0"/>
+              <a:t>‹#›</a:t>
             </a:fld>
             <a:endParaRPr lang="en-US"/>
           </a:p>
         </p:txBody>
       </p:sp>
     </p:spTree>
+    <p:extLst>
+      <p:ext uri="{BB962C8B-B14F-4D97-AF65-F5344CB8AC3E}">
+        <p14:creationId xmlns:p14="http://schemas.microsoft.com/office/powerpoint/2010/main" val="3309425426"/>
+      </p:ext>
+    </p:extLst>
   </p:cSld>
   <p:clrMap bg1="lt1" tx1="dk1" bg2="lt2" tx2="dk2" accent1="accent1" accent2="accent2" accent3="accent3" accent4="accent4" accent5="accent5" accent6="accent6" hlink="hlink" folHlink="folHlink"/>
   <p:notesStyle>
@@ -532,12 +538,18 @@
           <a:p>
             <a:fld id="{EB7FFCE1-52E3-42F3-88A5-0521A75561AA}" type="slidenum">
               <a:rPr lang="en-US" smtClean="0"/>
+              <a:t>1</a:t>
             </a:fld>
             <a:endParaRPr lang="en-US"/>
           </a:p>
         </p:txBody>
       </p:sp>
     </p:spTree>
+    <p:extLst>
+      <p:ext uri="{BB962C8B-B14F-4D97-AF65-F5344CB8AC3E}">
+        <p14:creationId xmlns:p14="http://schemas.microsoft.com/office/powerpoint/2010/main" val="3660229442"/>
+      </p:ext>
+    </p:extLst>
   </p:cSld>
   <p:clrMapOvr>
     <a:masterClrMapping/>
@@ -610,90 +622,18 @@
           <a:p>
             <a:fld id="{EB7FFCE1-52E3-42F3-88A5-0521A75561AA}" type="slidenum">
               <a:rPr lang="en-US" smtClean="0"/>
+              <a:t>10</a:t>
             </a:fld>
             <a:endParaRPr lang="en-US"/>
           </a:p>
         </p:txBody>
       </p:sp>
     </p:spTree>
-  </p:cSld>
-  <p:clrMapOvr>
-    <a:masterClrMapping/>
-  </p:clrMapOvr>
-</p:notes>
-</file>
-
-<file path=ppt/notesSlides/notesSlide11.xml><?xml version="1.0" encoding="utf-8"?>
-<p:notes xmlns:a="http://schemas.openxmlformats.org/drawingml/2006/main" xmlns:r="http://schemas.openxmlformats.org/officeDocument/2006/relationships" xmlns:p="http://schemas.openxmlformats.org/presentationml/2006/main">
-  <p:cSld>
-    <p:spTree>
-      <p:nvGrpSpPr>
-        <p:cNvPr id="1" name=""/>
-        <p:cNvGrpSpPr/>
-        <p:nvPr/>
-      </p:nvGrpSpPr>
-      <p:grpSpPr>
-        <a:xfrm>
-          <a:off x="0" y="0"/>
-          <a:ext cx="0" cy="0"/>
-          <a:chOff x="0" y="0"/>
-          <a:chExt cx="0" cy="0"/>
-        </a:xfrm>
-      </p:grpSpPr>
-      <p:sp>
-        <p:nvSpPr>
-          <p:cNvPr id="2" name="Slide Image Placeholder 1"/>
-          <p:cNvSpPr>
-            <a:spLocks noGrp="1" noRot="1" noChangeAspect="1"/>
-          </p:cNvSpPr>
-          <p:nvPr>
-            <p:ph type="sldImg"/>
-          </p:nvPr>
-        </p:nvSpPr>
-        <p:spPr/>
-      </p:sp>
-      <p:sp>
-        <p:nvSpPr>
-          <p:cNvPr id="3" name="Notes Placeholder 2"/>
-          <p:cNvSpPr>
-            <a:spLocks noGrp="1"/>
-          </p:cNvSpPr>
-          <p:nvPr>
-            <p:ph type="body" idx="1"/>
-          </p:nvPr>
-        </p:nvSpPr>
-        <p:spPr/>
-        <p:txBody>
-          <a:bodyPr/>
-          <a:lstStyle/>
-          <a:p>
-            <a:endParaRPr lang="en-US"/>
-          </a:p>
-        </p:txBody>
-      </p:sp>
-      <p:sp>
-        <p:nvSpPr>
-          <p:cNvPr id="4" name="Slide Number Placeholder 3"/>
-          <p:cNvSpPr>
-            <a:spLocks noGrp="1"/>
-          </p:cNvSpPr>
-          <p:nvPr>
-            <p:ph type="sldNum" sz="quarter" idx="10"/>
-          </p:nvPr>
-        </p:nvSpPr>
-        <p:spPr/>
-        <p:txBody>
-          <a:bodyPr/>
-          <a:lstStyle/>
-          <a:p>
-            <a:fld id="{EB7FFCE1-52E3-42F3-88A5-0521A75561AA}" type="slidenum">
-              <a:rPr lang="en-US" smtClean="0"/>
-            </a:fld>
-            <a:endParaRPr lang="en-US"/>
-          </a:p>
-        </p:txBody>
-      </p:sp>
-    </p:spTree>
+    <p:extLst>
+      <p:ext uri="{BB962C8B-B14F-4D97-AF65-F5344CB8AC3E}">
+        <p14:creationId xmlns:p14="http://schemas.microsoft.com/office/powerpoint/2010/main" val="1260189464"/>
+      </p:ext>
+    </p:extLst>
   </p:cSld>
   <p:clrMapOvr>
     <a:masterClrMapping/>
@@ -766,12 +706,18 @@
           <a:p>
             <a:fld id="{EB7FFCE1-52E3-42F3-88A5-0521A75561AA}" type="slidenum">
               <a:rPr lang="en-US" smtClean="0"/>
+              <a:t>2</a:t>
             </a:fld>
             <a:endParaRPr lang="en-US"/>
           </a:p>
         </p:txBody>
       </p:sp>
     </p:spTree>
+    <p:extLst>
+      <p:ext uri="{BB962C8B-B14F-4D97-AF65-F5344CB8AC3E}">
+        <p14:creationId xmlns:p14="http://schemas.microsoft.com/office/powerpoint/2010/main" val="977489414"/>
+      </p:ext>
+    </p:extLst>
   </p:cSld>
   <p:clrMapOvr>
     <a:masterClrMapping/>
@@ -844,12 +790,18 @@
           <a:p>
             <a:fld id="{EB7FFCE1-52E3-42F3-88A5-0521A75561AA}" type="slidenum">
               <a:rPr lang="en-US" smtClean="0"/>
+              <a:t>3</a:t>
             </a:fld>
             <a:endParaRPr lang="en-US"/>
           </a:p>
         </p:txBody>
       </p:sp>
     </p:spTree>
+    <p:extLst>
+      <p:ext uri="{BB962C8B-B14F-4D97-AF65-F5344CB8AC3E}">
+        <p14:creationId xmlns:p14="http://schemas.microsoft.com/office/powerpoint/2010/main" val="2675416770"/>
+      </p:ext>
+    </p:extLst>
   </p:cSld>
   <p:clrMapOvr>
     <a:masterClrMapping/>
@@ -922,12 +874,18 @@
           <a:p>
             <a:fld id="{EB7FFCE1-52E3-42F3-88A5-0521A75561AA}" type="slidenum">
               <a:rPr lang="en-US" smtClean="0"/>
+              <a:t>4</a:t>
             </a:fld>
             <a:endParaRPr lang="en-US"/>
           </a:p>
         </p:txBody>
       </p:sp>
     </p:spTree>
+    <p:extLst>
+      <p:ext uri="{BB962C8B-B14F-4D97-AF65-F5344CB8AC3E}">
+        <p14:creationId xmlns:p14="http://schemas.microsoft.com/office/powerpoint/2010/main" val="3351879812"/>
+      </p:ext>
+    </p:extLst>
   </p:cSld>
   <p:clrMapOvr>
     <a:masterClrMapping/>
@@ -1000,12 +958,18 @@
           <a:p>
             <a:fld id="{EB7FFCE1-52E3-42F3-88A5-0521A75561AA}" type="slidenum">
               <a:rPr lang="en-US" smtClean="0"/>
+              <a:t>5</a:t>
             </a:fld>
             <a:endParaRPr lang="en-US"/>
           </a:p>
         </p:txBody>
       </p:sp>
     </p:spTree>
+    <p:extLst>
+      <p:ext uri="{BB962C8B-B14F-4D97-AF65-F5344CB8AC3E}">
+        <p14:creationId xmlns:p14="http://schemas.microsoft.com/office/powerpoint/2010/main" val="3421495387"/>
+      </p:ext>
+    </p:extLst>
   </p:cSld>
   <p:clrMapOvr>
     <a:masterClrMapping/>
@@ -1078,12 +1042,18 @@
           <a:p>
             <a:fld id="{EB7FFCE1-52E3-42F3-88A5-0521A75561AA}" type="slidenum">
               <a:rPr lang="en-US" smtClean="0"/>
+              <a:t>6</a:t>
             </a:fld>
             <a:endParaRPr lang="en-US"/>
           </a:p>
         </p:txBody>
       </p:sp>
     </p:spTree>
+    <p:extLst>
+      <p:ext uri="{BB962C8B-B14F-4D97-AF65-F5344CB8AC3E}">
+        <p14:creationId xmlns:p14="http://schemas.microsoft.com/office/powerpoint/2010/main" val="3206966290"/>
+      </p:ext>
+    </p:extLst>
   </p:cSld>
   <p:clrMapOvr>
     <a:masterClrMapping/>
@@ -1156,12 +1126,18 @@
           <a:p>
             <a:fld id="{EB7FFCE1-52E3-42F3-88A5-0521A75561AA}" type="slidenum">
               <a:rPr lang="en-US" smtClean="0"/>
+              <a:t>7</a:t>
             </a:fld>
             <a:endParaRPr lang="en-US"/>
           </a:p>
         </p:txBody>
       </p:sp>
     </p:spTree>
+    <p:extLst>
+      <p:ext uri="{BB962C8B-B14F-4D97-AF65-F5344CB8AC3E}">
+        <p14:creationId xmlns:p14="http://schemas.microsoft.com/office/powerpoint/2010/main" val="2793955241"/>
+      </p:ext>
+    </p:extLst>
   </p:cSld>
   <p:clrMapOvr>
     <a:masterClrMapping/>
@@ -1234,12 +1210,18 @@
           <a:p>
             <a:fld id="{EB7FFCE1-52E3-42F3-88A5-0521A75561AA}" type="slidenum">
               <a:rPr lang="en-US" smtClean="0"/>
+              <a:t>8</a:t>
             </a:fld>
             <a:endParaRPr lang="en-US"/>
           </a:p>
         </p:txBody>
       </p:sp>
     </p:spTree>
+    <p:extLst>
+      <p:ext uri="{BB962C8B-B14F-4D97-AF65-F5344CB8AC3E}">
+        <p14:creationId xmlns:p14="http://schemas.microsoft.com/office/powerpoint/2010/main" val="251698680"/>
+      </p:ext>
+    </p:extLst>
   </p:cSld>
   <p:clrMapOvr>
     <a:masterClrMapping/>
@@ -1312,12 +1294,18 @@
           <a:p>
             <a:fld id="{EB7FFCE1-52E3-42F3-88A5-0521A75561AA}" type="slidenum">
               <a:rPr lang="en-US" smtClean="0"/>
+              <a:t>9</a:t>
             </a:fld>
             <a:endParaRPr lang="en-US"/>
           </a:p>
         </p:txBody>
       </p:sp>
     </p:spTree>
+    <p:extLst>
+      <p:ext uri="{BB962C8B-B14F-4D97-AF65-F5344CB8AC3E}">
+        <p14:creationId xmlns:p14="http://schemas.microsoft.com/office/powerpoint/2010/main" val="113946021"/>
+      </p:ext>
+    </p:extLst>
   </p:cSld>
   <p:clrMapOvr>
     <a:masterClrMapping/>
@@ -1370,7 +1358,6 @@
               <a:rPr lang="en-US"/>
               <a:t>Click to edit Master title style</a:t>
             </a:r>
-            <a:endParaRPr lang="en-US"/>
           </a:p>
         </p:txBody>
       </p:sp>
@@ -1435,7 +1422,6 @@
               <a:rPr lang="en-US"/>
               <a:t>Click to edit Master subtitle style</a:t>
             </a:r>
-            <a:endParaRPr lang="en-US"/>
           </a:p>
         </p:txBody>
       </p:sp>
@@ -1456,6 +1442,7 @@
           <a:p>
             <a:fld id="{1342D4F3-7900-47D4-A7E5-8AEF464ACB06}" type="datetimeFigureOut">
               <a:rPr lang="en-US" smtClean="0"/>
+              <a:t>3/23/2018</a:t>
             </a:fld>
             <a:endParaRPr lang="en-US"/>
           </a:p>
@@ -1497,12 +1484,18 @@
           <a:p>
             <a:fld id="{46B54676-752A-42A7-B71C-7A34214C6888}" type="slidenum">
               <a:rPr lang="en-US" smtClean="0"/>
+              <a:t>‹#›</a:t>
             </a:fld>
             <a:endParaRPr lang="en-US"/>
           </a:p>
         </p:txBody>
       </p:sp>
     </p:spTree>
+    <p:extLst>
+      <p:ext uri="{BB962C8B-B14F-4D97-AF65-F5344CB8AC3E}">
+        <p14:creationId xmlns:p14="http://schemas.microsoft.com/office/powerpoint/2010/main" val="3413557067"/>
+      </p:ext>
+    </p:extLst>
   </p:cSld>
   <p:clrMapOvr>
     <a:masterClrMapping/>
@@ -1546,7 +1539,6 @@
               <a:rPr lang="en-US"/>
               <a:t>Click to edit Master title style</a:t>
             </a:r>
-            <a:endParaRPr lang="en-US"/>
           </a:p>
         </p:txBody>
       </p:sp>
@@ -1570,7 +1562,6 @@
               <a:rPr lang="en-US"/>
               <a:t>Click to edit Master text styles</a:t>
             </a:r>
-            <a:endParaRPr lang="en-US"/>
           </a:p>
           <a:p>
             <a:pPr lvl="1"/>
@@ -1578,7 +1569,6 @@
               <a:rPr lang="en-US"/>
               <a:t>Second level</a:t>
             </a:r>
-            <a:endParaRPr lang="en-US"/>
           </a:p>
           <a:p>
             <a:pPr lvl="2"/>
@@ -1586,7 +1576,6 @@
               <a:rPr lang="en-US"/>
               <a:t>Third level</a:t>
             </a:r>
-            <a:endParaRPr lang="en-US"/>
           </a:p>
           <a:p>
             <a:pPr lvl="3"/>
@@ -1594,7 +1583,6 @@
               <a:rPr lang="en-US"/>
               <a:t>Fourth level</a:t>
             </a:r>
-            <a:endParaRPr lang="en-US"/>
           </a:p>
           <a:p>
             <a:pPr lvl="4"/>
@@ -1602,7 +1590,6 @@
               <a:rPr lang="en-US"/>
               <a:t>Fifth level</a:t>
             </a:r>
-            <a:endParaRPr lang="en-US"/>
           </a:p>
         </p:txBody>
       </p:sp>
@@ -1623,6 +1610,7 @@
           <a:p>
             <a:fld id="{1342D4F3-7900-47D4-A7E5-8AEF464ACB06}" type="datetimeFigureOut">
               <a:rPr lang="en-US" smtClean="0"/>
+              <a:t>3/23/2018</a:t>
             </a:fld>
             <a:endParaRPr lang="en-US"/>
           </a:p>
@@ -1664,12 +1652,18 @@
           <a:p>
             <a:fld id="{46B54676-752A-42A7-B71C-7A34214C6888}" type="slidenum">
               <a:rPr lang="en-US" smtClean="0"/>
+              <a:t>‹#›</a:t>
             </a:fld>
             <a:endParaRPr lang="en-US"/>
           </a:p>
         </p:txBody>
       </p:sp>
     </p:spTree>
+    <p:extLst>
+      <p:ext uri="{BB962C8B-B14F-4D97-AF65-F5344CB8AC3E}">
+        <p14:creationId xmlns:p14="http://schemas.microsoft.com/office/powerpoint/2010/main" val="3415750550"/>
+      </p:ext>
+    </p:extLst>
   </p:cSld>
   <p:clrMapOvr>
     <a:masterClrMapping/>
@@ -1718,7 +1712,6 @@
               <a:rPr lang="en-US"/>
               <a:t>Click to edit Master title style</a:t>
             </a:r>
-            <a:endParaRPr lang="en-US"/>
           </a:p>
         </p:txBody>
       </p:sp>
@@ -1747,7 +1740,6 @@
               <a:rPr lang="en-US"/>
               <a:t>Click to edit Master text styles</a:t>
             </a:r>
-            <a:endParaRPr lang="en-US"/>
           </a:p>
           <a:p>
             <a:pPr lvl="1"/>
@@ -1755,7 +1747,6 @@
               <a:rPr lang="en-US"/>
               <a:t>Second level</a:t>
             </a:r>
-            <a:endParaRPr lang="en-US"/>
           </a:p>
           <a:p>
             <a:pPr lvl="2"/>
@@ -1763,7 +1754,6 @@
               <a:rPr lang="en-US"/>
               <a:t>Third level</a:t>
             </a:r>
-            <a:endParaRPr lang="en-US"/>
           </a:p>
           <a:p>
             <a:pPr lvl="3"/>
@@ -1771,7 +1761,6 @@
               <a:rPr lang="en-US"/>
               <a:t>Fourth level</a:t>
             </a:r>
-            <a:endParaRPr lang="en-US"/>
           </a:p>
           <a:p>
             <a:pPr lvl="4"/>
@@ -1779,7 +1768,6 @@
               <a:rPr lang="en-US"/>
               <a:t>Fifth level</a:t>
             </a:r>
-            <a:endParaRPr lang="en-US"/>
           </a:p>
         </p:txBody>
       </p:sp>
@@ -1800,6 +1788,7 @@
           <a:p>
             <a:fld id="{1342D4F3-7900-47D4-A7E5-8AEF464ACB06}" type="datetimeFigureOut">
               <a:rPr lang="en-US" smtClean="0"/>
+              <a:t>3/23/2018</a:t>
             </a:fld>
             <a:endParaRPr lang="en-US"/>
           </a:p>
@@ -1841,12 +1830,18 @@
           <a:p>
             <a:fld id="{46B54676-752A-42A7-B71C-7A34214C6888}" type="slidenum">
               <a:rPr lang="en-US" smtClean="0"/>
+              <a:t>‹#›</a:t>
             </a:fld>
             <a:endParaRPr lang="en-US"/>
           </a:p>
         </p:txBody>
       </p:sp>
     </p:spTree>
+    <p:extLst>
+      <p:ext uri="{BB962C8B-B14F-4D97-AF65-F5344CB8AC3E}">
+        <p14:creationId xmlns:p14="http://schemas.microsoft.com/office/powerpoint/2010/main" val="3514144596"/>
+      </p:ext>
+    </p:extLst>
   </p:cSld>
   <p:clrMapOvr>
     <a:masterClrMapping/>
@@ -1890,7 +1885,6 @@
               <a:rPr lang="en-US"/>
               <a:t>Click to edit Master title style</a:t>
             </a:r>
-            <a:endParaRPr lang="en-US"/>
           </a:p>
         </p:txBody>
       </p:sp>
@@ -1914,7 +1908,6 @@
               <a:rPr lang="en-US"/>
               <a:t>Click to edit Master text styles</a:t>
             </a:r>
-            <a:endParaRPr lang="en-US"/>
           </a:p>
           <a:p>
             <a:pPr lvl="1"/>
@@ -1922,7 +1915,6 @@
               <a:rPr lang="en-US"/>
               <a:t>Second level</a:t>
             </a:r>
-            <a:endParaRPr lang="en-US"/>
           </a:p>
           <a:p>
             <a:pPr lvl="2"/>
@@ -1930,7 +1922,6 @@
               <a:rPr lang="en-US"/>
               <a:t>Third level</a:t>
             </a:r>
-            <a:endParaRPr lang="en-US"/>
           </a:p>
           <a:p>
             <a:pPr lvl="3"/>
@@ -1938,7 +1929,6 @@
               <a:rPr lang="en-US"/>
               <a:t>Fourth level</a:t>
             </a:r>
-            <a:endParaRPr lang="en-US"/>
           </a:p>
           <a:p>
             <a:pPr lvl="4"/>
@@ -1946,7 +1936,6 @@
               <a:rPr lang="en-US"/>
               <a:t>Fifth level</a:t>
             </a:r>
-            <a:endParaRPr lang="en-US"/>
           </a:p>
         </p:txBody>
       </p:sp>
@@ -1967,6 +1956,7 @@
           <a:p>
             <a:fld id="{1342D4F3-7900-47D4-A7E5-8AEF464ACB06}" type="datetimeFigureOut">
               <a:rPr lang="en-US" smtClean="0"/>
+              <a:t>3/23/2018</a:t>
             </a:fld>
             <a:endParaRPr lang="en-US"/>
           </a:p>
@@ -2008,12 +1998,18 @@
           <a:p>
             <a:fld id="{46B54676-752A-42A7-B71C-7A34214C6888}" type="slidenum">
               <a:rPr lang="en-US" smtClean="0"/>
+              <a:t>‹#›</a:t>
             </a:fld>
             <a:endParaRPr lang="en-US"/>
           </a:p>
         </p:txBody>
       </p:sp>
     </p:spTree>
+    <p:extLst>
+      <p:ext uri="{BB962C8B-B14F-4D97-AF65-F5344CB8AC3E}">
+        <p14:creationId xmlns:p14="http://schemas.microsoft.com/office/powerpoint/2010/main" val="1129596510"/>
+      </p:ext>
+    </p:extLst>
   </p:cSld>
   <p:clrMapOvr>
     <a:masterClrMapping/>
@@ -2066,7 +2062,6 @@
               <a:rPr lang="en-US"/>
               <a:t>Click to edit Master title style</a:t>
             </a:r>
-            <a:endParaRPr lang="en-US"/>
           </a:p>
         </p:txBody>
       </p:sp>
@@ -2186,7 +2181,6 @@
               <a:rPr lang="en-US"/>
               <a:t>Click to edit Master text styles</a:t>
             </a:r>
-            <a:endParaRPr lang="en-US"/>
           </a:p>
         </p:txBody>
       </p:sp>
@@ -2207,6 +2201,7 @@
           <a:p>
             <a:fld id="{1342D4F3-7900-47D4-A7E5-8AEF464ACB06}" type="datetimeFigureOut">
               <a:rPr lang="en-US" smtClean="0"/>
+              <a:t>3/23/2018</a:t>
             </a:fld>
             <a:endParaRPr lang="en-US"/>
           </a:p>
@@ -2248,12 +2243,18 @@
           <a:p>
             <a:fld id="{46B54676-752A-42A7-B71C-7A34214C6888}" type="slidenum">
               <a:rPr lang="en-US" smtClean="0"/>
+              <a:t>‹#›</a:t>
             </a:fld>
             <a:endParaRPr lang="en-US"/>
           </a:p>
         </p:txBody>
       </p:sp>
     </p:spTree>
+    <p:extLst>
+      <p:ext uri="{BB962C8B-B14F-4D97-AF65-F5344CB8AC3E}">
+        <p14:creationId xmlns:p14="http://schemas.microsoft.com/office/powerpoint/2010/main" val="1076522317"/>
+      </p:ext>
+    </p:extLst>
   </p:cSld>
   <p:clrMapOvr>
     <a:masterClrMapping/>
@@ -2297,7 +2298,6 @@
               <a:rPr lang="en-US"/>
               <a:t>Click to edit Master title style</a:t>
             </a:r>
-            <a:endParaRPr lang="en-US"/>
           </a:p>
         </p:txBody>
       </p:sp>
@@ -2326,7 +2326,6 @@
               <a:rPr lang="en-US"/>
               <a:t>Click to edit Master text styles</a:t>
             </a:r>
-            <a:endParaRPr lang="en-US"/>
           </a:p>
           <a:p>
             <a:pPr lvl="1"/>
@@ -2334,7 +2333,6 @@
               <a:rPr lang="en-US"/>
               <a:t>Second level</a:t>
             </a:r>
-            <a:endParaRPr lang="en-US"/>
           </a:p>
           <a:p>
             <a:pPr lvl="2"/>
@@ -2342,7 +2340,6 @@
               <a:rPr lang="en-US"/>
               <a:t>Third level</a:t>
             </a:r>
-            <a:endParaRPr lang="en-US"/>
           </a:p>
           <a:p>
             <a:pPr lvl="3"/>
@@ -2350,7 +2347,6 @@
               <a:rPr lang="en-US"/>
               <a:t>Fourth level</a:t>
             </a:r>
-            <a:endParaRPr lang="en-US"/>
           </a:p>
           <a:p>
             <a:pPr lvl="4"/>
@@ -2358,7 +2354,6 @@
               <a:rPr lang="en-US"/>
               <a:t>Fifth level</a:t>
             </a:r>
-            <a:endParaRPr lang="en-US"/>
           </a:p>
         </p:txBody>
       </p:sp>
@@ -2387,7 +2382,6 @@
               <a:rPr lang="en-US"/>
               <a:t>Click to edit Master text styles</a:t>
             </a:r>
-            <a:endParaRPr lang="en-US"/>
           </a:p>
           <a:p>
             <a:pPr lvl="1"/>
@@ -2395,7 +2389,6 @@
               <a:rPr lang="en-US"/>
               <a:t>Second level</a:t>
             </a:r>
-            <a:endParaRPr lang="en-US"/>
           </a:p>
           <a:p>
             <a:pPr lvl="2"/>
@@ -2403,7 +2396,6 @@
               <a:rPr lang="en-US"/>
               <a:t>Third level</a:t>
             </a:r>
-            <a:endParaRPr lang="en-US"/>
           </a:p>
           <a:p>
             <a:pPr lvl="3"/>
@@ -2411,7 +2403,6 @@
               <a:rPr lang="en-US"/>
               <a:t>Fourth level</a:t>
             </a:r>
-            <a:endParaRPr lang="en-US"/>
           </a:p>
           <a:p>
             <a:pPr lvl="4"/>
@@ -2419,7 +2410,6 @@
               <a:rPr lang="en-US"/>
               <a:t>Fifth level</a:t>
             </a:r>
-            <a:endParaRPr lang="en-US"/>
           </a:p>
         </p:txBody>
       </p:sp>
@@ -2440,6 +2430,7 @@
           <a:p>
             <a:fld id="{1342D4F3-7900-47D4-A7E5-8AEF464ACB06}" type="datetimeFigureOut">
               <a:rPr lang="en-US" smtClean="0"/>
+              <a:t>3/23/2018</a:t>
             </a:fld>
             <a:endParaRPr lang="en-US"/>
           </a:p>
@@ -2481,12 +2472,18 @@
           <a:p>
             <a:fld id="{46B54676-752A-42A7-B71C-7A34214C6888}" type="slidenum">
               <a:rPr lang="en-US" smtClean="0"/>
+              <a:t>‹#›</a:t>
             </a:fld>
             <a:endParaRPr lang="en-US"/>
           </a:p>
         </p:txBody>
       </p:sp>
     </p:spTree>
+    <p:extLst>
+      <p:ext uri="{BB962C8B-B14F-4D97-AF65-F5344CB8AC3E}">
+        <p14:creationId xmlns:p14="http://schemas.microsoft.com/office/powerpoint/2010/main" val="1045987537"/>
+      </p:ext>
+    </p:extLst>
   </p:cSld>
   <p:clrMapOvr>
     <a:masterClrMapping/>
@@ -2535,7 +2532,6 @@
               <a:rPr lang="en-US"/>
               <a:t>Click to edit Master title style</a:t>
             </a:r>
-            <a:endParaRPr lang="en-US"/>
           </a:p>
         </p:txBody>
       </p:sp>
@@ -2601,7 +2597,6 @@
               <a:rPr lang="en-US"/>
               <a:t>Click to edit Master text styles</a:t>
             </a:r>
-            <a:endParaRPr lang="en-US"/>
           </a:p>
         </p:txBody>
       </p:sp>
@@ -2630,7 +2625,6 @@
               <a:rPr lang="en-US"/>
               <a:t>Click to edit Master text styles</a:t>
             </a:r>
-            <a:endParaRPr lang="en-US"/>
           </a:p>
           <a:p>
             <a:pPr lvl="1"/>
@@ -2638,7 +2632,6 @@
               <a:rPr lang="en-US"/>
               <a:t>Second level</a:t>
             </a:r>
-            <a:endParaRPr lang="en-US"/>
           </a:p>
           <a:p>
             <a:pPr lvl="2"/>
@@ -2646,7 +2639,6 @@
               <a:rPr lang="en-US"/>
               <a:t>Third level</a:t>
             </a:r>
-            <a:endParaRPr lang="en-US"/>
           </a:p>
           <a:p>
             <a:pPr lvl="3"/>
@@ -2654,7 +2646,6 @@
               <a:rPr lang="en-US"/>
               <a:t>Fourth level</a:t>
             </a:r>
-            <a:endParaRPr lang="en-US"/>
           </a:p>
           <a:p>
             <a:pPr lvl="4"/>
@@ -2662,7 +2653,6 @@
               <a:rPr lang="en-US"/>
               <a:t>Fifth level</a:t>
             </a:r>
-            <a:endParaRPr lang="en-US"/>
           </a:p>
         </p:txBody>
       </p:sp>
@@ -2728,7 +2718,6 @@
               <a:rPr lang="en-US"/>
               <a:t>Click to edit Master text styles</a:t>
             </a:r>
-            <a:endParaRPr lang="en-US"/>
           </a:p>
         </p:txBody>
       </p:sp>
@@ -2757,7 +2746,6 @@
               <a:rPr lang="en-US"/>
               <a:t>Click to edit Master text styles</a:t>
             </a:r>
-            <a:endParaRPr lang="en-US"/>
           </a:p>
           <a:p>
             <a:pPr lvl="1"/>
@@ -2765,7 +2753,6 @@
               <a:rPr lang="en-US"/>
               <a:t>Second level</a:t>
             </a:r>
-            <a:endParaRPr lang="en-US"/>
           </a:p>
           <a:p>
             <a:pPr lvl="2"/>
@@ -2773,7 +2760,6 @@
               <a:rPr lang="en-US"/>
               <a:t>Third level</a:t>
             </a:r>
-            <a:endParaRPr lang="en-US"/>
           </a:p>
           <a:p>
             <a:pPr lvl="3"/>
@@ -2781,7 +2767,6 @@
               <a:rPr lang="en-US"/>
               <a:t>Fourth level</a:t>
             </a:r>
-            <a:endParaRPr lang="en-US"/>
           </a:p>
           <a:p>
             <a:pPr lvl="4"/>
@@ -2789,7 +2774,6 @@
               <a:rPr lang="en-US"/>
               <a:t>Fifth level</a:t>
             </a:r>
-            <a:endParaRPr lang="en-US"/>
           </a:p>
         </p:txBody>
       </p:sp>
@@ -2810,6 +2794,7 @@
           <a:p>
             <a:fld id="{1342D4F3-7900-47D4-A7E5-8AEF464ACB06}" type="datetimeFigureOut">
               <a:rPr lang="en-US" smtClean="0"/>
+              <a:t>3/23/2018</a:t>
             </a:fld>
             <a:endParaRPr lang="en-US"/>
           </a:p>
@@ -2851,12 +2836,18 @@
           <a:p>
             <a:fld id="{46B54676-752A-42A7-B71C-7A34214C6888}" type="slidenum">
               <a:rPr lang="en-US" smtClean="0"/>
+              <a:t>‹#›</a:t>
             </a:fld>
             <a:endParaRPr lang="en-US"/>
           </a:p>
         </p:txBody>
       </p:sp>
     </p:spTree>
+    <p:extLst>
+      <p:ext uri="{BB962C8B-B14F-4D97-AF65-F5344CB8AC3E}">
+        <p14:creationId xmlns:p14="http://schemas.microsoft.com/office/powerpoint/2010/main" val="2382465369"/>
+      </p:ext>
+    </p:extLst>
   </p:cSld>
   <p:clrMapOvr>
     <a:masterClrMapping/>
@@ -2900,7 +2891,6 @@
               <a:rPr lang="en-US"/>
               <a:t>Click to edit Master title style</a:t>
             </a:r>
-            <a:endParaRPr lang="en-US"/>
           </a:p>
         </p:txBody>
       </p:sp>
@@ -2921,6 +2911,7 @@
           <a:p>
             <a:fld id="{1342D4F3-7900-47D4-A7E5-8AEF464ACB06}" type="datetimeFigureOut">
               <a:rPr lang="en-US" smtClean="0"/>
+              <a:t>3/23/2018</a:t>
             </a:fld>
             <a:endParaRPr lang="en-US"/>
           </a:p>
@@ -2962,12 +2953,18 @@
           <a:p>
             <a:fld id="{46B54676-752A-42A7-B71C-7A34214C6888}" type="slidenum">
               <a:rPr lang="en-US" smtClean="0"/>
+              <a:t>‹#›</a:t>
             </a:fld>
             <a:endParaRPr lang="en-US"/>
           </a:p>
         </p:txBody>
       </p:sp>
     </p:spTree>
+    <p:extLst>
+      <p:ext uri="{BB962C8B-B14F-4D97-AF65-F5344CB8AC3E}">
+        <p14:creationId xmlns:p14="http://schemas.microsoft.com/office/powerpoint/2010/main" val="3082298944"/>
+      </p:ext>
+    </p:extLst>
   </p:cSld>
   <p:clrMapOvr>
     <a:masterClrMapping/>
@@ -3009,6 +3006,7 @@
           <a:p>
             <a:fld id="{1342D4F3-7900-47D4-A7E5-8AEF464ACB06}" type="datetimeFigureOut">
               <a:rPr lang="en-US" smtClean="0"/>
+              <a:t>3/23/2018</a:t>
             </a:fld>
             <a:endParaRPr lang="en-US"/>
           </a:p>
@@ -3050,12 +3048,18 @@
           <a:p>
             <a:fld id="{46B54676-752A-42A7-B71C-7A34214C6888}" type="slidenum">
               <a:rPr lang="en-US" smtClean="0"/>
+              <a:t>‹#›</a:t>
             </a:fld>
             <a:endParaRPr lang="en-US"/>
           </a:p>
         </p:txBody>
       </p:sp>
     </p:spTree>
+    <p:extLst>
+      <p:ext uri="{BB962C8B-B14F-4D97-AF65-F5344CB8AC3E}">
+        <p14:creationId xmlns:p14="http://schemas.microsoft.com/office/powerpoint/2010/main" val="3997078337"/>
+      </p:ext>
+    </p:extLst>
   </p:cSld>
   <p:clrMapOvr>
     <a:masterClrMapping/>
@@ -3108,7 +3112,6 @@
               <a:rPr lang="en-US"/>
               <a:t>Click to edit Master title style</a:t>
             </a:r>
-            <a:endParaRPr lang="en-US"/>
           </a:p>
         </p:txBody>
       </p:sp>
@@ -3165,7 +3168,6 @@
               <a:rPr lang="en-US"/>
               <a:t>Click to edit Master text styles</a:t>
             </a:r>
-            <a:endParaRPr lang="en-US"/>
           </a:p>
           <a:p>
             <a:pPr lvl="1"/>
@@ -3173,7 +3175,6 @@
               <a:rPr lang="en-US"/>
               <a:t>Second level</a:t>
             </a:r>
-            <a:endParaRPr lang="en-US"/>
           </a:p>
           <a:p>
             <a:pPr lvl="2"/>
@@ -3181,7 +3182,6 @@
               <a:rPr lang="en-US"/>
               <a:t>Third level</a:t>
             </a:r>
-            <a:endParaRPr lang="en-US"/>
           </a:p>
           <a:p>
             <a:pPr lvl="3"/>
@@ -3189,7 +3189,6 @@
               <a:rPr lang="en-US"/>
               <a:t>Fourth level</a:t>
             </a:r>
-            <a:endParaRPr lang="en-US"/>
           </a:p>
           <a:p>
             <a:pPr lvl="4"/>
@@ -3197,7 +3196,6 @@
               <a:rPr lang="en-US"/>
               <a:t>Fifth level</a:t>
             </a:r>
-            <a:endParaRPr lang="en-US"/>
           </a:p>
         </p:txBody>
       </p:sp>
@@ -3263,7 +3261,6 @@
               <a:rPr lang="en-US"/>
               <a:t>Click to edit Master text styles</a:t>
             </a:r>
-            <a:endParaRPr lang="en-US"/>
           </a:p>
         </p:txBody>
       </p:sp>
@@ -3284,6 +3281,7 @@
           <a:p>
             <a:fld id="{1342D4F3-7900-47D4-A7E5-8AEF464ACB06}" type="datetimeFigureOut">
               <a:rPr lang="en-US" smtClean="0"/>
+              <a:t>3/23/2018</a:t>
             </a:fld>
             <a:endParaRPr lang="en-US"/>
           </a:p>
@@ -3325,12 +3323,18 @@
           <a:p>
             <a:fld id="{46B54676-752A-42A7-B71C-7A34214C6888}" type="slidenum">
               <a:rPr lang="en-US" smtClean="0"/>
+              <a:t>‹#›</a:t>
             </a:fld>
             <a:endParaRPr lang="en-US"/>
           </a:p>
         </p:txBody>
       </p:sp>
     </p:spTree>
+    <p:extLst>
+      <p:ext uri="{BB962C8B-B14F-4D97-AF65-F5344CB8AC3E}">
+        <p14:creationId xmlns:p14="http://schemas.microsoft.com/office/powerpoint/2010/main" val="3023886297"/>
+      </p:ext>
+    </p:extLst>
   </p:cSld>
   <p:clrMapOvr>
     <a:masterClrMapping/>
@@ -3383,7 +3387,6 @@
               <a:rPr lang="en-US"/>
               <a:t>Click to edit Master title style</a:t>
             </a:r>
-            <a:endParaRPr lang="en-US"/>
           </a:p>
         </p:txBody>
       </p:sp>
@@ -3510,7 +3513,6 @@
               <a:rPr lang="en-US"/>
               <a:t>Click to edit Master text styles</a:t>
             </a:r>
-            <a:endParaRPr lang="en-US"/>
           </a:p>
         </p:txBody>
       </p:sp>
@@ -3531,6 +3533,7 @@
           <a:p>
             <a:fld id="{1342D4F3-7900-47D4-A7E5-8AEF464ACB06}" type="datetimeFigureOut">
               <a:rPr lang="en-US" smtClean="0"/>
+              <a:t>3/23/2018</a:t>
             </a:fld>
             <a:endParaRPr lang="en-US"/>
           </a:p>
@@ -3572,12 +3575,18 @@
           <a:p>
             <a:fld id="{46B54676-752A-42A7-B71C-7A34214C6888}" type="slidenum">
               <a:rPr lang="en-US" smtClean="0"/>
+              <a:t>‹#›</a:t>
             </a:fld>
             <a:endParaRPr lang="en-US"/>
           </a:p>
         </p:txBody>
       </p:sp>
     </p:spTree>
+    <p:extLst>
+      <p:ext uri="{BB962C8B-B14F-4D97-AF65-F5344CB8AC3E}">
+        <p14:creationId xmlns:p14="http://schemas.microsoft.com/office/powerpoint/2010/main" val="1915276996"/>
+      </p:ext>
+    </p:extLst>
   </p:cSld>
   <p:clrMapOvr>
     <a:masterClrMapping/>
@@ -3636,7 +3645,6 @@
               <a:rPr lang="en-US"/>
               <a:t>Click to edit Master title style</a:t>
             </a:r>
-            <a:endParaRPr lang="en-US"/>
           </a:p>
         </p:txBody>
       </p:sp>
@@ -3670,7 +3678,6 @@
               <a:rPr lang="en-US"/>
               <a:t>Click to edit Master text styles</a:t>
             </a:r>
-            <a:endParaRPr lang="en-US"/>
           </a:p>
           <a:p>
             <a:pPr lvl="1"/>
@@ -3678,7 +3685,6 @@
               <a:rPr lang="en-US"/>
               <a:t>Second level</a:t>
             </a:r>
-            <a:endParaRPr lang="en-US"/>
           </a:p>
           <a:p>
             <a:pPr lvl="2"/>
@@ -3686,7 +3692,6 @@
               <a:rPr lang="en-US"/>
               <a:t>Third level</a:t>
             </a:r>
-            <a:endParaRPr lang="en-US"/>
           </a:p>
           <a:p>
             <a:pPr lvl="3"/>
@@ -3694,7 +3699,6 @@
               <a:rPr lang="en-US"/>
               <a:t>Fourth level</a:t>
             </a:r>
-            <a:endParaRPr lang="en-US"/>
           </a:p>
           <a:p>
             <a:pPr lvl="4"/>
@@ -3702,7 +3706,6 @@
               <a:rPr lang="en-US"/>
               <a:t>Fifth level</a:t>
             </a:r>
-            <a:endParaRPr lang="en-US"/>
           </a:p>
         </p:txBody>
       </p:sp>
@@ -3741,6 +3744,7 @@
           <a:p>
             <a:fld id="{1342D4F3-7900-47D4-A7E5-8AEF464ACB06}" type="datetimeFigureOut">
               <a:rPr lang="en-US" smtClean="0"/>
+              <a:t>3/23/2018</a:t>
             </a:fld>
             <a:endParaRPr lang="en-US"/>
           </a:p>
@@ -3818,12 +3822,18 @@
           <a:p>
             <a:fld id="{46B54676-752A-42A7-B71C-7A34214C6888}" type="slidenum">
               <a:rPr lang="en-US" smtClean="0"/>
+              <a:t>‹#›</a:t>
             </a:fld>
             <a:endParaRPr lang="en-US"/>
           </a:p>
         </p:txBody>
       </p:sp>
     </p:spTree>
+    <p:extLst>
+      <p:ext uri="{BB962C8B-B14F-4D97-AF65-F5344CB8AC3E}">
+        <p14:creationId xmlns:p14="http://schemas.microsoft.com/office/powerpoint/2010/main" val="1098155663"/>
+      </p:ext>
+    </p:extLst>
   </p:cSld>
   <p:clrMap bg1="lt1" tx1="dk1" bg2="lt2" tx2="dk2" accent1="accent1" accent2="accent2" accent3="accent3" accent4="accent4" accent5="accent5" accent6="accent6" hlink="hlink" folHlink="folHlink"/>
   <p:sldLayoutIdLst>
@@ -4176,22 +4186,27 @@
                 <a:solidFill>
                   <a:schemeClr val="bg1"/>
                 </a:solidFill>
-                <a:latin typeface="微软雅黑" panose="020B0503020204020204" pitchFamily="34" charset="-122"/>
-                <a:ea typeface="微软雅黑" panose="020B0503020204020204" pitchFamily="34" charset="-122"/>
+                <a:latin typeface="Microsoft YaHei" panose="020B0503020204020204" pitchFamily="34" charset="-122"/>
+                <a:ea typeface="Microsoft YaHei" panose="020B0503020204020204" pitchFamily="34" charset="-122"/>
               </a:rPr>
-              <a:t>房产中介小程序方案设计</a:t>
+              <a:t>房产中介小程序界面方案设计</a:t>
             </a:r>
             <a:endParaRPr lang="de-DE" sz="3600" dirty="0">
               <a:solidFill>
                 <a:schemeClr val="bg1"/>
               </a:solidFill>
-              <a:latin typeface="微软雅黑" panose="020B0503020204020204" pitchFamily="34" charset="-122"/>
-              <a:ea typeface="微软雅黑" panose="020B0503020204020204" pitchFamily="34" charset="-122"/>
+              <a:latin typeface="Microsoft YaHei" panose="020B0503020204020204" pitchFamily="34" charset="-122"/>
+              <a:ea typeface="Microsoft YaHei" panose="020B0503020204020204" pitchFamily="34" charset="-122"/>
             </a:endParaRPr>
           </a:p>
         </p:txBody>
       </p:sp>
     </p:spTree>
+    <p:extLst>
+      <p:ext uri="{BB962C8B-B14F-4D97-AF65-F5344CB8AC3E}">
+        <p14:creationId xmlns:p14="http://schemas.microsoft.com/office/powerpoint/2010/main" val="3484194430"/>
+      </p:ext>
+    </p:extLst>
   </p:cSld>
   <p:clrMapOvr>
     <a:masterClrMapping/>
@@ -4228,106 +4243,6 @@
       </p:grpSpPr>
       <p:sp>
         <p:nvSpPr>
-          <p:cNvPr id="3" name="Rectangle 2"/>
-          <p:cNvSpPr/>
-          <p:nvPr/>
-        </p:nvSpPr>
-        <p:spPr>
-          <a:xfrm>
-            <a:off x="801278" y="707010"/>
-            <a:ext cx="2837468" cy="848413"/>
-          </a:xfrm>
-          <a:prstGeom prst="rect">
-            <a:avLst/>
-          </a:prstGeom>
-        </p:spPr>
-        <p:style>
-          <a:lnRef idx="2">
-            <a:schemeClr val="accent1">
-              <a:shade val="50000"/>
-            </a:schemeClr>
-          </a:lnRef>
-          <a:fillRef idx="1">
-            <a:schemeClr val="accent1"/>
-          </a:fillRef>
-          <a:effectRef idx="0">
-            <a:schemeClr val="accent1"/>
-          </a:effectRef>
-          <a:fontRef idx="minor">
-            <a:schemeClr val="lt1"/>
-          </a:fontRef>
-        </p:style>
-        <p:txBody>
-          <a:bodyPr rtlCol="0" anchor="ctr"/>
-          <a:lstStyle/>
-          <a:p>
-            <a:pPr algn="ctr"/>
-            <a:r>
-              <a:rPr lang="zh-CN" altLang="en-US" dirty="0">
-                <a:latin typeface="Microsoft YaHei UI" panose="020B0503020204020204" pitchFamily="34" charset="-122"/>
-                <a:ea typeface="Microsoft YaHei UI" panose="020B0503020204020204" pitchFamily="34" charset="-122"/>
-              </a:rPr>
-              <a:t>筛选栏</a:t>
-            </a:r>
-            <a:endParaRPr lang="zh-CN" altLang="en-US" dirty="0">
-              <a:latin typeface="Microsoft YaHei UI" panose="020B0503020204020204" pitchFamily="34" charset="-122"/>
-              <a:ea typeface="Microsoft YaHei UI" panose="020B0503020204020204" pitchFamily="34" charset="-122"/>
-            </a:endParaRPr>
-          </a:p>
-        </p:txBody>
-      </p:sp>
-      <p:sp>
-        <p:nvSpPr>
-          <p:cNvPr id="9" name="Rectangle 8"/>
-          <p:cNvSpPr/>
-          <p:nvPr/>
-        </p:nvSpPr>
-        <p:spPr>
-          <a:xfrm>
-            <a:off x="801278" y="1616979"/>
-            <a:ext cx="2837468" cy="4472735"/>
-          </a:xfrm>
-          <a:prstGeom prst="rect">
-            <a:avLst/>
-          </a:prstGeom>
-        </p:spPr>
-        <p:style>
-          <a:lnRef idx="2">
-            <a:schemeClr val="accent1">
-              <a:shade val="50000"/>
-            </a:schemeClr>
-          </a:lnRef>
-          <a:fillRef idx="1">
-            <a:schemeClr val="accent1"/>
-          </a:fillRef>
-          <a:effectRef idx="0">
-            <a:schemeClr val="accent1"/>
-          </a:effectRef>
-          <a:fontRef idx="minor">
-            <a:schemeClr val="lt1"/>
-          </a:fontRef>
-        </p:style>
-        <p:txBody>
-          <a:bodyPr rtlCol="0" anchor="ctr"/>
-          <a:lstStyle/>
-          <a:p>
-            <a:pPr algn="ctr"/>
-            <a:r>
-              <a:rPr lang="zh-CN" altLang="en-US" dirty="0">
-                <a:latin typeface="Microsoft YaHei UI" panose="020B0503020204020204" pitchFamily="34" charset="-122"/>
-                <a:ea typeface="Microsoft YaHei UI" panose="020B0503020204020204" pitchFamily="34" charset="-122"/>
-              </a:rPr>
-              <a:t>结果显示区</a:t>
-            </a:r>
-            <a:endParaRPr lang="zh-CN" altLang="en-US" dirty="0">
-              <a:latin typeface="Microsoft YaHei UI" panose="020B0503020204020204" pitchFamily="34" charset="-122"/>
-              <a:ea typeface="Microsoft YaHei UI" panose="020B0503020204020204" pitchFamily="34" charset="-122"/>
-            </a:endParaRPr>
-          </a:p>
-        </p:txBody>
-      </p:sp>
-      <p:sp>
-        <p:nvSpPr>
           <p:cNvPr id="11" name="TextBox 10"/>
           <p:cNvSpPr txBox="1"/>
           <p:nvPr/>
@@ -4353,17 +4268,17 @@
                 <a:solidFill>
                   <a:schemeClr val="bg1"/>
                 </a:solidFill>
-                <a:latin typeface="微软雅黑" panose="020B0503020204020204" pitchFamily="34" charset="-122"/>
-                <a:ea typeface="微软雅黑" panose="020B0503020204020204" pitchFamily="34" charset="-122"/>
+                <a:latin typeface="Microsoft YaHei" panose="020B0503020204020204" pitchFamily="34" charset="-122"/>
+                <a:ea typeface="Microsoft YaHei" panose="020B0503020204020204" pitchFamily="34" charset="-122"/>
               </a:rPr>
-              <a:t>商铺页设计</a:t>
+              <a:t>门店页设计</a:t>
             </a:r>
             <a:endParaRPr lang="de-DE" sz="3200" dirty="0">
               <a:solidFill>
                 <a:schemeClr val="bg1"/>
               </a:solidFill>
-              <a:latin typeface="微软雅黑" panose="020B0503020204020204" pitchFamily="34" charset="-122"/>
-              <a:ea typeface="微软雅黑" panose="020B0503020204020204" pitchFamily="34" charset="-122"/>
+              <a:latin typeface="Microsoft YaHei" panose="020B0503020204020204" pitchFamily="34" charset="-122"/>
+              <a:ea typeface="Microsoft YaHei" panose="020B0503020204020204" pitchFamily="34" charset="-122"/>
             </a:endParaRPr>
           </a:p>
         </p:txBody>
@@ -4376,8 +4291,8 @@
         </p:nvSpPr>
         <p:spPr>
           <a:xfrm>
-            <a:off x="4044896" y="1131216"/>
-            <a:ext cx="6675723" cy="646331"/>
+            <a:off x="420852" y="1416441"/>
+            <a:ext cx="6675723" cy="923330"/>
           </a:xfrm>
           <a:prstGeom prst="rect">
             <a:avLst/>
@@ -4395,17 +4310,17 @@
                 <a:solidFill>
                   <a:schemeClr val="bg1"/>
                 </a:solidFill>
-                <a:latin typeface="微软雅黑" panose="020B0503020204020204" pitchFamily="34" charset="-122"/>
-                <a:ea typeface="微软雅黑" panose="020B0503020204020204" pitchFamily="34" charset="-122"/>
+                <a:latin typeface="Microsoft YaHei" panose="020B0503020204020204" pitchFamily="34" charset="-122"/>
+                <a:ea typeface="Microsoft YaHei" panose="020B0503020204020204" pitchFamily="34" charset="-122"/>
               </a:rPr>
-              <a:t>通过底部导航栏的‘商铺’ 导航到此页</a:t>
+              <a:t>通过首页的‘门店’功能键导航到此页</a:t>
             </a:r>
             <a:endParaRPr lang="en-US" altLang="zh-CN" dirty="0">
               <a:solidFill>
                 <a:schemeClr val="bg1"/>
               </a:solidFill>
-              <a:latin typeface="微软雅黑" panose="020B0503020204020204" pitchFamily="34" charset="-122"/>
-              <a:ea typeface="微软雅黑" panose="020B0503020204020204" pitchFamily="34" charset="-122"/>
+              <a:latin typeface="Microsoft YaHei" panose="020B0503020204020204" pitchFamily="34" charset="-122"/>
+              <a:ea typeface="Microsoft YaHei" panose="020B0503020204020204" pitchFamily="34" charset="-122"/>
             </a:endParaRPr>
           </a:p>
           <a:p>
@@ -4414,644 +4329,76 @@
                 <a:solidFill>
                   <a:schemeClr val="bg1"/>
                 </a:solidFill>
-                <a:latin typeface="微软雅黑" panose="020B0503020204020204" pitchFamily="34" charset="-122"/>
-                <a:ea typeface="微软雅黑" panose="020B0503020204020204" pitchFamily="34" charset="-122"/>
+                <a:latin typeface="Microsoft YaHei" panose="020B0503020204020204" pitchFamily="34" charset="-122"/>
+                <a:ea typeface="Microsoft YaHei" panose="020B0503020204020204" pitchFamily="34" charset="-122"/>
               </a:rPr>
-              <a:t>筛选栏支持如下筛选条件</a:t>
+              <a:t>提供门店电话一键直播</a:t>
+            </a:r>
+            <a:endParaRPr lang="en-US" altLang="zh-CN" dirty="0">
+              <a:solidFill>
+                <a:schemeClr val="bg1"/>
+              </a:solidFill>
+              <a:latin typeface="Microsoft YaHei" panose="020B0503020204020204" pitchFamily="34" charset="-122"/>
+              <a:ea typeface="Microsoft YaHei" panose="020B0503020204020204" pitchFamily="34" charset="-122"/>
+            </a:endParaRPr>
+          </a:p>
+          <a:p>
+            <a:r>
+              <a:rPr lang="zh-CN" altLang="en-US" dirty="0">
+                <a:solidFill>
+                  <a:schemeClr val="bg1"/>
+                </a:solidFill>
+                <a:latin typeface="Microsoft YaHei" panose="020B0503020204020204" pitchFamily="34" charset="-122"/>
+                <a:ea typeface="Microsoft YaHei" panose="020B0503020204020204" pitchFamily="34" charset="-122"/>
+              </a:rPr>
+              <a:t>地图大头钉显示</a:t>
             </a:r>
             <a:endParaRPr lang="de-DE" dirty="0">
               <a:solidFill>
                 <a:schemeClr val="bg1"/>
               </a:solidFill>
-              <a:latin typeface="微软雅黑" panose="020B0503020204020204" pitchFamily="34" charset="-122"/>
-              <a:ea typeface="微软雅黑" panose="020B0503020204020204" pitchFamily="34" charset="-122"/>
+              <a:latin typeface="Microsoft YaHei" panose="020B0503020204020204" pitchFamily="34" charset="-122"/>
+              <a:ea typeface="Microsoft YaHei" panose="020B0503020204020204" pitchFamily="34" charset="-122"/>
             </a:endParaRPr>
           </a:p>
         </p:txBody>
       </p:sp>
-      <p:sp>
-        <p:nvSpPr>
-          <p:cNvPr id="6" name="Rectangle 5"/>
-          <p:cNvSpPr/>
+      <p:pic>
+        <p:nvPicPr>
+          <p:cNvPr id="4" name="图片 3">
+            <a:extLst>
+              <a:ext uri="{FF2B5EF4-FFF2-40B4-BE49-F238E27FC236}">
+                <a16:creationId xmlns:a16="http://schemas.microsoft.com/office/drawing/2014/main" id="{F6A325C7-5DAB-4CF5-9DE4-5AAE32A13EF4}"/>
+              </a:ext>
+            </a:extLst>
+          </p:cNvPr>
+          <p:cNvPicPr>
+            <a:picLocks noChangeAspect="1"/>
+          </p:cNvPicPr>
           <p:nvPr/>
-        </p:nvSpPr>
+        </p:nvPicPr>
+        <p:blipFill>
+          <a:blip r:embed="rId3"/>
+          <a:stretch>
+            <a:fillRect/>
+          </a:stretch>
+        </p:blipFill>
         <p:spPr>
           <a:xfrm>
-            <a:off x="4139139" y="1965772"/>
-            <a:ext cx="6070090" cy="494625"/>
+            <a:off x="8192620" y="0"/>
+            <a:ext cx="3876969" cy="6858000"/>
           </a:xfrm>
           <a:prstGeom prst="rect">
             <a:avLst/>
           </a:prstGeom>
         </p:spPr>
-        <p:style>
-          <a:lnRef idx="2">
-            <a:schemeClr val="accent1">
-              <a:shade val="50000"/>
-            </a:schemeClr>
-          </a:lnRef>
-          <a:fillRef idx="1">
-            <a:schemeClr val="accent1"/>
-          </a:fillRef>
-          <a:effectRef idx="0">
-            <a:schemeClr val="accent1"/>
-          </a:effectRef>
-          <a:fontRef idx="minor">
-            <a:schemeClr val="lt1"/>
-          </a:fontRef>
-        </p:style>
-        <p:txBody>
-          <a:bodyPr rtlCol="0" anchor="ctr"/>
-          <a:lstStyle/>
-          <a:p>
-            <a:pPr algn="dist"/>
-            <a:r>
-              <a:rPr lang="zh-CN" altLang="en-US" dirty="0">
-                <a:latin typeface="Microsoft YaHei UI" panose="020B0503020204020204" pitchFamily="34" charset="-122"/>
-                <a:ea typeface="Microsoft YaHei UI" panose="020B0503020204020204" pitchFamily="34" charset="-122"/>
-              </a:rPr>
-              <a:t>区域 租售 租金 更多</a:t>
-            </a:r>
-            <a:endParaRPr lang="zh-CN" altLang="en-US" dirty="0">
-              <a:latin typeface="Microsoft YaHei UI" panose="020B0503020204020204" pitchFamily="34" charset="-122"/>
-              <a:ea typeface="Microsoft YaHei UI" panose="020B0503020204020204" pitchFamily="34" charset="-122"/>
-            </a:endParaRPr>
-          </a:p>
-        </p:txBody>
-      </p:sp>
-      <p:sp>
-        <p:nvSpPr>
-          <p:cNvPr id="7" name="TextBox 6"/>
-          <p:cNvSpPr txBox="1"/>
-          <p:nvPr/>
-        </p:nvSpPr>
-        <p:spPr>
-          <a:xfrm>
-            <a:off x="4139139" y="3074709"/>
-            <a:ext cx="6675723" cy="369332"/>
-          </a:xfrm>
-          <a:prstGeom prst="rect">
-            <a:avLst/>
-          </a:prstGeom>
-          <a:noFill/>
-        </p:spPr>
-        <p:txBody>
-          <a:bodyPr wrap="square" rtlCol="0">
-            <a:spAutoFit/>
-          </a:bodyPr>
-          <a:lstStyle/>
-          <a:p>
-            <a:r>
-              <a:rPr lang="zh-CN" altLang="en-US" dirty="0">
-                <a:solidFill>
-                  <a:schemeClr val="bg1"/>
-                </a:solidFill>
-                <a:latin typeface="微软雅黑" panose="020B0503020204020204" pitchFamily="34" charset="-122"/>
-                <a:ea typeface="微软雅黑" panose="020B0503020204020204" pitchFamily="34" charset="-122"/>
-              </a:rPr>
-              <a:t>在‘更多’筛选项中，支持 ‘面积’‘类别’进行进一步筛选</a:t>
-            </a:r>
-            <a:endParaRPr lang="de-DE" dirty="0">
-              <a:solidFill>
-                <a:schemeClr val="bg1"/>
-              </a:solidFill>
-              <a:latin typeface="微软雅黑" panose="020B0503020204020204" pitchFamily="34" charset="-122"/>
-              <a:ea typeface="微软雅黑" panose="020B0503020204020204" pitchFamily="34" charset="-122"/>
-            </a:endParaRPr>
-          </a:p>
-        </p:txBody>
-      </p:sp>
+      </p:pic>
     </p:spTree>
-  </p:cSld>
-  <p:clrMapOvr>
-    <a:masterClrMapping/>
-  </p:clrMapOvr>
-</p:sld>
-</file>
-
-<file path=ppt/slides/slide11.xml><?xml version="1.0" encoding="utf-8"?>
-<p:sld xmlns:a="http://schemas.openxmlformats.org/drawingml/2006/main" xmlns:r="http://schemas.openxmlformats.org/officeDocument/2006/relationships" xmlns:p="http://schemas.openxmlformats.org/presentationml/2006/main">
-  <p:cSld>
-    <p:bg>
-      <p:bgPr>
-        <a:solidFill>
-          <a:schemeClr val="tx2">
-            <a:lumMod val="75000"/>
-          </a:schemeClr>
-        </a:solidFill>
-        <a:effectLst/>
-      </p:bgPr>
-    </p:bg>
-    <p:spTree>
-      <p:nvGrpSpPr>
-        <p:cNvPr id="1" name=""/>
-        <p:cNvGrpSpPr/>
-        <p:nvPr/>
-      </p:nvGrpSpPr>
-      <p:grpSpPr>
-        <a:xfrm>
-          <a:off x="0" y="0"/>
-          <a:ext cx="0" cy="0"/>
-          <a:chOff x="0" y="0"/>
-          <a:chExt cx="0" cy="0"/>
-        </a:xfrm>
-      </p:grpSpPr>
-      <p:sp>
-        <p:nvSpPr>
-          <p:cNvPr id="3" name="Rectangle 2"/>
-          <p:cNvSpPr/>
-          <p:nvPr/>
-        </p:nvSpPr>
-        <p:spPr>
-          <a:xfrm>
-            <a:off x="801278" y="707010"/>
-            <a:ext cx="2837468" cy="848413"/>
-          </a:xfrm>
-          <a:prstGeom prst="rect">
-            <a:avLst/>
-          </a:prstGeom>
-        </p:spPr>
-        <p:style>
-          <a:lnRef idx="2">
-            <a:schemeClr val="accent1">
-              <a:shade val="50000"/>
-            </a:schemeClr>
-          </a:lnRef>
-          <a:fillRef idx="1">
-            <a:schemeClr val="accent1"/>
-          </a:fillRef>
-          <a:effectRef idx="0">
-            <a:schemeClr val="accent1"/>
-          </a:effectRef>
-          <a:fontRef idx="minor">
-            <a:schemeClr val="lt1"/>
-          </a:fontRef>
-        </p:style>
-        <p:txBody>
-          <a:bodyPr rtlCol="0" anchor="ctr"/>
-          <a:lstStyle/>
-          <a:p>
-            <a:pPr algn="ctr"/>
-            <a:r>
-              <a:rPr lang="zh-CN" altLang="en-US" dirty="0">
-                <a:latin typeface="Microsoft YaHei UI" panose="020B0503020204020204" pitchFamily="34" charset="-122"/>
-                <a:ea typeface="Microsoft YaHei UI" panose="020B0503020204020204" pitchFamily="34" charset="-122"/>
-              </a:rPr>
-              <a:t>个人信息</a:t>
-            </a:r>
-            <a:endParaRPr lang="zh-CN" altLang="en-US" dirty="0">
-              <a:latin typeface="Microsoft YaHei UI" panose="020B0503020204020204" pitchFamily="34" charset="-122"/>
-              <a:ea typeface="Microsoft YaHei UI" panose="020B0503020204020204" pitchFamily="34" charset="-122"/>
-            </a:endParaRPr>
-          </a:p>
-        </p:txBody>
-      </p:sp>
-      <p:sp>
-        <p:nvSpPr>
-          <p:cNvPr id="9" name="Rectangle 8"/>
-          <p:cNvSpPr/>
-          <p:nvPr/>
-        </p:nvSpPr>
-        <p:spPr>
-          <a:xfrm>
-            <a:off x="801278" y="1616980"/>
-            <a:ext cx="2837468" cy="843418"/>
-          </a:xfrm>
-          <a:prstGeom prst="rect">
-            <a:avLst/>
-          </a:prstGeom>
-        </p:spPr>
-        <p:style>
-          <a:lnRef idx="2">
-            <a:schemeClr val="accent1">
-              <a:shade val="50000"/>
-            </a:schemeClr>
-          </a:lnRef>
-          <a:fillRef idx="1">
-            <a:schemeClr val="accent1"/>
-          </a:fillRef>
-          <a:effectRef idx="0">
-            <a:schemeClr val="accent1"/>
-          </a:effectRef>
-          <a:fontRef idx="minor">
-            <a:schemeClr val="lt1"/>
-          </a:fontRef>
-        </p:style>
-        <p:txBody>
-          <a:bodyPr rtlCol="0" anchor="ctr"/>
-          <a:lstStyle/>
-          <a:p>
-            <a:pPr algn="ctr"/>
-            <a:r>
-              <a:rPr lang="zh-CN" altLang="en-US" dirty="0">
-                <a:latin typeface="Microsoft YaHei UI" panose="020B0503020204020204" pitchFamily="34" charset="-122"/>
-                <a:ea typeface="Microsoft YaHei UI" panose="020B0503020204020204" pitchFamily="34" charset="-122"/>
-              </a:rPr>
-              <a:t>收藏房源</a:t>
-            </a:r>
-            <a:endParaRPr lang="zh-CN" altLang="en-US" dirty="0">
-              <a:latin typeface="Microsoft YaHei UI" panose="020B0503020204020204" pitchFamily="34" charset="-122"/>
-              <a:ea typeface="Microsoft YaHei UI" panose="020B0503020204020204" pitchFamily="34" charset="-122"/>
-            </a:endParaRPr>
-          </a:p>
-        </p:txBody>
-      </p:sp>
-      <p:sp>
-        <p:nvSpPr>
-          <p:cNvPr id="11" name="TextBox 10"/>
-          <p:cNvSpPr txBox="1"/>
-          <p:nvPr/>
-        </p:nvSpPr>
-        <p:spPr>
-          <a:xfrm>
-            <a:off x="300884" y="60679"/>
-            <a:ext cx="6675723" cy="584775"/>
-          </a:xfrm>
-          <a:prstGeom prst="rect">
-            <a:avLst/>
-          </a:prstGeom>
-          <a:noFill/>
-        </p:spPr>
-        <p:txBody>
-          <a:bodyPr wrap="square" rtlCol="0">
-            <a:spAutoFit/>
-          </a:bodyPr>
-          <a:lstStyle/>
-          <a:p>
-            <a:r>
-              <a:rPr lang="zh-CN" altLang="en-US" sz="3200" dirty="0">
-                <a:solidFill>
-                  <a:schemeClr val="bg1"/>
-                </a:solidFill>
-                <a:latin typeface="微软雅黑" panose="020B0503020204020204" pitchFamily="34" charset="-122"/>
-                <a:ea typeface="微软雅黑" panose="020B0503020204020204" pitchFamily="34" charset="-122"/>
-              </a:rPr>
-              <a:t>我的页设计</a:t>
-            </a:r>
-            <a:endParaRPr lang="de-DE" sz="3200" dirty="0">
-              <a:solidFill>
-                <a:schemeClr val="bg1"/>
-              </a:solidFill>
-              <a:latin typeface="微软雅黑" panose="020B0503020204020204" pitchFamily="34" charset="-122"/>
-              <a:ea typeface="微软雅黑" panose="020B0503020204020204" pitchFamily="34" charset="-122"/>
-            </a:endParaRPr>
-          </a:p>
-        </p:txBody>
-      </p:sp>
-      <p:sp>
-        <p:nvSpPr>
-          <p:cNvPr id="5" name="TextBox 4"/>
-          <p:cNvSpPr txBox="1"/>
-          <p:nvPr/>
-        </p:nvSpPr>
-        <p:spPr>
-          <a:xfrm>
-            <a:off x="4044896" y="1131216"/>
-            <a:ext cx="6675723" cy="646331"/>
-          </a:xfrm>
-          <a:prstGeom prst="rect">
-            <a:avLst/>
-          </a:prstGeom>
-          <a:noFill/>
-        </p:spPr>
-        <p:txBody>
-          <a:bodyPr wrap="square" rtlCol="0">
-            <a:spAutoFit/>
-          </a:bodyPr>
-          <a:lstStyle/>
-          <a:p>
-            <a:r>
-              <a:rPr lang="zh-CN" altLang="en-US" dirty="0">
-                <a:solidFill>
-                  <a:schemeClr val="bg1"/>
-                </a:solidFill>
-                <a:latin typeface="微软雅黑" panose="020B0503020204020204" pitchFamily="34" charset="-122"/>
-                <a:ea typeface="微软雅黑" panose="020B0503020204020204" pitchFamily="34" charset="-122"/>
-              </a:rPr>
-              <a:t>通过底部导航栏的‘我的’ 导航到此页</a:t>
-            </a:r>
-            <a:endParaRPr lang="en-US" altLang="zh-CN" dirty="0">
-              <a:solidFill>
-                <a:schemeClr val="bg1"/>
-              </a:solidFill>
-              <a:latin typeface="微软雅黑" panose="020B0503020204020204" pitchFamily="34" charset="-122"/>
-              <a:ea typeface="微软雅黑" panose="020B0503020204020204" pitchFamily="34" charset="-122"/>
-            </a:endParaRPr>
-          </a:p>
-          <a:p>
-            <a:r>
-              <a:rPr lang="zh-CN" altLang="en-US" dirty="0">
-                <a:solidFill>
-                  <a:schemeClr val="bg1"/>
-                </a:solidFill>
-                <a:latin typeface="微软雅黑" panose="020B0503020204020204" pitchFamily="34" charset="-122"/>
-                <a:ea typeface="微软雅黑" panose="020B0503020204020204" pitchFamily="34" charset="-122"/>
-              </a:rPr>
-              <a:t>筛选栏支持如下筛选条件</a:t>
-            </a:r>
-            <a:endParaRPr lang="de-DE" dirty="0">
-              <a:solidFill>
-                <a:schemeClr val="bg1"/>
-              </a:solidFill>
-              <a:latin typeface="微软雅黑" panose="020B0503020204020204" pitchFamily="34" charset="-122"/>
-              <a:ea typeface="微软雅黑" panose="020B0503020204020204" pitchFamily="34" charset="-122"/>
-            </a:endParaRPr>
-          </a:p>
-        </p:txBody>
-      </p:sp>
-      <p:sp>
-        <p:nvSpPr>
-          <p:cNvPr id="6" name="Rectangle 5"/>
-          <p:cNvSpPr/>
-          <p:nvPr/>
-        </p:nvSpPr>
-        <p:spPr>
-          <a:xfrm>
-            <a:off x="4139139" y="1965772"/>
-            <a:ext cx="6070090" cy="494625"/>
-          </a:xfrm>
-          <a:prstGeom prst="rect">
-            <a:avLst/>
-          </a:prstGeom>
-        </p:spPr>
-        <p:style>
-          <a:lnRef idx="2">
-            <a:schemeClr val="accent1">
-              <a:shade val="50000"/>
-            </a:schemeClr>
-          </a:lnRef>
-          <a:fillRef idx="1">
-            <a:schemeClr val="accent1"/>
-          </a:fillRef>
-          <a:effectRef idx="0">
-            <a:schemeClr val="accent1"/>
-          </a:effectRef>
-          <a:fontRef idx="minor">
-            <a:schemeClr val="lt1"/>
-          </a:fontRef>
-        </p:style>
-        <p:txBody>
-          <a:bodyPr rtlCol="0" anchor="ctr"/>
-          <a:lstStyle/>
-          <a:p>
-            <a:pPr algn="dist"/>
-            <a:r>
-              <a:rPr lang="zh-CN" altLang="en-US" dirty="0">
-                <a:latin typeface="Microsoft YaHei UI" panose="020B0503020204020204" pitchFamily="34" charset="-122"/>
-                <a:ea typeface="Microsoft YaHei UI" panose="020B0503020204020204" pitchFamily="34" charset="-122"/>
-              </a:rPr>
-              <a:t>区域 租售 租金 更多</a:t>
-            </a:r>
-            <a:endParaRPr lang="zh-CN" altLang="en-US" dirty="0">
-              <a:latin typeface="Microsoft YaHei UI" panose="020B0503020204020204" pitchFamily="34" charset="-122"/>
-              <a:ea typeface="Microsoft YaHei UI" panose="020B0503020204020204" pitchFamily="34" charset="-122"/>
-            </a:endParaRPr>
-          </a:p>
-        </p:txBody>
-      </p:sp>
-      <p:sp>
-        <p:nvSpPr>
-          <p:cNvPr id="7" name="TextBox 6"/>
-          <p:cNvSpPr txBox="1"/>
-          <p:nvPr/>
-        </p:nvSpPr>
-        <p:spPr>
-          <a:xfrm>
-            <a:off x="4139139" y="3074709"/>
-            <a:ext cx="6675723" cy="369332"/>
-          </a:xfrm>
-          <a:prstGeom prst="rect">
-            <a:avLst/>
-          </a:prstGeom>
-          <a:noFill/>
-        </p:spPr>
-        <p:txBody>
-          <a:bodyPr wrap="square" rtlCol="0">
-            <a:spAutoFit/>
-          </a:bodyPr>
-          <a:lstStyle/>
-          <a:p>
-            <a:r>
-              <a:rPr lang="zh-CN" altLang="en-US" dirty="0">
-                <a:solidFill>
-                  <a:schemeClr val="bg1"/>
-                </a:solidFill>
-                <a:latin typeface="微软雅黑" panose="020B0503020204020204" pitchFamily="34" charset="-122"/>
-                <a:ea typeface="微软雅黑" panose="020B0503020204020204" pitchFamily="34" charset="-122"/>
-              </a:rPr>
-              <a:t>在‘更多’筛选项中，支持 ‘面积’‘类别’进行进一步筛选</a:t>
-            </a:r>
-            <a:endParaRPr lang="de-DE" dirty="0">
-              <a:solidFill>
-                <a:schemeClr val="bg1"/>
-              </a:solidFill>
-              <a:latin typeface="微软雅黑" panose="020B0503020204020204" pitchFamily="34" charset="-122"/>
-              <a:ea typeface="微软雅黑" panose="020B0503020204020204" pitchFamily="34" charset="-122"/>
-            </a:endParaRPr>
-          </a:p>
-        </p:txBody>
-      </p:sp>
-      <p:sp>
-        <p:nvSpPr>
-          <p:cNvPr id="8" name="Rectangle 7"/>
-          <p:cNvSpPr/>
-          <p:nvPr/>
-        </p:nvSpPr>
-        <p:spPr>
-          <a:xfrm>
-            <a:off x="801278" y="2539633"/>
-            <a:ext cx="2837468" cy="843418"/>
-          </a:xfrm>
-          <a:prstGeom prst="rect">
-            <a:avLst/>
-          </a:prstGeom>
-        </p:spPr>
-        <p:style>
-          <a:lnRef idx="2">
-            <a:schemeClr val="accent1">
-              <a:shade val="50000"/>
-            </a:schemeClr>
-          </a:lnRef>
-          <a:fillRef idx="1">
-            <a:schemeClr val="accent1"/>
-          </a:fillRef>
-          <a:effectRef idx="0">
-            <a:schemeClr val="accent1"/>
-          </a:effectRef>
-          <a:fontRef idx="minor">
-            <a:schemeClr val="lt1"/>
-          </a:fontRef>
-        </p:style>
-        <p:txBody>
-          <a:bodyPr rtlCol="0" anchor="ctr"/>
-          <a:lstStyle/>
-          <a:p>
-            <a:pPr algn="ctr"/>
-            <a:r>
-              <a:rPr lang="zh-CN" altLang="en-US" dirty="0">
-                <a:latin typeface="Microsoft YaHei UI" panose="020B0503020204020204" pitchFamily="34" charset="-122"/>
-                <a:ea typeface="Microsoft YaHei UI" panose="020B0503020204020204" pitchFamily="34" charset="-122"/>
-              </a:rPr>
-              <a:t>房贷计算器</a:t>
-            </a:r>
-            <a:endParaRPr lang="zh-CN" altLang="en-US" dirty="0">
-              <a:latin typeface="Microsoft YaHei UI" panose="020B0503020204020204" pitchFamily="34" charset="-122"/>
-              <a:ea typeface="Microsoft YaHei UI" panose="020B0503020204020204" pitchFamily="34" charset="-122"/>
-            </a:endParaRPr>
-          </a:p>
-        </p:txBody>
-      </p:sp>
-      <p:sp>
-        <p:nvSpPr>
-          <p:cNvPr id="10" name="Rectangle 9"/>
-          <p:cNvSpPr/>
-          <p:nvPr/>
-        </p:nvSpPr>
-        <p:spPr>
-          <a:xfrm>
-            <a:off x="801278" y="3456775"/>
-            <a:ext cx="2837468" cy="843418"/>
-          </a:xfrm>
-          <a:prstGeom prst="rect">
-            <a:avLst/>
-          </a:prstGeom>
-        </p:spPr>
-        <p:style>
-          <a:lnRef idx="2">
-            <a:schemeClr val="accent1">
-              <a:shade val="50000"/>
-            </a:schemeClr>
-          </a:lnRef>
-          <a:fillRef idx="1">
-            <a:schemeClr val="accent1"/>
-          </a:fillRef>
-          <a:effectRef idx="0">
-            <a:schemeClr val="accent1"/>
-          </a:effectRef>
-          <a:fontRef idx="minor">
-            <a:schemeClr val="lt1"/>
-          </a:fontRef>
-        </p:style>
-        <p:txBody>
-          <a:bodyPr rtlCol="0" anchor="ctr"/>
-          <a:lstStyle/>
-          <a:p>
-            <a:pPr algn="ctr"/>
-            <a:r>
-              <a:rPr lang="zh-CN" altLang="en-US" dirty="0">
-                <a:latin typeface="Microsoft YaHei UI" panose="020B0503020204020204" pitchFamily="34" charset="-122"/>
-                <a:ea typeface="Microsoft YaHei UI" panose="020B0503020204020204" pitchFamily="34" charset="-122"/>
-              </a:rPr>
-              <a:t>税费计算器</a:t>
-            </a:r>
-            <a:endParaRPr lang="zh-CN" altLang="en-US" dirty="0">
-              <a:latin typeface="Microsoft YaHei UI" panose="020B0503020204020204" pitchFamily="34" charset="-122"/>
-              <a:ea typeface="Microsoft YaHei UI" panose="020B0503020204020204" pitchFamily="34" charset="-122"/>
-            </a:endParaRPr>
-          </a:p>
-        </p:txBody>
-      </p:sp>
-      <p:sp>
-        <p:nvSpPr>
-          <p:cNvPr id="12" name="Rectangle 11"/>
-          <p:cNvSpPr/>
-          <p:nvPr/>
-        </p:nvSpPr>
-        <p:spPr>
-          <a:xfrm>
-            <a:off x="801278" y="4373917"/>
-            <a:ext cx="2837468" cy="843418"/>
-          </a:xfrm>
-          <a:prstGeom prst="rect">
-            <a:avLst/>
-          </a:prstGeom>
-        </p:spPr>
-        <p:style>
-          <a:lnRef idx="2">
-            <a:schemeClr val="accent1">
-              <a:shade val="50000"/>
-            </a:schemeClr>
-          </a:lnRef>
-          <a:fillRef idx="1">
-            <a:schemeClr val="accent1"/>
-          </a:fillRef>
-          <a:effectRef idx="0">
-            <a:schemeClr val="accent1"/>
-          </a:effectRef>
-          <a:fontRef idx="minor">
-            <a:schemeClr val="lt1"/>
-          </a:fontRef>
-        </p:style>
-        <p:txBody>
-          <a:bodyPr rtlCol="0" anchor="ctr"/>
-          <a:lstStyle/>
-          <a:p>
-            <a:pPr algn="ctr"/>
-            <a:r>
-              <a:rPr lang="zh-CN" altLang="en-US" dirty="0">
-                <a:latin typeface="Microsoft YaHei UI" panose="020B0503020204020204" pitchFamily="34" charset="-122"/>
-                <a:ea typeface="Microsoft YaHei UI" panose="020B0503020204020204" pitchFamily="34" charset="-122"/>
-              </a:rPr>
-              <a:t>求房登记</a:t>
-            </a:r>
-            <a:endParaRPr lang="zh-CN" altLang="en-US" dirty="0">
-              <a:latin typeface="Microsoft YaHei UI" panose="020B0503020204020204" pitchFamily="34" charset="-122"/>
-              <a:ea typeface="Microsoft YaHei UI" panose="020B0503020204020204" pitchFamily="34" charset="-122"/>
-            </a:endParaRPr>
-          </a:p>
-        </p:txBody>
-      </p:sp>
-      <p:sp>
-        <p:nvSpPr>
-          <p:cNvPr id="13" name="Rectangle 12"/>
-          <p:cNvSpPr/>
-          <p:nvPr/>
-        </p:nvSpPr>
-        <p:spPr>
-          <a:xfrm>
-            <a:off x="801278" y="5450143"/>
-            <a:ext cx="2837468" cy="843418"/>
-          </a:xfrm>
-          <a:prstGeom prst="rect">
-            <a:avLst/>
-          </a:prstGeom>
-        </p:spPr>
-        <p:style>
-          <a:lnRef idx="2">
-            <a:schemeClr val="accent1">
-              <a:shade val="50000"/>
-            </a:schemeClr>
-          </a:lnRef>
-          <a:fillRef idx="1">
-            <a:schemeClr val="accent1"/>
-          </a:fillRef>
-          <a:effectRef idx="0">
-            <a:schemeClr val="accent1"/>
-          </a:effectRef>
-          <a:fontRef idx="minor">
-            <a:schemeClr val="lt1"/>
-          </a:fontRef>
-        </p:style>
-        <p:txBody>
-          <a:bodyPr rtlCol="0" anchor="ctr"/>
-          <a:lstStyle/>
-          <a:p>
-            <a:pPr algn="ctr"/>
-            <a:r>
-              <a:rPr lang="zh-CN" altLang="en-US" dirty="0">
-                <a:latin typeface="Microsoft YaHei UI" panose="020B0503020204020204" pitchFamily="34" charset="-122"/>
-                <a:ea typeface="Microsoft YaHei UI" panose="020B0503020204020204" pitchFamily="34" charset="-122"/>
-              </a:rPr>
-              <a:t>技术支持公众号</a:t>
-            </a:r>
-            <a:endParaRPr lang="zh-CN" altLang="en-US" dirty="0">
-              <a:latin typeface="Microsoft YaHei UI" panose="020B0503020204020204" pitchFamily="34" charset="-122"/>
-              <a:ea typeface="Microsoft YaHei UI" panose="020B0503020204020204" pitchFamily="34" charset="-122"/>
-            </a:endParaRPr>
-          </a:p>
-        </p:txBody>
-      </p:sp>
-    </p:spTree>
+    <p:extLst>
+      <p:ext uri="{BB962C8B-B14F-4D97-AF65-F5344CB8AC3E}">
+        <p14:creationId xmlns:p14="http://schemas.microsoft.com/office/powerpoint/2010/main" val="3637127050"/>
+      </p:ext>
+    </p:extLst>
   </p:cSld>
   <p:clrMapOvr>
     <a:masterClrMapping/>
@@ -5088,791 +4435,6 @@
       </p:grpSpPr>
       <p:sp>
         <p:nvSpPr>
-          <p:cNvPr id="3" name="Rectangle 2"/>
-          <p:cNvSpPr/>
-          <p:nvPr/>
-        </p:nvSpPr>
-        <p:spPr>
-          <a:xfrm>
-            <a:off x="801278" y="707010"/>
-            <a:ext cx="2837468" cy="1414021"/>
-          </a:xfrm>
-          <a:prstGeom prst="rect">
-            <a:avLst/>
-          </a:prstGeom>
-        </p:spPr>
-        <p:style>
-          <a:lnRef idx="2">
-            <a:schemeClr val="accent1">
-              <a:shade val="50000"/>
-            </a:schemeClr>
-          </a:lnRef>
-          <a:fillRef idx="1">
-            <a:schemeClr val="accent1"/>
-          </a:fillRef>
-          <a:effectRef idx="0">
-            <a:schemeClr val="accent1"/>
-          </a:effectRef>
-          <a:fontRef idx="minor">
-            <a:schemeClr val="lt1"/>
-          </a:fontRef>
-        </p:style>
-        <p:txBody>
-          <a:bodyPr rtlCol="0" anchor="ctr"/>
-          <a:lstStyle/>
-          <a:p>
-            <a:pPr algn="ctr"/>
-            <a:r>
-              <a:rPr lang="zh-CN" altLang="en-US" dirty="0">
-                <a:latin typeface="Microsoft YaHei UI" panose="020B0503020204020204" pitchFamily="34" charset="-122"/>
-                <a:ea typeface="Microsoft YaHei UI" panose="020B0503020204020204" pitchFamily="34" charset="-122"/>
-              </a:rPr>
-              <a:t>首页</a:t>
-            </a:r>
-            <a:r>
-              <a:rPr lang="en-US" altLang="zh-CN" dirty="0">
-                <a:latin typeface="Microsoft YaHei UI" panose="020B0503020204020204" pitchFamily="34" charset="-122"/>
-                <a:ea typeface="Microsoft YaHei UI" panose="020B0503020204020204" pitchFamily="34" charset="-122"/>
-              </a:rPr>
-              <a:t>banner</a:t>
-            </a:r>
-            <a:endParaRPr lang="zh-CN" altLang="en-US" dirty="0">
-              <a:latin typeface="Microsoft YaHei UI" panose="020B0503020204020204" pitchFamily="34" charset="-122"/>
-              <a:ea typeface="Microsoft YaHei UI" panose="020B0503020204020204" pitchFamily="34" charset="-122"/>
-            </a:endParaRPr>
-          </a:p>
-        </p:txBody>
-      </p:sp>
-      <p:sp>
-        <p:nvSpPr>
-          <p:cNvPr id="7" name="Rectangle 6"/>
-          <p:cNvSpPr/>
-          <p:nvPr/>
-        </p:nvSpPr>
-        <p:spPr>
-          <a:xfrm>
-            <a:off x="801278" y="2188587"/>
-            <a:ext cx="2837468" cy="554611"/>
-          </a:xfrm>
-          <a:prstGeom prst="rect">
-            <a:avLst/>
-          </a:prstGeom>
-        </p:spPr>
-        <p:style>
-          <a:lnRef idx="2">
-            <a:schemeClr val="accent1">
-              <a:shade val="50000"/>
-            </a:schemeClr>
-          </a:lnRef>
-          <a:fillRef idx="1">
-            <a:schemeClr val="accent1"/>
-          </a:fillRef>
-          <a:effectRef idx="0">
-            <a:schemeClr val="accent1"/>
-          </a:effectRef>
-          <a:fontRef idx="minor">
-            <a:schemeClr val="lt1"/>
-          </a:fontRef>
-        </p:style>
-        <p:txBody>
-          <a:bodyPr rtlCol="0" anchor="ctr"/>
-          <a:lstStyle/>
-          <a:p>
-            <a:pPr algn="ctr"/>
-            <a:r>
-              <a:rPr lang="zh-CN" altLang="en-US" dirty="0">
-                <a:latin typeface="Microsoft YaHei UI" panose="020B0503020204020204" pitchFamily="34" charset="-122"/>
-                <a:ea typeface="Microsoft YaHei UI" panose="020B0503020204020204" pitchFamily="34" charset="-122"/>
-              </a:rPr>
-              <a:t>搜索栏</a:t>
-            </a:r>
-            <a:endParaRPr lang="zh-CN" altLang="en-US" dirty="0">
-              <a:latin typeface="Microsoft YaHei UI" panose="020B0503020204020204" pitchFamily="34" charset="-122"/>
-              <a:ea typeface="Microsoft YaHei UI" panose="020B0503020204020204" pitchFamily="34" charset="-122"/>
-            </a:endParaRPr>
-          </a:p>
-        </p:txBody>
-      </p:sp>
-      <p:sp>
-        <p:nvSpPr>
-          <p:cNvPr id="8" name="Rectangle 7"/>
-          <p:cNvSpPr/>
-          <p:nvPr/>
-        </p:nvSpPr>
-        <p:spPr>
-          <a:xfrm>
-            <a:off x="801278" y="2821751"/>
-            <a:ext cx="2837468" cy="554611"/>
-          </a:xfrm>
-          <a:prstGeom prst="rect">
-            <a:avLst/>
-          </a:prstGeom>
-        </p:spPr>
-        <p:style>
-          <a:lnRef idx="2">
-            <a:schemeClr val="accent1">
-              <a:shade val="50000"/>
-            </a:schemeClr>
-          </a:lnRef>
-          <a:fillRef idx="1">
-            <a:schemeClr val="accent1"/>
-          </a:fillRef>
-          <a:effectRef idx="0">
-            <a:schemeClr val="accent1"/>
-          </a:effectRef>
-          <a:fontRef idx="minor">
-            <a:schemeClr val="lt1"/>
-          </a:fontRef>
-        </p:style>
-        <p:txBody>
-          <a:bodyPr rtlCol="0" anchor="ctr"/>
-          <a:lstStyle/>
-          <a:p>
-            <a:pPr algn="ctr"/>
-            <a:r>
-              <a:rPr lang="zh-CN" altLang="en-US" dirty="0">
-                <a:latin typeface="Microsoft YaHei UI" panose="020B0503020204020204" pitchFamily="34" charset="-122"/>
-                <a:ea typeface="Microsoft YaHei UI" panose="020B0503020204020204" pitchFamily="34" charset="-122"/>
-              </a:rPr>
-              <a:t>功能按钮</a:t>
-            </a:r>
-            <a:endParaRPr lang="zh-CN" altLang="en-US" dirty="0">
-              <a:latin typeface="Microsoft YaHei UI" panose="020B0503020204020204" pitchFamily="34" charset="-122"/>
-              <a:ea typeface="Microsoft YaHei UI" panose="020B0503020204020204" pitchFamily="34" charset="-122"/>
-            </a:endParaRPr>
-          </a:p>
-        </p:txBody>
-      </p:sp>
-      <p:sp>
-        <p:nvSpPr>
-          <p:cNvPr id="9" name="Rectangle 8"/>
-          <p:cNvSpPr/>
-          <p:nvPr/>
-        </p:nvSpPr>
-        <p:spPr>
-          <a:xfrm>
-            <a:off x="801278" y="3450198"/>
-            <a:ext cx="2837468" cy="2102183"/>
-          </a:xfrm>
-          <a:prstGeom prst="rect">
-            <a:avLst/>
-          </a:prstGeom>
-        </p:spPr>
-        <p:style>
-          <a:lnRef idx="2">
-            <a:schemeClr val="accent1">
-              <a:shade val="50000"/>
-            </a:schemeClr>
-          </a:lnRef>
-          <a:fillRef idx="1">
-            <a:schemeClr val="accent1"/>
-          </a:fillRef>
-          <a:effectRef idx="0">
-            <a:schemeClr val="accent1"/>
-          </a:effectRef>
-          <a:fontRef idx="minor">
-            <a:schemeClr val="lt1"/>
-          </a:fontRef>
-        </p:style>
-        <p:txBody>
-          <a:bodyPr rtlCol="0" anchor="ctr"/>
-          <a:lstStyle/>
-          <a:p>
-            <a:pPr algn="ctr"/>
-            <a:r>
-              <a:rPr lang="zh-CN" altLang="en-US" dirty="0">
-                <a:latin typeface="Microsoft YaHei UI" panose="020B0503020204020204" pitchFamily="34" charset="-122"/>
-                <a:ea typeface="Microsoft YaHei UI" panose="020B0503020204020204" pitchFamily="34" charset="-122"/>
-              </a:rPr>
-              <a:t>内容区</a:t>
-            </a:r>
-            <a:endParaRPr lang="zh-CN" altLang="en-US" dirty="0">
-              <a:latin typeface="Microsoft YaHei UI" panose="020B0503020204020204" pitchFamily="34" charset="-122"/>
-              <a:ea typeface="Microsoft YaHei UI" panose="020B0503020204020204" pitchFamily="34" charset="-122"/>
-            </a:endParaRPr>
-          </a:p>
-        </p:txBody>
-      </p:sp>
-      <p:sp>
-        <p:nvSpPr>
-          <p:cNvPr id="10" name="Rectangle 9"/>
-          <p:cNvSpPr/>
-          <p:nvPr/>
-        </p:nvSpPr>
-        <p:spPr>
-          <a:xfrm>
-            <a:off x="801278" y="5637222"/>
-            <a:ext cx="2837468" cy="554611"/>
-          </a:xfrm>
-          <a:prstGeom prst="rect">
-            <a:avLst/>
-          </a:prstGeom>
-        </p:spPr>
-        <p:style>
-          <a:lnRef idx="2">
-            <a:schemeClr val="accent1">
-              <a:shade val="50000"/>
-            </a:schemeClr>
-          </a:lnRef>
-          <a:fillRef idx="1">
-            <a:schemeClr val="accent1"/>
-          </a:fillRef>
-          <a:effectRef idx="0">
-            <a:schemeClr val="accent1"/>
-          </a:effectRef>
-          <a:fontRef idx="minor">
-            <a:schemeClr val="lt1"/>
-          </a:fontRef>
-        </p:style>
-        <p:txBody>
-          <a:bodyPr rtlCol="0" anchor="ctr"/>
-          <a:lstStyle/>
-          <a:p>
-            <a:pPr algn="ctr"/>
-            <a:r>
-              <a:rPr lang="zh-CN" altLang="en-US" dirty="0">
-                <a:latin typeface="Microsoft YaHei UI" panose="020B0503020204020204" pitchFamily="34" charset="-122"/>
-                <a:ea typeface="Microsoft YaHei UI" panose="020B0503020204020204" pitchFamily="34" charset="-122"/>
-              </a:rPr>
-              <a:t>底部导航栏</a:t>
-            </a:r>
-            <a:endParaRPr lang="zh-CN" altLang="en-US" dirty="0">
-              <a:latin typeface="Microsoft YaHei UI" panose="020B0503020204020204" pitchFamily="34" charset="-122"/>
-              <a:ea typeface="Microsoft YaHei UI" panose="020B0503020204020204" pitchFamily="34" charset="-122"/>
-            </a:endParaRPr>
-          </a:p>
-        </p:txBody>
-      </p:sp>
-      <p:graphicFrame>
-        <p:nvGraphicFramePr>
-          <p:cNvPr id="4" name="Table 3"/>
-          <p:cNvGraphicFramePr>
-            <a:graphicFrameLocks noGrp="1"/>
-          </p:cNvGraphicFramePr>
-          <p:nvPr/>
-        </p:nvGraphicFramePr>
-        <p:xfrm>
-          <a:off x="3926788" y="874016"/>
-          <a:ext cx="7884999" cy="4399280"/>
-        </p:xfrm>
-        <a:graphic>
-          <a:graphicData uri="http://schemas.openxmlformats.org/drawingml/2006/table">
-            <a:tbl>
-              <a:tblPr firstRow="1" bandRow="1">
-                <a:tableStyleId>{5C22544A-7EE6-4342-B048-85BDC9FD1C3A}</a:tableStyleId>
-              </a:tblPr>
-              <a:tblGrid>
-                <a:gridCol w="1795282"/>
-                <a:gridCol w="2903456"/>
-                <a:gridCol w="3186261"/>
-              </a:tblGrid>
-              <a:tr h="370840">
-                <a:tc>
-                  <a:txBody>
-                    <a:bodyPr/>
-                    <a:lstStyle/>
-                    <a:p>
-                      <a:r>
-                        <a:rPr lang="zh-CN" altLang="en-US" dirty="0">
-                          <a:latin typeface="Microsoft YaHei UI" panose="020B0503020204020204" pitchFamily="34" charset="-122"/>
-                          <a:ea typeface="Microsoft YaHei UI" panose="020B0503020204020204" pitchFamily="34" charset="-122"/>
-                        </a:rPr>
-                        <a:t>功能区</a:t>
-                      </a:r>
-                      <a:endParaRPr lang="zh-CN" altLang="en-US" dirty="0">
-                        <a:latin typeface="Microsoft YaHei UI" panose="020B0503020204020204" pitchFamily="34" charset="-122"/>
-                        <a:ea typeface="Microsoft YaHei UI" panose="020B0503020204020204" pitchFamily="34" charset="-122"/>
-                      </a:endParaRPr>
-                    </a:p>
-                  </a:txBody>
-                  <a:tcPr/>
-                </a:tc>
-                <a:tc>
-                  <a:txBody>
-                    <a:bodyPr/>
-                    <a:lstStyle/>
-                    <a:p>
-                      <a:r>
-                        <a:rPr lang="zh-CN" altLang="en-US" dirty="0">
-                          <a:latin typeface="Microsoft YaHei UI" panose="020B0503020204020204" pitchFamily="34" charset="-122"/>
-                          <a:ea typeface="Microsoft YaHei UI" panose="020B0503020204020204" pitchFamily="34" charset="-122"/>
-                        </a:rPr>
-                        <a:t>用途</a:t>
-                      </a:r>
-                      <a:endParaRPr lang="zh-CN" altLang="en-US" dirty="0">
-                        <a:latin typeface="Microsoft YaHei UI" panose="020B0503020204020204" pitchFamily="34" charset="-122"/>
-                        <a:ea typeface="Microsoft YaHei UI" panose="020B0503020204020204" pitchFamily="34" charset="-122"/>
-                      </a:endParaRPr>
-                    </a:p>
-                  </a:txBody>
-                  <a:tcPr/>
-                </a:tc>
-                <a:tc>
-                  <a:txBody>
-                    <a:bodyPr/>
-                    <a:lstStyle/>
-                    <a:p>
-                      <a:r>
-                        <a:rPr lang="zh-CN" altLang="en-US" dirty="0">
-                          <a:latin typeface="Microsoft YaHei UI" panose="020B0503020204020204" pitchFamily="34" charset="-122"/>
-                          <a:ea typeface="Microsoft YaHei UI" panose="020B0503020204020204" pitchFamily="34" charset="-122"/>
-                        </a:rPr>
-                        <a:t>设计要求</a:t>
-                      </a:r>
-                      <a:endParaRPr lang="zh-CN" altLang="en-US" dirty="0">
-                        <a:latin typeface="Microsoft YaHei UI" panose="020B0503020204020204" pitchFamily="34" charset="-122"/>
-                        <a:ea typeface="Microsoft YaHei UI" panose="020B0503020204020204" pitchFamily="34" charset="-122"/>
-                      </a:endParaRPr>
-                    </a:p>
-                  </a:txBody>
-                  <a:tcPr/>
-                </a:tc>
-              </a:tr>
-              <a:tr h="370840">
-                <a:tc>
-                  <a:txBody>
-                    <a:bodyPr/>
-                    <a:lstStyle/>
-                    <a:p>
-                      <a:r>
-                        <a:rPr lang="zh-CN" altLang="en-US" dirty="0">
-                          <a:latin typeface="Microsoft YaHei UI" panose="020B0503020204020204" pitchFamily="34" charset="-122"/>
-                          <a:ea typeface="Microsoft YaHei UI" panose="020B0503020204020204" pitchFamily="34" charset="-122"/>
-                        </a:rPr>
-                        <a:t>首页</a:t>
-                      </a:r>
-                      <a:r>
-                        <a:rPr lang="en-US" altLang="zh-CN" dirty="0">
-                          <a:latin typeface="Microsoft YaHei UI" panose="020B0503020204020204" pitchFamily="34" charset="-122"/>
-                          <a:ea typeface="Microsoft YaHei UI" panose="020B0503020204020204" pitchFamily="34" charset="-122"/>
-                        </a:rPr>
-                        <a:t>banner</a:t>
-                      </a:r>
-                      <a:endParaRPr lang="zh-CN" altLang="en-US" dirty="0">
-                        <a:latin typeface="Microsoft YaHei UI" panose="020B0503020204020204" pitchFamily="34" charset="-122"/>
-                        <a:ea typeface="Microsoft YaHei UI" panose="020B0503020204020204" pitchFamily="34" charset="-122"/>
-                      </a:endParaRPr>
-                    </a:p>
-                  </a:txBody>
-                  <a:tcPr/>
-                </a:tc>
-                <a:tc>
-                  <a:txBody>
-                    <a:bodyPr/>
-                    <a:lstStyle/>
-                    <a:p>
-                      <a:r>
-                        <a:rPr lang="zh-CN" altLang="en-US" dirty="0">
-                          <a:latin typeface="Microsoft YaHei UI" panose="020B0503020204020204" pitchFamily="34" charset="-122"/>
-                          <a:ea typeface="Microsoft YaHei UI" panose="020B0503020204020204" pitchFamily="34" charset="-122"/>
-                        </a:rPr>
-                        <a:t>展示城市风貌，落户政策，中介公司实力，限购政策等</a:t>
-                      </a:r>
-                      <a:endParaRPr lang="zh-CN" altLang="en-US" dirty="0">
-                        <a:latin typeface="Microsoft YaHei UI" panose="020B0503020204020204" pitchFamily="34" charset="-122"/>
-                        <a:ea typeface="Microsoft YaHei UI" panose="020B0503020204020204" pitchFamily="34" charset="-122"/>
-                      </a:endParaRPr>
-                    </a:p>
-                  </a:txBody>
-                  <a:tcPr/>
-                </a:tc>
-                <a:tc>
-                  <a:txBody>
-                    <a:bodyPr/>
-                    <a:lstStyle/>
-                    <a:p>
-                      <a:r>
-                        <a:rPr lang="zh-CN" altLang="en-US" dirty="0">
-                          <a:latin typeface="Microsoft YaHei UI" panose="020B0503020204020204" pitchFamily="34" charset="-122"/>
-                          <a:ea typeface="Microsoft YaHei UI" panose="020B0503020204020204" pitchFamily="34" charset="-122"/>
-                        </a:rPr>
-                        <a:t>默认</a:t>
-                      </a:r>
-                      <a:r>
-                        <a:rPr lang="en-US" altLang="zh-CN" dirty="0">
-                          <a:latin typeface="Microsoft YaHei UI" panose="020B0503020204020204" pitchFamily="34" charset="-122"/>
-                          <a:ea typeface="Microsoft YaHei UI" panose="020B0503020204020204" pitchFamily="34" charset="-122"/>
-                        </a:rPr>
-                        <a:t>3</a:t>
-                      </a:r>
-                      <a:r>
-                        <a:rPr lang="zh-CN" altLang="en-US" dirty="0">
-                          <a:latin typeface="Microsoft YaHei UI" panose="020B0503020204020204" pitchFamily="34" charset="-122"/>
-                          <a:ea typeface="Microsoft YaHei UI" panose="020B0503020204020204" pitchFamily="34" charset="-122"/>
-                        </a:rPr>
-                        <a:t>个</a:t>
-                      </a:r>
-                      <a:endParaRPr lang="zh-CN" altLang="en-US" dirty="0">
-                        <a:latin typeface="Microsoft YaHei UI" panose="020B0503020204020204" pitchFamily="34" charset="-122"/>
-                        <a:ea typeface="Microsoft YaHei UI" panose="020B0503020204020204" pitchFamily="34" charset="-122"/>
-                      </a:endParaRPr>
-                    </a:p>
-                  </a:txBody>
-                  <a:tcPr/>
-                </a:tc>
-              </a:tr>
-              <a:tr h="370840">
-                <a:tc>
-                  <a:txBody>
-                    <a:bodyPr/>
-                    <a:lstStyle/>
-                    <a:p>
-                      <a:r>
-                        <a:rPr lang="zh-CN" altLang="en-US" dirty="0">
-                          <a:latin typeface="Microsoft YaHei UI" panose="020B0503020204020204" pitchFamily="34" charset="-122"/>
-                          <a:ea typeface="Microsoft YaHei UI" panose="020B0503020204020204" pitchFamily="34" charset="-122"/>
-                        </a:rPr>
-                        <a:t>搜索栏</a:t>
-                      </a:r>
-                      <a:endParaRPr lang="zh-CN" altLang="en-US" dirty="0">
-                        <a:latin typeface="Microsoft YaHei UI" panose="020B0503020204020204" pitchFamily="34" charset="-122"/>
-                        <a:ea typeface="Microsoft YaHei UI" panose="020B0503020204020204" pitchFamily="34" charset="-122"/>
-                      </a:endParaRPr>
-                    </a:p>
-                  </a:txBody>
-                  <a:tcPr/>
-                </a:tc>
-                <a:tc>
-                  <a:txBody>
-                    <a:bodyPr/>
-                    <a:lstStyle/>
-                    <a:p>
-                      <a:r>
-                        <a:rPr lang="zh-CN" altLang="en-US" dirty="0">
-                          <a:latin typeface="Microsoft YaHei UI" panose="020B0503020204020204" pitchFamily="34" charset="-122"/>
-                          <a:ea typeface="Microsoft YaHei UI" panose="020B0503020204020204" pitchFamily="34" charset="-122"/>
-                        </a:rPr>
-                        <a:t>快捷搜索房源</a:t>
-                      </a:r>
-                      <a:endParaRPr lang="zh-CN" altLang="en-US" dirty="0">
-                        <a:latin typeface="Microsoft YaHei UI" panose="020B0503020204020204" pitchFamily="34" charset="-122"/>
-                        <a:ea typeface="Microsoft YaHei UI" panose="020B0503020204020204" pitchFamily="34" charset="-122"/>
-                      </a:endParaRPr>
-                    </a:p>
-                  </a:txBody>
-                  <a:tcPr/>
-                </a:tc>
-                <a:tc>
-                  <a:txBody>
-                    <a:bodyPr/>
-                    <a:lstStyle/>
-                    <a:p>
-                      <a:r>
-                        <a:rPr lang="zh-CN" altLang="en-US" dirty="0">
-                          <a:latin typeface="Microsoft YaHei UI" panose="020B0503020204020204" pitchFamily="34" charset="-122"/>
-                          <a:ea typeface="Microsoft YaHei UI" panose="020B0503020204020204" pitchFamily="34" charset="-122"/>
-                        </a:rPr>
-                        <a:t>支持楼盘名称，行政区域，热点区域（如春熙路，川大，软件园），道路名称进行搜索</a:t>
-                      </a:r>
-                      <a:endParaRPr lang="zh-CN" altLang="en-US" dirty="0">
-                        <a:latin typeface="Microsoft YaHei UI" panose="020B0503020204020204" pitchFamily="34" charset="-122"/>
-                        <a:ea typeface="Microsoft YaHei UI" panose="020B0503020204020204" pitchFamily="34" charset="-122"/>
-                      </a:endParaRPr>
-                    </a:p>
-                  </a:txBody>
-                  <a:tcPr/>
-                </a:tc>
-              </a:tr>
-              <a:tr h="370840">
-                <a:tc>
-                  <a:txBody>
-                    <a:bodyPr/>
-                    <a:lstStyle/>
-                    <a:p>
-                      <a:r>
-                        <a:rPr lang="zh-CN" altLang="en-US" dirty="0">
-                          <a:latin typeface="Microsoft YaHei UI" panose="020B0503020204020204" pitchFamily="34" charset="-122"/>
-                          <a:ea typeface="Microsoft YaHei UI" panose="020B0503020204020204" pitchFamily="34" charset="-122"/>
-                        </a:rPr>
-                        <a:t>功能按钮</a:t>
-                      </a:r>
-                      <a:endParaRPr lang="zh-CN" altLang="en-US" dirty="0">
-                        <a:latin typeface="Microsoft YaHei UI" panose="020B0503020204020204" pitchFamily="34" charset="-122"/>
-                        <a:ea typeface="Microsoft YaHei UI" panose="020B0503020204020204" pitchFamily="34" charset="-122"/>
-                      </a:endParaRPr>
-                    </a:p>
-                  </a:txBody>
-                  <a:tcPr/>
-                </a:tc>
-                <a:tc>
-                  <a:txBody>
-                    <a:bodyPr/>
-                    <a:lstStyle/>
-                    <a:p>
-                      <a:r>
-                        <a:rPr lang="zh-CN" altLang="en-US" dirty="0">
-                          <a:latin typeface="Microsoft YaHei UI" panose="020B0503020204020204" pitchFamily="34" charset="-122"/>
-                          <a:ea typeface="Microsoft YaHei UI" panose="020B0503020204020204" pitchFamily="34" charset="-122"/>
-                        </a:rPr>
-                        <a:t>主要业务导航</a:t>
-                      </a:r>
-                      <a:endParaRPr lang="zh-CN" altLang="en-US" dirty="0">
-                        <a:latin typeface="Microsoft YaHei UI" panose="020B0503020204020204" pitchFamily="34" charset="-122"/>
-                        <a:ea typeface="Microsoft YaHei UI" panose="020B0503020204020204" pitchFamily="34" charset="-122"/>
-                      </a:endParaRPr>
-                    </a:p>
-                  </a:txBody>
-                  <a:tcPr/>
-                </a:tc>
-                <a:tc>
-                  <a:txBody>
-                    <a:bodyPr/>
-                    <a:lstStyle/>
-                    <a:p>
-                      <a:r>
-                        <a:rPr lang="zh-CN" altLang="en-US" dirty="0">
-                          <a:latin typeface="Microsoft YaHei UI" panose="020B0503020204020204" pitchFamily="34" charset="-122"/>
-                          <a:ea typeface="Microsoft YaHei UI" panose="020B0503020204020204" pitchFamily="34" charset="-122"/>
-                        </a:rPr>
-                        <a:t>可设置</a:t>
-                      </a:r>
-                      <a:r>
-                        <a:rPr lang="en-US" altLang="zh-CN" dirty="0">
-                          <a:latin typeface="Microsoft YaHei UI" panose="020B0503020204020204" pitchFamily="34" charset="-122"/>
-                          <a:ea typeface="Microsoft YaHei UI" panose="020B0503020204020204" pitchFamily="34" charset="-122"/>
-                        </a:rPr>
-                        <a:t>4</a:t>
-                      </a:r>
-                      <a:r>
-                        <a:rPr lang="zh-CN" altLang="en-US" dirty="0">
-                          <a:latin typeface="Microsoft YaHei UI" panose="020B0503020204020204" pitchFamily="34" charset="-122"/>
-                          <a:ea typeface="Microsoft YaHei UI" panose="020B0503020204020204" pitchFamily="34" charset="-122"/>
-                        </a:rPr>
-                        <a:t>个功能键：新房，二手房，租房，门店</a:t>
-                      </a:r>
-                      <a:endParaRPr lang="zh-CN" altLang="en-US" dirty="0">
-                        <a:latin typeface="Microsoft YaHei UI" panose="020B0503020204020204" pitchFamily="34" charset="-122"/>
-                        <a:ea typeface="Microsoft YaHei UI" panose="020B0503020204020204" pitchFamily="34" charset="-122"/>
-                      </a:endParaRPr>
-                    </a:p>
-                  </a:txBody>
-                  <a:tcPr/>
-                </a:tc>
-              </a:tr>
-              <a:tr h="370840">
-                <a:tc>
-                  <a:txBody>
-                    <a:bodyPr/>
-                    <a:lstStyle/>
-                    <a:p>
-                      <a:r>
-                        <a:rPr lang="zh-CN" altLang="en-US" dirty="0">
-                          <a:latin typeface="Microsoft YaHei UI" panose="020B0503020204020204" pitchFamily="34" charset="-122"/>
-                          <a:ea typeface="Microsoft YaHei UI" panose="020B0503020204020204" pitchFamily="34" charset="-122"/>
-                        </a:rPr>
-                        <a:t>内容区</a:t>
-                      </a:r>
-                      <a:endParaRPr lang="zh-CN" altLang="en-US" dirty="0">
-                        <a:latin typeface="Microsoft YaHei UI" panose="020B0503020204020204" pitchFamily="34" charset="-122"/>
-                        <a:ea typeface="Microsoft YaHei UI" panose="020B0503020204020204" pitchFamily="34" charset="-122"/>
-                      </a:endParaRPr>
-                    </a:p>
-                  </a:txBody>
-                  <a:tcPr/>
-                </a:tc>
-                <a:tc>
-                  <a:txBody>
-                    <a:bodyPr/>
-                    <a:lstStyle/>
-                    <a:p>
-                      <a:r>
-                        <a:rPr lang="zh-CN" altLang="en-US" dirty="0">
-                          <a:latin typeface="Microsoft YaHei UI" panose="020B0503020204020204" pitchFamily="34" charset="-122"/>
-                          <a:ea typeface="Microsoft YaHei UI" panose="020B0503020204020204" pitchFamily="34" charset="-122"/>
-                        </a:rPr>
-                        <a:t>显示强推房源</a:t>
-                      </a:r>
-                      <a:endParaRPr lang="zh-CN" altLang="en-US" dirty="0">
-                        <a:latin typeface="Microsoft YaHei UI" panose="020B0503020204020204" pitchFamily="34" charset="-122"/>
-                        <a:ea typeface="Microsoft YaHei UI" panose="020B0503020204020204" pitchFamily="34" charset="-122"/>
-                      </a:endParaRPr>
-                    </a:p>
-                  </a:txBody>
-                  <a:tcPr/>
-                </a:tc>
-                <a:tc>
-                  <a:txBody>
-                    <a:bodyPr/>
-                    <a:lstStyle/>
-                    <a:p>
-                      <a:endParaRPr lang="zh-CN" altLang="en-US" dirty="0">
-                        <a:latin typeface="Microsoft YaHei UI" panose="020B0503020204020204" pitchFamily="34" charset="-122"/>
-                        <a:ea typeface="Microsoft YaHei UI" panose="020B0503020204020204" pitchFamily="34" charset="-122"/>
-                      </a:endParaRPr>
-                    </a:p>
-                  </a:txBody>
-                  <a:tcPr/>
-                </a:tc>
-              </a:tr>
-              <a:tr h="370840">
-                <a:tc>
-                  <a:txBody>
-                    <a:bodyPr/>
-                    <a:lstStyle/>
-                    <a:p>
-                      <a:r>
-                        <a:rPr lang="zh-CN" altLang="en-US" dirty="0">
-                          <a:latin typeface="Microsoft YaHei UI" panose="020B0503020204020204" pitchFamily="34" charset="-122"/>
-                          <a:ea typeface="Microsoft YaHei UI" panose="020B0503020204020204" pitchFamily="34" charset="-122"/>
-                        </a:rPr>
-                        <a:t>底部导航栏</a:t>
-                      </a:r>
-                      <a:endParaRPr lang="zh-CN" altLang="en-US" dirty="0">
-                        <a:latin typeface="Microsoft YaHei UI" panose="020B0503020204020204" pitchFamily="34" charset="-122"/>
-                        <a:ea typeface="Microsoft YaHei UI" panose="020B0503020204020204" pitchFamily="34" charset="-122"/>
-                      </a:endParaRPr>
-                    </a:p>
-                  </a:txBody>
-                  <a:tcPr/>
-                </a:tc>
-                <a:tc>
-                  <a:txBody>
-                    <a:bodyPr/>
-                    <a:lstStyle/>
-                    <a:p>
-                      <a:r>
-                        <a:rPr lang="zh-CN" altLang="en-US" dirty="0">
-                          <a:latin typeface="Microsoft YaHei UI" panose="020B0503020204020204" pitchFamily="34" charset="-122"/>
-                          <a:ea typeface="Microsoft YaHei UI" panose="020B0503020204020204" pitchFamily="34" charset="-122"/>
-                        </a:rPr>
-                        <a:t>快捷导航对应页面</a:t>
-                      </a:r>
-                      <a:endParaRPr lang="zh-CN" altLang="en-US" dirty="0">
-                        <a:latin typeface="Microsoft YaHei UI" panose="020B0503020204020204" pitchFamily="34" charset="-122"/>
-                        <a:ea typeface="Microsoft YaHei UI" panose="020B0503020204020204" pitchFamily="34" charset="-122"/>
-                      </a:endParaRPr>
-                    </a:p>
-                  </a:txBody>
-                  <a:tcPr/>
-                </a:tc>
-                <a:tc>
-                  <a:txBody>
-                    <a:bodyPr/>
-                    <a:lstStyle/>
-                    <a:p>
-                      <a:pPr marL="0" marR="0" lvl="0" indent="0" algn="l" defTabSz="914400" rtl="0" eaLnBrk="1" fontAlgn="auto" latinLnBrk="0" hangingPunct="1">
-                        <a:lnSpc>
-                          <a:spcPct val="100000"/>
-                        </a:lnSpc>
-                        <a:spcBef>
-                          <a:spcPts val="0"/>
-                        </a:spcBef>
-                        <a:spcAft>
-                          <a:spcPts val="0"/>
-                        </a:spcAft>
-                        <a:buClrTx/>
-                        <a:buSzTx/>
-                        <a:buFontTx/>
-                        <a:buNone/>
-                        <a:defRPr/>
-                      </a:pPr>
-                      <a:r>
-                        <a:rPr lang="en-US" altLang="zh-CN" dirty="0">
-                          <a:latin typeface="Microsoft YaHei UI" panose="020B0503020204020204" pitchFamily="34" charset="-122"/>
-                          <a:ea typeface="Microsoft YaHei UI" panose="020B0503020204020204" pitchFamily="34" charset="-122"/>
-                        </a:rPr>
-                        <a:t>4</a:t>
-                      </a:r>
-                      <a:r>
-                        <a:rPr lang="zh-CN" altLang="en-US" dirty="0">
-                          <a:latin typeface="Microsoft YaHei UI" panose="020B0503020204020204" pitchFamily="34" charset="-122"/>
-                          <a:ea typeface="Microsoft YaHei UI" panose="020B0503020204020204" pitchFamily="34" charset="-122"/>
-                        </a:rPr>
-                        <a:t>个导航键，分别为</a:t>
-                      </a:r>
-                      <a:r>
-                        <a:rPr lang="en-US" altLang="zh-CN" dirty="0">
-                          <a:latin typeface="Microsoft YaHei UI" panose="020B0503020204020204" pitchFamily="34" charset="-122"/>
-                          <a:ea typeface="Microsoft YaHei UI" panose="020B0503020204020204" pitchFamily="34" charset="-122"/>
-                        </a:rPr>
-                        <a:t>’</a:t>
-                      </a:r>
-                      <a:r>
-                        <a:rPr lang="zh-CN" altLang="en-US" dirty="0">
-                          <a:latin typeface="Microsoft YaHei UI" panose="020B0503020204020204" pitchFamily="34" charset="-122"/>
-                          <a:ea typeface="Microsoft YaHei UI" panose="020B0503020204020204" pitchFamily="34" charset="-122"/>
-                        </a:rPr>
-                        <a:t>主页</a:t>
-                      </a:r>
-                      <a:r>
-                        <a:rPr lang="en-US" altLang="zh-CN" dirty="0">
-                          <a:latin typeface="Microsoft YaHei UI" panose="020B0503020204020204" pitchFamily="34" charset="-122"/>
-                          <a:ea typeface="Microsoft YaHei UI" panose="020B0503020204020204" pitchFamily="34" charset="-122"/>
-                        </a:rPr>
-                        <a:t>’</a:t>
-                      </a:r>
-                      <a:r>
-                        <a:rPr lang="zh-CN" altLang="en-US" dirty="0">
-                          <a:latin typeface="Microsoft YaHei UI" panose="020B0503020204020204" pitchFamily="34" charset="-122"/>
-                          <a:ea typeface="Microsoft YaHei UI" panose="020B0503020204020204" pitchFamily="34" charset="-122"/>
-                        </a:rPr>
-                        <a:t>，‘写字楼’，‘商铺’，</a:t>
-                      </a:r>
-                      <a:r>
-                        <a:rPr lang="en-US" altLang="zh-CN" dirty="0">
-                          <a:latin typeface="Microsoft YaHei UI" panose="020B0503020204020204" pitchFamily="34" charset="-122"/>
-                          <a:ea typeface="Microsoft YaHei UI" panose="020B0503020204020204" pitchFamily="34" charset="-122"/>
-                        </a:rPr>
-                        <a:t>’</a:t>
-                      </a:r>
-                      <a:r>
-                        <a:rPr lang="zh-CN" altLang="en-US" dirty="0">
-                          <a:latin typeface="Microsoft YaHei UI" panose="020B0503020204020204" pitchFamily="34" charset="-122"/>
-                          <a:ea typeface="Microsoft YaHei UI" panose="020B0503020204020204" pitchFamily="34" charset="-122"/>
-                        </a:rPr>
-                        <a:t>我的</a:t>
-                      </a:r>
-                      <a:r>
-                        <a:rPr lang="en-US" altLang="zh-CN" dirty="0">
-                          <a:latin typeface="Microsoft YaHei UI" panose="020B0503020204020204" pitchFamily="34" charset="-122"/>
-                          <a:ea typeface="Microsoft YaHei UI" panose="020B0503020204020204" pitchFamily="34" charset="-122"/>
-                        </a:rPr>
-                        <a:t>’</a:t>
-                      </a:r>
-                      <a:endParaRPr lang="en-US" altLang="zh-CN" dirty="0">
-                        <a:latin typeface="Microsoft YaHei UI" panose="020B0503020204020204" pitchFamily="34" charset="-122"/>
-                        <a:ea typeface="Microsoft YaHei UI" panose="020B0503020204020204" pitchFamily="34" charset="-122"/>
-                      </a:endParaRPr>
-                    </a:p>
-                    <a:p>
-                      <a:pPr marL="0" marR="0" lvl="0" indent="0" algn="l" defTabSz="914400" rtl="0" eaLnBrk="1" fontAlgn="auto" latinLnBrk="0" hangingPunct="1">
-                        <a:lnSpc>
-                          <a:spcPct val="100000"/>
-                        </a:lnSpc>
-                        <a:spcBef>
-                          <a:spcPts val="0"/>
-                        </a:spcBef>
-                        <a:spcAft>
-                          <a:spcPts val="0"/>
-                        </a:spcAft>
-                        <a:buClrTx/>
-                        <a:buSzTx/>
-                        <a:buFontTx/>
-                        <a:buNone/>
-                        <a:defRPr/>
-                      </a:pPr>
-                      <a:r>
-                        <a:rPr lang="zh-CN" altLang="en-US" dirty="0">
-                          <a:latin typeface="Microsoft YaHei UI" panose="020B0503020204020204" pitchFamily="34" charset="-122"/>
-                          <a:ea typeface="Microsoft YaHei UI" panose="020B0503020204020204" pitchFamily="34" charset="-122"/>
-                        </a:rPr>
-                        <a:t>其中写字楼和商铺根据中介公司的实际情况可定制。</a:t>
-                      </a:r>
-                      <a:endParaRPr lang="zh-CN" altLang="en-US" dirty="0">
-                        <a:latin typeface="Microsoft YaHei UI" panose="020B0503020204020204" pitchFamily="34" charset="-122"/>
-                        <a:ea typeface="Microsoft YaHei UI" panose="020B0503020204020204" pitchFamily="34" charset="-122"/>
-                      </a:endParaRPr>
-                    </a:p>
-                  </a:txBody>
-                  <a:tcPr/>
-                </a:tc>
-              </a:tr>
-            </a:tbl>
-          </a:graphicData>
-        </a:graphic>
-      </p:graphicFrame>
-      <p:sp>
-        <p:nvSpPr>
           <p:cNvPr id="11" name="TextBox 10"/>
           <p:cNvSpPr txBox="1"/>
           <p:nvPr/>
@@ -5898,8 +4460,8 @@
                 <a:solidFill>
                   <a:schemeClr val="bg1"/>
                 </a:solidFill>
-                <a:latin typeface="微软雅黑" panose="020B0503020204020204" pitchFamily="34" charset="-122"/>
-                <a:ea typeface="微软雅黑" panose="020B0503020204020204" pitchFamily="34" charset="-122"/>
+                <a:latin typeface="Microsoft YaHei" panose="020B0503020204020204" pitchFamily="34" charset="-122"/>
+                <a:ea typeface="Microsoft YaHei" panose="020B0503020204020204" pitchFamily="34" charset="-122"/>
               </a:rPr>
               <a:t>首页设计</a:t>
             </a:r>
@@ -5907,13 +4469,154 @@
               <a:solidFill>
                 <a:schemeClr val="bg1"/>
               </a:solidFill>
-              <a:latin typeface="微软雅黑" panose="020B0503020204020204" pitchFamily="34" charset="-122"/>
-              <a:ea typeface="微软雅黑" panose="020B0503020204020204" pitchFamily="34" charset="-122"/>
+              <a:latin typeface="Microsoft YaHei" panose="020B0503020204020204" pitchFamily="34" charset="-122"/>
+              <a:ea typeface="Microsoft YaHei" panose="020B0503020204020204" pitchFamily="34" charset="-122"/>
             </a:endParaRPr>
           </a:p>
         </p:txBody>
       </p:sp>
+      <p:pic>
+        <p:nvPicPr>
+          <p:cNvPr id="2" name="图片 1">
+            <a:extLst>
+              <a:ext uri="{FF2B5EF4-FFF2-40B4-BE49-F238E27FC236}">
+                <a16:creationId xmlns:a16="http://schemas.microsoft.com/office/drawing/2014/main" id="{DB1821EA-9178-487B-B0D6-37464E757035}"/>
+              </a:ext>
+            </a:extLst>
+          </p:cNvPr>
+          <p:cNvPicPr>
+            <a:picLocks noChangeAspect="1"/>
+          </p:cNvPicPr>
+          <p:nvPr/>
+        </p:nvPicPr>
+        <p:blipFill>
+          <a:blip r:embed="rId3"/>
+          <a:stretch>
+            <a:fillRect/>
+          </a:stretch>
+        </p:blipFill>
+        <p:spPr>
+          <a:xfrm>
+            <a:off x="4314563" y="8562"/>
+            <a:ext cx="3848100" cy="6791325"/>
+          </a:xfrm>
+          <a:prstGeom prst="rect">
+            <a:avLst/>
+          </a:prstGeom>
+        </p:spPr>
+      </p:pic>
+      <p:sp>
+        <p:nvSpPr>
+          <p:cNvPr id="12" name="TextBox 6">
+            <a:extLst>
+              <a:ext uri="{FF2B5EF4-FFF2-40B4-BE49-F238E27FC236}">
+                <a16:creationId xmlns:a16="http://schemas.microsoft.com/office/drawing/2014/main" id="{312D663D-7A20-4444-BF67-73EDEA1D854A}"/>
+              </a:ext>
+            </a:extLst>
+          </p:cNvPr>
+          <p:cNvSpPr txBox="1"/>
+          <p:nvPr/>
+        </p:nvSpPr>
+        <p:spPr>
+          <a:xfrm>
+            <a:off x="647085" y="1380133"/>
+            <a:ext cx="3539022" cy="1477328"/>
+          </a:xfrm>
+          <a:prstGeom prst="rect">
+            <a:avLst/>
+          </a:prstGeom>
+          <a:noFill/>
+        </p:spPr>
+        <p:txBody>
+          <a:bodyPr wrap="square" rtlCol="0">
+            <a:spAutoFit/>
+          </a:bodyPr>
+          <a:lstStyle/>
+          <a:p>
+            <a:r>
+              <a:rPr lang="zh-CN" altLang="en-US" dirty="0">
+                <a:solidFill>
+                  <a:schemeClr val="bg1"/>
+                </a:solidFill>
+                <a:latin typeface="Microsoft YaHei" panose="020B0503020204020204" pitchFamily="34" charset="-122"/>
+                <a:ea typeface="Microsoft YaHei" panose="020B0503020204020204" pitchFamily="34" charset="-122"/>
+              </a:rPr>
+              <a:t>首页分普通用户和管理员用户实现不同效果</a:t>
+            </a:r>
+            <a:endParaRPr lang="en-US" altLang="zh-CN" dirty="0">
+              <a:solidFill>
+                <a:schemeClr val="bg1"/>
+              </a:solidFill>
+              <a:latin typeface="Microsoft YaHei" panose="020B0503020204020204" pitchFamily="34" charset="-122"/>
+              <a:ea typeface="Microsoft YaHei" panose="020B0503020204020204" pitchFamily="34" charset="-122"/>
+            </a:endParaRPr>
+          </a:p>
+          <a:p>
+            <a:endParaRPr lang="en-US" dirty="0">
+              <a:solidFill>
+                <a:schemeClr val="bg1"/>
+              </a:solidFill>
+              <a:latin typeface="Microsoft YaHei" panose="020B0503020204020204" pitchFamily="34" charset="-122"/>
+              <a:ea typeface="Microsoft YaHei" panose="020B0503020204020204" pitchFamily="34" charset="-122"/>
+            </a:endParaRPr>
+          </a:p>
+          <a:p>
+            <a:r>
+              <a:rPr lang="zh-CN" altLang="en-US" dirty="0">
+                <a:solidFill>
+                  <a:schemeClr val="bg1"/>
+                </a:solidFill>
+                <a:latin typeface="Microsoft YaHei" panose="020B0503020204020204" pitchFamily="34" charset="-122"/>
+                <a:ea typeface="Microsoft YaHei" panose="020B0503020204020204" pitchFamily="34" charset="-122"/>
+              </a:rPr>
+              <a:t>管理员登录后，可以在首页新增房源和管理房源</a:t>
+            </a:r>
+            <a:endParaRPr lang="de-DE" dirty="0">
+              <a:solidFill>
+                <a:schemeClr val="bg1"/>
+              </a:solidFill>
+              <a:latin typeface="Microsoft YaHei" panose="020B0503020204020204" pitchFamily="34" charset="-122"/>
+              <a:ea typeface="Microsoft YaHei" panose="020B0503020204020204" pitchFamily="34" charset="-122"/>
+            </a:endParaRPr>
+          </a:p>
+        </p:txBody>
+      </p:sp>
+      <p:pic>
+        <p:nvPicPr>
+          <p:cNvPr id="6" name="图片 5">
+            <a:extLst>
+              <a:ext uri="{FF2B5EF4-FFF2-40B4-BE49-F238E27FC236}">
+                <a16:creationId xmlns:a16="http://schemas.microsoft.com/office/drawing/2014/main" id="{A5273918-B3FB-4142-9EAC-30ED88B6D583}"/>
+              </a:ext>
+            </a:extLst>
+          </p:cNvPr>
+          <p:cNvPicPr>
+            <a:picLocks noChangeAspect="1"/>
+          </p:cNvPicPr>
+          <p:nvPr/>
+        </p:nvPicPr>
+        <p:blipFill>
+          <a:blip r:embed="rId4"/>
+          <a:stretch>
+            <a:fillRect/>
+          </a:stretch>
+        </p:blipFill>
+        <p:spPr>
+          <a:xfrm>
+            <a:off x="8199786" y="-24776"/>
+            <a:ext cx="3880184" cy="6858000"/>
+          </a:xfrm>
+          <a:prstGeom prst="rect">
+            <a:avLst/>
+          </a:prstGeom>
+        </p:spPr>
+      </p:pic>
     </p:spTree>
+    <p:extLst>
+      <p:ext uri="{BB962C8B-B14F-4D97-AF65-F5344CB8AC3E}">
+        <p14:creationId xmlns:p14="http://schemas.microsoft.com/office/powerpoint/2010/main" val="2977551753"/>
+      </p:ext>
+    </p:extLst>
   </p:cSld>
   <p:clrMapOvr>
     <a:masterClrMapping/>
@@ -5950,307 +4653,6 @@
       </p:grpSpPr>
       <p:sp>
         <p:nvSpPr>
-          <p:cNvPr id="3" name="Rectangle 2"/>
-          <p:cNvSpPr/>
-          <p:nvPr/>
-        </p:nvSpPr>
-        <p:spPr>
-          <a:xfrm>
-            <a:off x="801278" y="707010"/>
-            <a:ext cx="2837468" cy="1414021"/>
-          </a:xfrm>
-          <a:prstGeom prst="rect">
-            <a:avLst/>
-          </a:prstGeom>
-        </p:spPr>
-        <p:style>
-          <a:lnRef idx="2">
-            <a:schemeClr val="accent1">
-              <a:shade val="50000"/>
-            </a:schemeClr>
-          </a:lnRef>
-          <a:fillRef idx="1">
-            <a:schemeClr val="accent1"/>
-          </a:fillRef>
-          <a:effectRef idx="0">
-            <a:schemeClr val="accent1"/>
-          </a:effectRef>
-          <a:fontRef idx="minor">
-            <a:schemeClr val="lt1"/>
-          </a:fontRef>
-        </p:style>
-        <p:txBody>
-          <a:bodyPr rtlCol="0" anchor="ctr"/>
-          <a:lstStyle/>
-          <a:p>
-            <a:pPr algn="ctr"/>
-            <a:r>
-              <a:rPr lang="en-US" altLang="zh-CN" dirty="0">
-                <a:latin typeface="Microsoft YaHei UI" panose="020B0503020204020204" pitchFamily="34" charset="-122"/>
-                <a:ea typeface="Microsoft YaHei UI" panose="020B0503020204020204" pitchFamily="34" charset="-122"/>
-              </a:rPr>
-              <a:t>Banner</a:t>
-            </a:r>
-            <a:r>
-              <a:rPr lang="zh-CN" altLang="en-US" dirty="0">
-                <a:latin typeface="Microsoft YaHei UI" panose="020B0503020204020204" pitchFamily="34" charset="-122"/>
-                <a:ea typeface="Microsoft YaHei UI" panose="020B0503020204020204" pitchFamily="34" charset="-122"/>
-              </a:rPr>
-              <a:t>头图</a:t>
-            </a:r>
-            <a:endParaRPr lang="zh-CN" altLang="en-US" dirty="0">
-              <a:latin typeface="Microsoft YaHei UI" panose="020B0503020204020204" pitchFamily="34" charset="-122"/>
-              <a:ea typeface="Microsoft YaHei UI" panose="020B0503020204020204" pitchFamily="34" charset="-122"/>
-            </a:endParaRPr>
-          </a:p>
-        </p:txBody>
-      </p:sp>
-      <p:sp>
-        <p:nvSpPr>
-          <p:cNvPr id="9" name="Rectangle 8"/>
-          <p:cNvSpPr/>
-          <p:nvPr/>
-        </p:nvSpPr>
-        <p:spPr>
-          <a:xfrm>
-            <a:off x="801278" y="2182587"/>
-            <a:ext cx="2837468" cy="3907127"/>
-          </a:xfrm>
-          <a:prstGeom prst="rect">
-            <a:avLst/>
-          </a:prstGeom>
-        </p:spPr>
-        <p:style>
-          <a:lnRef idx="2">
-            <a:schemeClr val="accent1">
-              <a:shade val="50000"/>
-            </a:schemeClr>
-          </a:lnRef>
-          <a:fillRef idx="1">
-            <a:schemeClr val="accent1"/>
-          </a:fillRef>
-          <a:effectRef idx="0">
-            <a:schemeClr val="accent1"/>
-          </a:effectRef>
-          <a:fontRef idx="minor">
-            <a:schemeClr val="lt1"/>
-          </a:fontRef>
-        </p:style>
-        <p:txBody>
-          <a:bodyPr rtlCol="0" anchor="ctr"/>
-          <a:lstStyle/>
-          <a:p>
-            <a:pPr algn="ctr"/>
-            <a:r>
-              <a:rPr lang="zh-CN" altLang="en-US" dirty="0">
-                <a:latin typeface="Microsoft YaHei UI" panose="020B0503020204020204" pitchFamily="34" charset="-122"/>
-                <a:ea typeface="Microsoft YaHei UI" panose="020B0503020204020204" pitchFamily="34" charset="-122"/>
-              </a:rPr>
-              <a:t>内容区</a:t>
-            </a:r>
-            <a:endParaRPr lang="zh-CN" altLang="en-US" dirty="0">
-              <a:latin typeface="Microsoft YaHei UI" panose="020B0503020204020204" pitchFamily="34" charset="-122"/>
-              <a:ea typeface="Microsoft YaHei UI" panose="020B0503020204020204" pitchFamily="34" charset="-122"/>
-            </a:endParaRPr>
-          </a:p>
-        </p:txBody>
-      </p:sp>
-      <p:graphicFrame>
-        <p:nvGraphicFramePr>
-          <p:cNvPr id="4" name="Table 3"/>
-          <p:cNvGraphicFramePr>
-            <a:graphicFrameLocks noGrp="1"/>
-          </p:cNvGraphicFramePr>
-          <p:nvPr/>
-        </p:nvGraphicFramePr>
-        <p:xfrm>
-          <a:off x="4680932" y="2372878"/>
-          <a:ext cx="5105836" cy="1483360"/>
-        </p:xfrm>
-        <a:graphic>
-          <a:graphicData uri="http://schemas.openxmlformats.org/drawingml/2006/table">
-            <a:tbl>
-              <a:tblPr firstRow="1" bandRow="1">
-                <a:tableStyleId>{5C22544A-7EE6-4342-B048-85BDC9FD1C3A}</a:tableStyleId>
-              </a:tblPr>
-              <a:tblGrid>
-                <a:gridCol w="1569039"/>
-                <a:gridCol w="3536797"/>
-              </a:tblGrid>
-              <a:tr h="370840">
-                <a:tc>
-                  <a:txBody>
-                    <a:bodyPr/>
-                    <a:lstStyle/>
-                    <a:p>
-                      <a:r>
-                        <a:rPr lang="zh-CN" altLang="en-US" dirty="0">
-                          <a:latin typeface="Microsoft YaHei UI" panose="020B0503020204020204" pitchFamily="34" charset="-122"/>
-                          <a:ea typeface="Microsoft YaHei UI" panose="020B0503020204020204" pitchFamily="34" charset="-122"/>
-                        </a:rPr>
-                        <a:t>功能区</a:t>
-                      </a:r>
-                      <a:endParaRPr lang="zh-CN" altLang="en-US" dirty="0">
-                        <a:latin typeface="Microsoft YaHei UI" panose="020B0503020204020204" pitchFamily="34" charset="-122"/>
-                        <a:ea typeface="Microsoft YaHei UI" panose="020B0503020204020204" pitchFamily="34" charset="-122"/>
-                      </a:endParaRPr>
-                    </a:p>
-                  </a:txBody>
-                  <a:tcPr/>
-                </a:tc>
-                <a:tc>
-                  <a:txBody>
-                    <a:bodyPr/>
-                    <a:lstStyle/>
-                    <a:p>
-                      <a:r>
-                        <a:rPr lang="zh-CN" altLang="en-US" dirty="0">
-                          <a:latin typeface="Microsoft YaHei UI" panose="020B0503020204020204" pitchFamily="34" charset="-122"/>
-                          <a:ea typeface="Microsoft YaHei UI" panose="020B0503020204020204" pitchFamily="34" charset="-122"/>
-                        </a:rPr>
-                        <a:t>用途</a:t>
-                      </a:r>
-                      <a:endParaRPr lang="zh-CN" altLang="en-US" dirty="0">
-                        <a:latin typeface="Microsoft YaHei UI" panose="020B0503020204020204" pitchFamily="34" charset="-122"/>
-                        <a:ea typeface="Microsoft YaHei UI" panose="020B0503020204020204" pitchFamily="34" charset="-122"/>
-                      </a:endParaRPr>
-                    </a:p>
-                  </a:txBody>
-                  <a:tcPr/>
-                </a:tc>
-              </a:tr>
-              <a:tr h="370840">
-                <a:tc>
-                  <a:txBody>
-                    <a:bodyPr/>
-                    <a:lstStyle/>
-                    <a:p>
-                      <a:r>
-                        <a:rPr lang="en-US" altLang="zh-CN" dirty="0">
-                          <a:latin typeface="Microsoft YaHei UI" panose="020B0503020204020204" pitchFamily="34" charset="-122"/>
-                          <a:ea typeface="Microsoft YaHei UI" panose="020B0503020204020204" pitchFamily="34" charset="-122"/>
-                        </a:rPr>
-                        <a:t>banner1</a:t>
-                      </a:r>
-                      <a:endParaRPr lang="zh-CN" altLang="en-US" dirty="0">
-                        <a:latin typeface="Microsoft YaHei UI" panose="020B0503020204020204" pitchFamily="34" charset="-122"/>
-                        <a:ea typeface="Microsoft YaHei UI" panose="020B0503020204020204" pitchFamily="34" charset="-122"/>
-                      </a:endParaRPr>
-                    </a:p>
-                  </a:txBody>
-                  <a:tcPr/>
-                </a:tc>
-                <a:tc>
-                  <a:txBody>
-                    <a:bodyPr/>
-                    <a:lstStyle/>
-                    <a:p>
-                      <a:r>
-                        <a:rPr lang="zh-CN" altLang="en-US" dirty="0">
-                          <a:latin typeface="Microsoft YaHei UI" panose="020B0503020204020204" pitchFamily="34" charset="-122"/>
-                          <a:ea typeface="Microsoft YaHei UI" panose="020B0503020204020204" pitchFamily="34" charset="-122"/>
-                        </a:rPr>
-                        <a:t>服务区域简介</a:t>
-                      </a:r>
-                      <a:endParaRPr lang="zh-CN" altLang="en-US" dirty="0">
-                        <a:latin typeface="Microsoft YaHei UI" panose="020B0503020204020204" pitchFamily="34" charset="-122"/>
-                        <a:ea typeface="Microsoft YaHei UI" panose="020B0503020204020204" pitchFamily="34" charset="-122"/>
-                      </a:endParaRPr>
-                    </a:p>
-                  </a:txBody>
-                  <a:tcPr/>
-                </a:tc>
-              </a:tr>
-              <a:tr h="370840">
-                <a:tc>
-                  <a:txBody>
-                    <a:bodyPr/>
-                    <a:lstStyle/>
-                    <a:p>
-                      <a:r>
-                        <a:rPr lang="en-US" altLang="zh-CN" dirty="0">
-                          <a:latin typeface="Microsoft YaHei UI" panose="020B0503020204020204" pitchFamily="34" charset="-122"/>
-                          <a:ea typeface="Microsoft YaHei UI" panose="020B0503020204020204" pitchFamily="34" charset="-122"/>
-                        </a:rPr>
-                        <a:t>banner2</a:t>
-                      </a:r>
-                      <a:endParaRPr lang="zh-CN" altLang="en-US" dirty="0">
-                        <a:latin typeface="Microsoft YaHei UI" panose="020B0503020204020204" pitchFamily="34" charset="-122"/>
-                        <a:ea typeface="Microsoft YaHei UI" panose="020B0503020204020204" pitchFamily="34" charset="-122"/>
-                      </a:endParaRPr>
-                    </a:p>
-                  </a:txBody>
-                  <a:tcPr/>
-                </a:tc>
-                <a:tc>
-                  <a:txBody>
-                    <a:bodyPr/>
-                    <a:lstStyle/>
-                    <a:p>
-                      <a:r>
-                        <a:rPr lang="zh-CN" altLang="en-US" dirty="0">
-                          <a:latin typeface="Microsoft YaHei UI" panose="020B0503020204020204" pitchFamily="34" charset="-122"/>
-                          <a:ea typeface="Microsoft YaHei UI" panose="020B0503020204020204" pitchFamily="34" charset="-122"/>
-                        </a:rPr>
-                        <a:t>中介公司概况简介</a:t>
-                      </a:r>
-                      <a:endParaRPr lang="zh-CN" altLang="en-US" dirty="0">
-                        <a:latin typeface="Microsoft YaHei UI" panose="020B0503020204020204" pitchFamily="34" charset="-122"/>
-                        <a:ea typeface="Microsoft YaHei UI" panose="020B0503020204020204" pitchFamily="34" charset="-122"/>
-                      </a:endParaRPr>
-                    </a:p>
-                  </a:txBody>
-                  <a:tcPr/>
-                </a:tc>
-              </a:tr>
-              <a:tr h="370840">
-                <a:tc>
-                  <a:txBody>
-                    <a:bodyPr/>
-                    <a:lstStyle/>
-                    <a:p>
-                      <a:r>
-                        <a:rPr lang="en-US" altLang="zh-CN" dirty="0">
-                          <a:latin typeface="Microsoft YaHei UI" panose="020B0503020204020204" pitchFamily="34" charset="-122"/>
-                          <a:ea typeface="Microsoft YaHei UI" panose="020B0503020204020204" pitchFamily="34" charset="-122"/>
-                        </a:rPr>
-                        <a:t>banner3</a:t>
-                      </a:r>
-                      <a:endParaRPr lang="zh-CN" altLang="en-US" dirty="0">
-                        <a:latin typeface="Microsoft YaHei UI" panose="020B0503020204020204" pitchFamily="34" charset="-122"/>
-                        <a:ea typeface="Microsoft YaHei UI" panose="020B0503020204020204" pitchFamily="34" charset="-122"/>
-                      </a:endParaRPr>
-                    </a:p>
-                  </a:txBody>
-                  <a:tcPr/>
-                </a:tc>
-                <a:tc>
-                  <a:txBody>
-                    <a:bodyPr/>
-                    <a:lstStyle/>
-                    <a:p>
-                      <a:r>
-                        <a:rPr lang="zh-CN" altLang="en-US" dirty="0">
-                          <a:latin typeface="Microsoft YaHei UI" panose="020B0503020204020204" pitchFamily="34" charset="-122"/>
-                          <a:ea typeface="Microsoft YaHei UI" panose="020B0503020204020204" pitchFamily="34" charset="-122"/>
-                        </a:rPr>
-                        <a:t>当地房产交易政策法规</a:t>
-                      </a:r>
-                      <a:endParaRPr lang="zh-CN" altLang="en-US" dirty="0">
-                        <a:latin typeface="Microsoft YaHei UI" panose="020B0503020204020204" pitchFamily="34" charset="-122"/>
-                        <a:ea typeface="Microsoft YaHei UI" panose="020B0503020204020204" pitchFamily="34" charset="-122"/>
-                      </a:endParaRPr>
-                    </a:p>
-                  </a:txBody>
-                  <a:tcPr/>
-                </a:tc>
-              </a:tr>
-            </a:tbl>
-          </a:graphicData>
-        </a:graphic>
-      </p:graphicFrame>
-      <p:sp>
-        <p:nvSpPr>
           <p:cNvPr id="11" name="TextBox 10"/>
           <p:cNvSpPr txBox="1"/>
           <p:nvPr/>
@@ -6272,36 +4674,139 @@
           <a:lstStyle/>
           <a:p>
             <a:r>
-              <a:rPr lang="en-US" altLang="zh-CN" sz="3200" dirty="0">
-                <a:solidFill>
-                  <a:schemeClr val="bg1"/>
-                </a:solidFill>
-                <a:latin typeface="微软雅黑" panose="020B0503020204020204" pitchFamily="34" charset="-122"/>
-                <a:ea typeface="微软雅黑" panose="020B0503020204020204" pitchFamily="34" charset="-122"/>
-              </a:rPr>
-              <a:t>Banner</a:t>
-            </a:r>
-            <a:r>
               <a:rPr lang="zh-CN" altLang="en-US" sz="3200" dirty="0">
                 <a:solidFill>
                   <a:schemeClr val="bg1"/>
                 </a:solidFill>
-                <a:latin typeface="微软雅黑" panose="020B0503020204020204" pitchFamily="34" charset="-122"/>
-                <a:ea typeface="微软雅黑" panose="020B0503020204020204" pitchFamily="34" charset="-122"/>
+                <a:latin typeface="Microsoft YaHei" panose="020B0503020204020204" pitchFamily="34" charset="-122"/>
+                <a:ea typeface="Microsoft YaHei" panose="020B0503020204020204" pitchFamily="34" charset="-122"/>
               </a:rPr>
-              <a:t>链接页设计</a:t>
+              <a:t>新增房源页设计</a:t>
             </a:r>
             <a:endParaRPr lang="de-DE" sz="3200" dirty="0">
               <a:solidFill>
                 <a:schemeClr val="bg1"/>
               </a:solidFill>
-              <a:latin typeface="微软雅黑" panose="020B0503020204020204" pitchFamily="34" charset="-122"/>
-              <a:ea typeface="微软雅黑" panose="020B0503020204020204" pitchFamily="34" charset="-122"/>
+              <a:latin typeface="Microsoft YaHei" panose="020B0503020204020204" pitchFamily="34" charset="-122"/>
+              <a:ea typeface="Microsoft YaHei" panose="020B0503020204020204" pitchFamily="34" charset="-122"/>
             </a:endParaRPr>
           </a:p>
         </p:txBody>
       </p:sp>
+      <p:pic>
+        <p:nvPicPr>
+          <p:cNvPr id="2" name="图片 1">
+            <a:extLst>
+              <a:ext uri="{FF2B5EF4-FFF2-40B4-BE49-F238E27FC236}">
+                <a16:creationId xmlns:a16="http://schemas.microsoft.com/office/drawing/2014/main" id="{02F0B8B8-35E4-43DB-9516-5D18B0968CF8}"/>
+              </a:ext>
+            </a:extLst>
+          </p:cNvPr>
+          <p:cNvPicPr>
+            <a:picLocks noChangeAspect="1"/>
+          </p:cNvPicPr>
+          <p:nvPr/>
+        </p:nvPicPr>
+        <p:blipFill>
+          <a:blip r:embed="rId3"/>
+          <a:stretch>
+            <a:fillRect/>
+          </a:stretch>
+        </p:blipFill>
+        <p:spPr>
+          <a:xfrm>
+            <a:off x="4164910" y="0"/>
+            <a:ext cx="3862179" cy="6858000"/>
+          </a:xfrm>
+          <a:prstGeom prst="rect">
+            <a:avLst/>
+          </a:prstGeom>
+        </p:spPr>
+      </p:pic>
+      <p:pic>
+        <p:nvPicPr>
+          <p:cNvPr id="5" name="图片 4">
+            <a:extLst>
+              <a:ext uri="{FF2B5EF4-FFF2-40B4-BE49-F238E27FC236}">
+                <a16:creationId xmlns:a16="http://schemas.microsoft.com/office/drawing/2014/main" id="{FAA9F71C-9313-47EC-9C8A-87D23F7DDA5C}"/>
+              </a:ext>
+            </a:extLst>
+          </p:cNvPr>
+          <p:cNvPicPr>
+            <a:picLocks noChangeAspect="1"/>
+          </p:cNvPicPr>
+          <p:nvPr/>
+        </p:nvPicPr>
+        <p:blipFill>
+          <a:blip r:embed="rId4"/>
+          <a:stretch>
+            <a:fillRect/>
+          </a:stretch>
+        </p:blipFill>
+        <p:spPr>
+          <a:xfrm>
+            <a:off x="8202675" y="0"/>
+            <a:ext cx="3859656" cy="6858000"/>
+          </a:xfrm>
+          <a:prstGeom prst="rect">
+            <a:avLst/>
+          </a:prstGeom>
+        </p:spPr>
+      </p:pic>
+      <p:sp>
+        <p:nvSpPr>
+          <p:cNvPr id="8" name="TextBox 6">
+            <a:extLst>
+              <a:ext uri="{FF2B5EF4-FFF2-40B4-BE49-F238E27FC236}">
+                <a16:creationId xmlns:a16="http://schemas.microsoft.com/office/drawing/2014/main" id="{49CECEAA-9909-4F48-B93C-5BF883305614}"/>
+              </a:ext>
+            </a:extLst>
+          </p:cNvPr>
+          <p:cNvSpPr txBox="1"/>
+          <p:nvPr/>
+        </p:nvSpPr>
+        <p:spPr>
+          <a:xfrm>
+            <a:off x="300884" y="1371744"/>
+            <a:ext cx="3539022" cy="923330"/>
+          </a:xfrm>
+          <a:prstGeom prst="rect">
+            <a:avLst/>
+          </a:prstGeom>
+          <a:noFill/>
+        </p:spPr>
+        <p:txBody>
+          <a:bodyPr wrap="square" rtlCol="0">
+            <a:spAutoFit/>
+          </a:bodyPr>
+          <a:lstStyle/>
+          <a:p>
+            <a:r>
+              <a:rPr lang="zh-CN" altLang="en-US" dirty="0">
+                <a:solidFill>
+                  <a:schemeClr val="bg1"/>
+                </a:solidFill>
+                <a:latin typeface="Microsoft YaHei" panose="020B0503020204020204" pitchFamily="34" charset="-122"/>
+                <a:ea typeface="Microsoft YaHei" panose="020B0503020204020204" pitchFamily="34" charset="-122"/>
+              </a:rPr>
+              <a:t>选择新增房源后，可以再次选择新增二手房源还是出租房源，分别加载不同页面</a:t>
+            </a:r>
+            <a:endParaRPr lang="de-DE" dirty="0">
+              <a:solidFill>
+                <a:schemeClr val="bg1"/>
+              </a:solidFill>
+              <a:latin typeface="Microsoft YaHei" panose="020B0503020204020204" pitchFamily="34" charset="-122"/>
+              <a:ea typeface="Microsoft YaHei" panose="020B0503020204020204" pitchFamily="34" charset="-122"/>
+            </a:endParaRPr>
+          </a:p>
+        </p:txBody>
+      </p:sp>
     </p:spTree>
+    <p:extLst>
+      <p:ext uri="{BB962C8B-B14F-4D97-AF65-F5344CB8AC3E}">
+        <p14:creationId xmlns:p14="http://schemas.microsoft.com/office/powerpoint/2010/main" val="2392041637"/>
+      </p:ext>
+    </p:extLst>
   </p:cSld>
   <p:clrMapOvr>
     <a:masterClrMapping/>
@@ -6338,106 +4843,6 @@
       </p:grpSpPr>
       <p:sp>
         <p:nvSpPr>
-          <p:cNvPr id="3" name="Rectangle 2"/>
-          <p:cNvSpPr/>
-          <p:nvPr/>
-        </p:nvSpPr>
-        <p:spPr>
-          <a:xfrm>
-            <a:off x="801278" y="707010"/>
-            <a:ext cx="2837468" cy="848413"/>
-          </a:xfrm>
-          <a:prstGeom prst="rect">
-            <a:avLst/>
-          </a:prstGeom>
-        </p:spPr>
-        <p:style>
-          <a:lnRef idx="2">
-            <a:schemeClr val="accent1">
-              <a:shade val="50000"/>
-            </a:schemeClr>
-          </a:lnRef>
-          <a:fillRef idx="1">
-            <a:schemeClr val="accent1"/>
-          </a:fillRef>
-          <a:effectRef idx="0">
-            <a:schemeClr val="accent1"/>
-          </a:effectRef>
-          <a:fontRef idx="minor">
-            <a:schemeClr val="lt1"/>
-          </a:fontRef>
-        </p:style>
-        <p:txBody>
-          <a:bodyPr rtlCol="0" anchor="ctr"/>
-          <a:lstStyle/>
-          <a:p>
-            <a:pPr algn="ctr"/>
-            <a:r>
-              <a:rPr lang="zh-CN" altLang="en-US" dirty="0">
-                <a:latin typeface="Microsoft YaHei UI" panose="020B0503020204020204" pitchFamily="34" charset="-122"/>
-                <a:ea typeface="Microsoft YaHei UI" panose="020B0503020204020204" pitchFamily="34" charset="-122"/>
-              </a:rPr>
-              <a:t>搜索框（显示本次搜索的关键字）</a:t>
-            </a:r>
-            <a:endParaRPr lang="zh-CN" altLang="en-US" dirty="0">
-              <a:latin typeface="Microsoft YaHei UI" panose="020B0503020204020204" pitchFamily="34" charset="-122"/>
-              <a:ea typeface="Microsoft YaHei UI" panose="020B0503020204020204" pitchFamily="34" charset="-122"/>
-            </a:endParaRPr>
-          </a:p>
-        </p:txBody>
-      </p:sp>
-      <p:sp>
-        <p:nvSpPr>
-          <p:cNvPr id="9" name="Rectangle 8"/>
-          <p:cNvSpPr/>
-          <p:nvPr/>
-        </p:nvSpPr>
-        <p:spPr>
-          <a:xfrm>
-            <a:off x="801278" y="1616979"/>
-            <a:ext cx="2837468" cy="4472735"/>
-          </a:xfrm>
-          <a:prstGeom prst="rect">
-            <a:avLst/>
-          </a:prstGeom>
-        </p:spPr>
-        <p:style>
-          <a:lnRef idx="2">
-            <a:schemeClr val="accent1">
-              <a:shade val="50000"/>
-            </a:schemeClr>
-          </a:lnRef>
-          <a:fillRef idx="1">
-            <a:schemeClr val="accent1"/>
-          </a:fillRef>
-          <a:effectRef idx="0">
-            <a:schemeClr val="accent1"/>
-          </a:effectRef>
-          <a:fontRef idx="minor">
-            <a:schemeClr val="lt1"/>
-          </a:fontRef>
-        </p:style>
-        <p:txBody>
-          <a:bodyPr rtlCol="0" anchor="ctr"/>
-          <a:lstStyle/>
-          <a:p>
-            <a:pPr algn="ctr"/>
-            <a:r>
-              <a:rPr lang="zh-CN" altLang="en-US" dirty="0">
-                <a:latin typeface="Microsoft YaHei UI" panose="020B0503020204020204" pitchFamily="34" charset="-122"/>
-                <a:ea typeface="Microsoft YaHei UI" panose="020B0503020204020204" pitchFamily="34" charset="-122"/>
-              </a:rPr>
-              <a:t>搜索结果区</a:t>
-            </a:r>
-            <a:endParaRPr lang="zh-CN" altLang="en-US" dirty="0">
-              <a:latin typeface="Microsoft YaHei UI" panose="020B0503020204020204" pitchFamily="34" charset="-122"/>
-              <a:ea typeface="Microsoft YaHei UI" panose="020B0503020204020204" pitchFamily="34" charset="-122"/>
-            </a:endParaRPr>
-          </a:p>
-        </p:txBody>
-      </p:sp>
-      <p:sp>
-        <p:nvSpPr>
           <p:cNvPr id="11" name="TextBox 10"/>
           <p:cNvSpPr txBox="1"/>
           <p:nvPr/>
@@ -6463,22 +4868,135 @@
                 <a:solidFill>
                   <a:schemeClr val="bg1"/>
                 </a:solidFill>
-                <a:latin typeface="微软雅黑" panose="020B0503020204020204" pitchFamily="34" charset="-122"/>
-                <a:ea typeface="微软雅黑" panose="020B0503020204020204" pitchFamily="34" charset="-122"/>
+                <a:latin typeface="Microsoft YaHei" panose="020B0503020204020204" pitchFamily="34" charset="-122"/>
+                <a:ea typeface="Microsoft YaHei" panose="020B0503020204020204" pitchFamily="34" charset="-122"/>
               </a:rPr>
-              <a:t>搜索结果页设计</a:t>
+              <a:t>管理房源页设计</a:t>
             </a:r>
             <a:endParaRPr lang="de-DE" sz="3200" dirty="0">
               <a:solidFill>
                 <a:schemeClr val="bg1"/>
               </a:solidFill>
-              <a:latin typeface="微软雅黑" panose="020B0503020204020204" pitchFamily="34" charset="-122"/>
-              <a:ea typeface="微软雅黑" panose="020B0503020204020204" pitchFamily="34" charset="-122"/>
+              <a:latin typeface="Microsoft YaHei" panose="020B0503020204020204" pitchFamily="34" charset="-122"/>
+              <a:ea typeface="Microsoft YaHei" panose="020B0503020204020204" pitchFamily="34" charset="-122"/>
             </a:endParaRPr>
           </a:p>
         </p:txBody>
       </p:sp>
+      <p:pic>
+        <p:nvPicPr>
+          <p:cNvPr id="2" name="图片 1">
+            <a:extLst>
+              <a:ext uri="{FF2B5EF4-FFF2-40B4-BE49-F238E27FC236}">
+                <a16:creationId xmlns:a16="http://schemas.microsoft.com/office/drawing/2014/main" id="{F17E595B-395B-4FF7-A4DB-4E31F3EBDE8B}"/>
+              </a:ext>
+            </a:extLst>
+          </p:cNvPr>
+          <p:cNvPicPr>
+            <a:picLocks noChangeAspect="1"/>
+          </p:cNvPicPr>
+          <p:nvPr/>
+        </p:nvPicPr>
+        <p:blipFill>
+          <a:blip r:embed="rId3"/>
+          <a:stretch>
+            <a:fillRect/>
+          </a:stretch>
+        </p:blipFill>
+        <p:spPr>
+          <a:xfrm>
+            <a:off x="8216018" y="0"/>
+            <a:ext cx="3880505" cy="6858000"/>
+          </a:xfrm>
+          <a:prstGeom prst="rect">
+            <a:avLst/>
+          </a:prstGeom>
+        </p:spPr>
+      </p:pic>
+      <p:pic>
+        <p:nvPicPr>
+          <p:cNvPr id="4" name="图片 3">
+            <a:extLst>
+              <a:ext uri="{FF2B5EF4-FFF2-40B4-BE49-F238E27FC236}">
+                <a16:creationId xmlns:a16="http://schemas.microsoft.com/office/drawing/2014/main" id="{2923AE92-2837-41EF-A6F3-59C76885C20F}"/>
+              </a:ext>
+            </a:extLst>
+          </p:cNvPr>
+          <p:cNvPicPr>
+            <a:picLocks noChangeAspect="1"/>
+          </p:cNvPicPr>
+          <p:nvPr/>
+        </p:nvPicPr>
+        <p:blipFill>
+          <a:blip r:embed="rId4"/>
+          <a:stretch>
+            <a:fillRect/>
+          </a:stretch>
+        </p:blipFill>
+        <p:spPr>
+          <a:xfrm>
+            <a:off x="4160339" y="0"/>
+            <a:ext cx="3871321" cy="6858000"/>
+          </a:xfrm>
+          <a:prstGeom prst="rect">
+            <a:avLst/>
+          </a:prstGeom>
+        </p:spPr>
+      </p:pic>
+      <p:sp>
+        <p:nvSpPr>
+          <p:cNvPr id="7" name="TextBox 6">
+            <a:extLst>
+              <a:ext uri="{FF2B5EF4-FFF2-40B4-BE49-F238E27FC236}">
+                <a16:creationId xmlns:a16="http://schemas.microsoft.com/office/drawing/2014/main" id="{562BAD85-292D-408F-922B-6C27F86CBF93}"/>
+              </a:ext>
+            </a:extLst>
+          </p:cNvPr>
+          <p:cNvSpPr txBox="1"/>
+          <p:nvPr/>
+        </p:nvSpPr>
+        <p:spPr>
+          <a:xfrm>
+            <a:off x="300884" y="1371744"/>
+            <a:ext cx="3539022" cy="923330"/>
+          </a:xfrm>
+          <a:prstGeom prst="rect">
+            <a:avLst/>
+          </a:prstGeom>
+          <a:noFill/>
+        </p:spPr>
+        <p:txBody>
+          <a:bodyPr wrap="square" rtlCol="0">
+            <a:spAutoFit/>
+          </a:bodyPr>
+          <a:lstStyle/>
+          <a:p>
+            <a:r>
+              <a:rPr lang="zh-CN" altLang="en-US" dirty="0">
+                <a:solidFill>
+                  <a:schemeClr val="bg1"/>
+                </a:solidFill>
+                <a:latin typeface="Microsoft YaHei" panose="020B0503020204020204" pitchFamily="34" charset="-122"/>
+                <a:ea typeface="Microsoft YaHei" panose="020B0503020204020204" pitchFamily="34" charset="-122"/>
+              </a:rPr>
+              <a:t>选择管理房源后，可以再次选择管理二手房源还是出租房源，分别加载不同页面</a:t>
+            </a:r>
+            <a:endParaRPr lang="de-DE" dirty="0">
+              <a:solidFill>
+                <a:schemeClr val="bg1"/>
+              </a:solidFill>
+              <a:latin typeface="Microsoft YaHei" panose="020B0503020204020204" pitchFamily="34" charset="-122"/>
+              <a:ea typeface="Microsoft YaHei" panose="020B0503020204020204" pitchFamily="34" charset="-122"/>
+            </a:endParaRPr>
+          </a:p>
+        </p:txBody>
+      </p:sp>
     </p:spTree>
+    <p:extLst>
+      <p:ext uri="{BB962C8B-B14F-4D97-AF65-F5344CB8AC3E}">
+        <p14:creationId xmlns:p14="http://schemas.microsoft.com/office/powerpoint/2010/main" val="2366034368"/>
+      </p:ext>
+    </p:extLst>
   </p:cSld>
   <p:clrMapOvr>
     <a:masterClrMapping/>
@@ -6515,113 +5033,13 @@
       </p:grpSpPr>
       <p:sp>
         <p:nvSpPr>
-          <p:cNvPr id="3" name="Rectangle 2"/>
-          <p:cNvSpPr/>
-          <p:nvPr/>
-        </p:nvSpPr>
-        <p:spPr>
-          <a:xfrm>
-            <a:off x="801278" y="707010"/>
-            <a:ext cx="2837468" cy="848413"/>
-          </a:xfrm>
-          <a:prstGeom prst="rect">
-            <a:avLst/>
-          </a:prstGeom>
-        </p:spPr>
-        <p:style>
-          <a:lnRef idx="2">
-            <a:schemeClr val="accent1">
-              <a:shade val="50000"/>
-            </a:schemeClr>
-          </a:lnRef>
-          <a:fillRef idx="1">
-            <a:schemeClr val="accent1"/>
-          </a:fillRef>
-          <a:effectRef idx="0">
-            <a:schemeClr val="accent1"/>
-          </a:effectRef>
-          <a:fontRef idx="minor">
-            <a:schemeClr val="lt1"/>
-          </a:fontRef>
-        </p:style>
-        <p:txBody>
-          <a:bodyPr rtlCol="0" anchor="ctr"/>
-          <a:lstStyle/>
-          <a:p>
-            <a:pPr algn="ctr"/>
-            <a:r>
-              <a:rPr lang="zh-CN" altLang="en-US" dirty="0">
-                <a:latin typeface="Microsoft YaHei UI" panose="020B0503020204020204" pitchFamily="34" charset="-122"/>
-                <a:ea typeface="Microsoft YaHei UI" panose="020B0503020204020204" pitchFamily="34" charset="-122"/>
-              </a:rPr>
-              <a:t>筛选栏</a:t>
-            </a:r>
-            <a:endParaRPr lang="zh-CN" altLang="en-US" dirty="0">
-              <a:latin typeface="Microsoft YaHei UI" panose="020B0503020204020204" pitchFamily="34" charset="-122"/>
-              <a:ea typeface="Microsoft YaHei UI" panose="020B0503020204020204" pitchFamily="34" charset="-122"/>
-            </a:endParaRPr>
-          </a:p>
-        </p:txBody>
-      </p:sp>
-      <p:sp>
-        <p:nvSpPr>
-          <p:cNvPr id="9" name="Rectangle 8"/>
-          <p:cNvSpPr/>
-          <p:nvPr/>
-        </p:nvSpPr>
-        <p:spPr>
-          <a:xfrm>
-            <a:off x="801278" y="1616979"/>
-            <a:ext cx="2837468" cy="4472735"/>
-          </a:xfrm>
-          <a:prstGeom prst="rect">
-            <a:avLst/>
-          </a:prstGeom>
-        </p:spPr>
-        <p:style>
-          <a:lnRef idx="2">
-            <a:schemeClr val="accent1">
-              <a:shade val="50000"/>
-            </a:schemeClr>
-          </a:lnRef>
-          <a:fillRef idx="1">
-            <a:schemeClr val="accent1"/>
-          </a:fillRef>
-          <a:effectRef idx="0">
-            <a:schemeClr val="accent1"/>
-          </a:effectRef>
-          <a:fontRef idx="minor">
-            <a:schemeClr val="lt1"/>
-          </a:fontRef>
-        </p:style>
-        <p:txBody>
-          <a:bodyPr rtlCol="0" anchor="ctr"/>
-          <a:lstStyle/>
-          <a:p>
-            <a:pPr algn="ctr"/>
-            <a:r>
-              <a:rPr lang="zh-CN" altLang="en-US" dirty="0">
-                <a:latin typeface="Microsoft YaHei UI" panose="020B0503020204020204" pitchFamily="34" charset="-122"/>
-                <a:ea typeface="Microsoft YaHei UI" panose="020B0503020204020204" pitchFamily="34" charset="-122"/>
-              </a:rPr>
-              <a:t>结果显示区</a:t>
-            </a:r>
-            <a:endParaRPr lang="zh-CN" altLang="en-US" dirty="0">
-              <a:latin typeface="Microsoft YaHei UI" panose="020B0503020204020204" pitchFamily="34" charset="-122"/>
-              <a:ea typeface="Microsoft YaHei UI" panose="020B0503020204020204" pitchFamily="34" charset="-122"/>
-            </a:endParaRPr>
-          </a:p>
-        </p:txBody>
-      </p:sp>
-      <p:sp>
-        <p:nvSpPr>
           <p:cNvPr id="11" name="TextBox 10"/>
           <p:cNvSpPr txBox="1"/>
           <p:nvPr/>
         </p:nvSpPr>
         <p:spPr>
           <a:xfrm>
-            <a:off x="300884" y="60679"/>
+            <a:off x="107937" y="60679"/>
             <a:ext cx="6675723" cy="584775"/>
           </a:xfrm>
           <a:prstGeom prst="rect">
@@ -6640,31 +5058,97 @@
                 <a:solidFill>
                   <a:schemeClr val="bg1"/>
                 </a:solidFill>
-                <a:latin typeface="微软雅黑" panose="020B0503020204020204" pitchFamily="34" charset="-122"/>
-                <a:ea typeface="微软雅黑" panose="020B0503020204020204" pitchFamily="34" charset="-122"/>
+                <a:latin typeface="Microsoft YaHei" panose="020B0503020204020204" pitchFamily="34" charset="-122"/>
+                <a:ea typeface="Microsoft YaHei" panose="020B0503020204020204" pitchFamily="34" charset="-122"/>
               </a:rPr>
-              <a:t>新房页设计</a:t>
+              <a:t>管理房源页设计（续）</a:t>
             </a:r>
             <a:endParaRPr lang="de-DE" sz="3200" dirty="0">
               <a:solidFill>
                 <a:schemeClr val="bg1"/>
               </a:solidFill>
-              <a:latin typeface="微软雅黑" panose="020B0503020204020204" pitchFamily="34" charset="-122"/>
-              <a:ea typeface="微软雅黑" panose="020B0503020204020204" pitchFamily="34" charset="-122"/>
+              <a:latin typeface="Microsoft YaHei" panose="020B0503020204020204" pitchFamily="34" charset="-122"/>
+              <a:ea typeface="Microsoft YaHei" panose="020B0503020204020204" pitchFamily="34" charset="-122"/>
             </a:endParaRPr>
           </a:p>
         </p:txBody>
       </p:sp>
-      <p:sp>
-        <p:nvSpPr>
-          <p:cNvPr id="5" name="TextBox 4"/>
+      <p:pic>
+        <p:nvPicPr>
+          <p:cNvPr id="2" name="图片 1">
+            <a:extLst>
+              <a:ext uri="{FF2B5EF4-FFF2-40B4-BE49-F238E27FC236}">
+                <a16:creationId xmlns:a16="http://schemas.microsoft.com/office/drawing/2014/main" id="{EF0BE1DE-1024-43C2-BBB6-7CB14843C187}"/>
+              </a:ext>
+            </a:extLst>
+          </p:cNvPr>
+          <p:cNvPicPr>
+            <a:picLocks noChangeAspect="1"/>
+          </p:cNvPicPr>
+          <p:nvPr/>
+        </p:nvPicPr>
+        <p:blipFill>
+          <a:blip r:embed="rId3"/>
+          <a:stretch>
+            <a:fillRect/>
+          </a:stretch>
+        </p:blipFill>
+        <p:spPr>
+          <a:xfrm>
+            <a:off x="8332344" y="0"/>
+            <a:ext cx="3859656" cy="6858000"/>
+          </a:xfrm>
+          <a:prstGeom prst="rect">
+            <a:avLst/>
+          </a:prstGeom>
+        </p:spPr>
+      </p:pic>
+      <p:pic>
+        <p:nvPicPr>
+          <p:cNvPr id="4" name="图片 3">
+            <a:extLst>
+              <a:ext uri="{FF2B5EF4-FFF2-40B4-BE49-F238E27FC236}">
+                <a16:creationId xmlns:a16="http://schemas.microsoft.com/office/drawing/2014/main" id="{1E6F15D4-9BBF-4E62-B9FC-16C347D7EE4E}"/>
+              </a:ext>
+            </a:extLst>
+          </p:cNvPr>
+          <p:cNvPicPr>
+            <a:picLocks noChangeAspect="1"/>
+          </p:cNvPicPr>
+          <p:nvPr/>
+        </p:nvPicPr>
+        <p:blipFill>
+          <a:blip r:embed="rId4"/>
+          <a:stretch>
+            <a:fillRect/>
+          </a:stretch>
+        </p:blipFill>
+        <p:spPr>
+          <a:xfrm>
+            <a:off x="4153443" y="0"/>
+            <a:ext cx="3885114" cy="6858000"/>
+          </a:xfrm>
+          <a:prstGeom prst="rect">
+            <a:avLst/>
+          </a:prstGeom>
+        </p:spPr>
+      </p:pic>
+      <p:sp>
+        <p:nvSpPr>
+          <p:cNvPr id="10" name="TextBox 6">
+            <a:extLst>
+              <a:ext uri="{FF2B5EF4-FFF2-40B4-BE49-F238E27FC236}">
+                <a16:creationId xmlns:a16="http://schemas.microsoft.com/office/drawing/2014/main" id="{6D1204C7-CCCB-4F8C-A456-E3795D37D2D0}"/>
+              </a:ext>
+            </a:extLst>
+          </p:cNvPr>
           <p:cNvSpPr txBox="1"/>
           <p:nvPr/>
         </p:nvSpPr>
         <p:spPr>
           <a:xfrm>
-            <a:off x="4044896" y="1131216"/>
-            <a:ext cx="6675723" cy="646331"/>
+            <a:off x="300884" y="1371744"/>
+            <a:ext cx="3539022" cy="646331"/>
           </a:xfrm>
           <a:prstGeom prst="rect">
             <a:avLst/>
@@ -6682,133 +5166,27 @@
                 <a:solidFill>
                   <a:schemeClr val="bg1"/>
                 </a:solidFill>
-                <a:latin typeface="微软雅黑" panose="020B0503020204020204" pitchFamily="34" charset="-122"/>
-                <a:ea typeface="微软雅黑" panose="020B0503020204020204" pitchFamily="34" charset="-122"/>
+                <a:latin typeface="Microsoft YaHei" panose="020B0503020204020204" pitchFamily="34" charset="-122"/>
+                <a:ea typeface="Microsoft YaHei" panose="020B0503020204020204" pitchFamily="34" charset="-122"/>
               </a:rPr>
-              <a:t>通过首页的‘新房’功能键导航到此页</a:t>
-            </a:r>
-            <a:endParaRPr lang="en-US" altLang="zh-CN" dirty="0">
-              <a:solidFill>
-                <a:schemeClr val="bg1"/>
-              </a:solidFill>
-              <a:latin typeface="微软雅黑" panose="020B0503020204020204" pitchFamily="34" charset="-122"/>
-              <a:ea typeface="微软雅黑" panose="020B0503020204020204" pitchFamily="34" charset="-122"/>
-            </a:endParaRPr>
-          </a:p>
-          <a:p>
-            <a:r>
-              <a:rPr lang="zh-CN" altLang="en-US" dirty="0">
-                <a:solidFill>
-                  <a:schemeClr val="bg1"/>
-                </a:solidFill>
-                <a:latin typeface="微软雅黑" panose="020B0503020204020204" pitchFamily="34" charset="-122"/>
-                <a:ea typeface="微软雅黑" panose="020B0503020204020204" pitchFamily="34" charset="-122"/>
-              </a:rPr>
-              <a:t>筛选栏支持如下筛选条件</a:t>
+              <a:t>管理员点击一个具体房源后，加载该房源的信息，供管理员修改</a:t>
             </a:r>
             <a:endParaRPr lang="de-DE" dirty="0">
               <a:solidFill>
                 <a:schemeClr val="bg1"/>
               </a:solidFill>
-              <a:latin typeface="微软雅黑" panose="020B0503020204020204" pitchFamily="34" charset="-122"/>
-              <a:ea typeface="微软雅黑" panose="020B0503020204020204" pitchFamily="34" charset="-122"/>
+              <a:latin typeface="Microsoft YaHei" panose="020B0503020204020204" pitchFamily="34" charset="-122"/>
+              <a:ea typeface="Microsoft YaHei" panose="020B0503020204020204" pitchFamily="34" charset="-122"/>
             </a:endParaRPr>
           </a:p>
         </p:txBody>
       </p:sp>
-      <p:sp>
-        <p:nvSpPr>
-          <p:cNvPr id="6" name="Rectangle 5"/>
-          <p:cNvSpPr/>
-          <p:nvPr/>
-        </p:nvSpPr>
-        <p:spPr>
-          <a:xfrm>
-            <a:off x="4139139" y="1965772"/>
-            <a:ext cx="6070090" cy="494625"/>
-          </a:xfrm>
-          <a:prstGeom prst="rect">
-            <a:avLst/>
-          </a:prstGeom>
-        </p:spPr>
-        <p:style>
-          <a:lnRef idx="2">
-            <a:schemeClr val="accent1">
-              <a:shade val="50000"/>
-            </a:schemeClr>
-          </a:lnRef>
-          <a:fillRef idx="1">
-            <a:schemeClr val="accent1"/>
-          </a:fillRef>
-          <a:effectRef idx="0">
-            <a:schemeClr val="accent1"/>
-          </a:effectRef>
-          <a:fontRef idx="minor">
-            <a:schemeClr val="lt1"/>
-          </a:fontRef>
-        </p:style>
-        <p:txBody>
-          <a:bodyPr rtlCol="0" anchor="ctr"/>
-          <a:lstStyle/>
-          <a:p>
-            <a:pPr algn="dist"/>
-            <a:r>
-              <a:rPr lang="zh-CN" altLang="en-US" dirty="0">
-                <a:latin typeface="Microsoft YaHei UI" panose="020B0503020204020204" pitchFamily="34" charset="-122"/>
-                <a:ea typeface="Microsoft YaHei UI" panose="020B0503020204020204" pitchFamily="34" charset="-122"/>
-              </a:rPr>
-              <a:t>区域 总价 户型 更多</a:t>
-            </a:r>
-            <a:endParaRPr lang="zh-CN" altLang="en-US" dirty="0">
-              <a:latin typeface="Microsoft YaHei UI" panose="020B0503020204020204" pitchFamily="34" charset="-122"/>
-              <a:ea typeface="Microsoft YaHei UI" panose="020B0503020204020204" pitchFamily="34" charset="-122"/>
-            </a:endParaRPr>
-          </a:p>
-        </p:txBody>
-      </p:sp>
-      <p:sp>
-        <p:nvSpPr>
-          <p:cNvPr id="7" name="TextBox 6"/>
-          <p:cNvSpPr txBox="1"/>
-          <p:nvPr/>
-        </p:nvSpPr>
-        <p:spPr>
-          <a:xfrm>
-            <a:off x="4139139" y="3074709"/>
-            <a:ext cx="6675723" cy="646331"/>
-          </a:xfrm>
-          <a:prstGeom prst="rect">
-            <a:avLst/>
-          </a:prstGeom>
-          <a:noFill/>
-        </p:spPr>
-        <p:txBody>
-          <a:bodyPr wrap="square" rtlCol="0">
-            <a:spAutoFit/>
-          </a:bodyPr>
-          <a:lstStyle/>
-          <a:p>
-            <a:r>
-              <a:rPr lang="zh-CN" altLang="en-US" dirty="0">
-                <a:solidFill>
-                  <a:schemeClr val="bg1"/>
-                </a:solidFill>
-                <a:latin typeface="微软雅黑" panose="020B0503020204020204" pitchFamily="34" charset="-122"/>
-                <a:ea typeface="微软雅黑" panose="020B0503020204020204" pitchFamily="34" charset="-122"/>
-              </a:rPr>
-              <a:t>在‘更多’筛选项中，支持‘类型’‘开盘时间’‘销售状态’‘装修情况’进行进一步筛选</a:t>
-            </a:r>
-            <a:endParaRPr lang="de-DE" dirty="0">
-              <a:solidFill>
-                <a:schemeClr val="bg1"/>
-              </a:solidFill>
-              <a:latin typeface="微软雅黑" panose="020B0503020204020204" pitchFamily="34" charset="-122"/>
-              <a:ea typeface="微软雅黑" panose="020B0503020204020204" pitchFamily="34" charset="-122"/>
-            </a:endParaRPr>
-          </a:p>
-        </p:txBody>
-      </p:sp>
     </p:spTree>
+    <p:extLst>
+      <p:ext uri="{BB962C8B-B14F-4D97-AF65-F5344CB8AC3E}">
+        <p14:creationId xmlns:p14="http://schemas.microsoft.com/office/powerpoint/2010/main" val="543494814"/>
+      </p:ext>
+    </p:extLst>
   </p:cSld>
   <p:clrMapOvr>
     <a:masterClrMapping/>
@@ -6845,106 +5223,6 @@
       </p:grpSpPr>
       <p:sp>
         <p:nvSpPr>
-          <p:cNvPr id="3" name="Rectangle 2"/>
-          <p:cNvSpPr/>
-          <p:nvPr/>
-        </p:nvSpPr>
-        <p:spPr>
-          <a:xfrm>
-            <a:off x="801278" y="707010"/>
-            <a:ext cx="2837468" cy="848413"/>
-          </a:xfrm>
-          <a:prstGeom prst="rect">
-            <a:avLst/>
-          </a:prstGeom>
-        </p:spPr>
-        <p:style>
-          <a:lnRef idx="2">
-            <a:schemeClr val="accent1">
-              <a:shade val="50000"/>
-            </a:schemeClr>
-          </a:lnRef>
-          <a:fillRef idx="1">
-            <a:schemeClr val="accent1"/>
-          </a:fillRef>
-          <a:effectRef idx="0">
-            <a:schemeClr val="accent1"/>
-          </a:effectRef>
-          <a:fontRef idx="minor">
-            <a:schemeClr val="lt1"/>
-          </a:fontRef>
-        </p:style>
-        <p:txBody>
-          <a:bodyPr rtlCol="0" anchor="ctr"/>
-          <a:lstStyle/>
-          <a:p>
-            <a:pPr algn="ctr"/>
-            <a:r>
-              <a:rPr lang="zh-CN" altLang="en-US" dirty="0">
-                <a:latin typeface="Microsoft YaHei UI" panose="020B0503020204020204" pitchFamily="34" charset="-122"/>
-                <a:ea typeface="Microsoft YaHei UI" panose="020B0503020204020204" pitchFamily="34" charset="-122"/>
-              </a:rPr>
-              <a:t>筛选栏</a:t>
-            </a:r>
-            <a:endParaRPr lang="zh-CN" altLang="en-US" dirty="0">
-              <a:latin typeface="Microsoft YaHei UI" panose="020B0503020204020204" pitchFamily="34" charset="-122"/>
-              <a:ea typeface="Microsoft YaHei UI" panose="020B0503020204020204" pitchFamily="34" charset="-122"/>
-            </a:endParaRPr>
-          </a:p>
-        </p:txBody>
-      </p:sp>
-      <p:sp>
-        <p:nvSpPr>
-          <p:cNvPr id="9" name="Rectangle 8"/>
-          <p:cNvSpPr/>
-          <p:nvPr/>
-        </p:nvSpPr>
-        <p:spPr>
-          <a:xfrm>
-            <a:off x="801278" y="1616979"/>
-            <a:ext cx="2837468" cy="4472735"/>
-          </a:xfrm>
-          <a:prstGeom prst="rect">
-            <a:avLst/>
-          </a:prstGeom>
-        </p:spPr>
-        <p:style>
-          <a:lnRef idx="2">
-            <a:schemeClr val="accent1">
-              <a:shade val="50000"/>
-            </a:schemeClr>
-          </a:lnRef>
-          <a:fillRef idx="1">
-            <a:schemeClr val="accent1"/>
-          </a:fillRef>
-          <a:effectRef idx="0">
-            <a:schemeClr val="accent1"/>
-          </a:effectRef>
-          <a:fontRef idx="minor">
-            <a:schemeClr val="lt1"/>
-          </a:fontRef>
-        </p:style>
-        <p:txBody>
-          <a:bodyPr rtlCol="0" anchor="ctr"/>
-          <a:lstStyle/>
-          <a:p>
-            <a:pPr algn="ctr"/>
-            <a:r>
-              <a:rPr lang="zh-CN" altLang="en-US" dirty="0">
-                <a:latin typeface="Microsoft YaHei UI" panose="020B0503020204020204" pitchFamily="34" charset="-122"/>
-                <a:ea typeface="Microsoft YaHei UI" panose="020B0503020204020204" pitchFamily="34" charset="-122"/>
-              </a:rPr>
-              <a:t>结果显示区</a:t>
-            </a:r>
-            <a:endParaRPr lang="zh-CN" altLang="en-US" dirty="0">
-              <a:latin typeface="Microsoft YaHei UI" panose="020B0503020204020204" pitchFamily="34" charset="-122"/>
-              <a:ea typeface="Microsoft YaHei UI" panose="020B0503020204020204" pitchFamily="34" charset="-122"/>
-            </a:endParaRPr>
-          </a:p>
-        </p:txBody>
-      </p:sp>
-      <p:sp>
-        <p:nvSpPr>
           <p:cNvPr id="11" name="TextBox 10"/>
           <p:cNvSpPr txBox="1"/>
           <p:nvPr/>
@@ -6970,31 +5248,67 @@
                 <a:solidFill>
                   <a:schemeClr val="bg1"/>
                 </a:solidFill>
-                <a:latin typeface="微软雅黑" panose="020B0503020204020204" pitchFamily="34" charset="-122"/>
-                <a:ea typeface="微软雅黑" panose="020B0503020204020204" pitchFamily="34" charset="-122"/>
+                <a:latin typeface="Microsoft YaHei" panose="020B0503020204020204" pitchFamily="34" charset="-122"/>
+                <a:ea typeface="Microsoft YaHei" panose="020B0503020204020204" pitchFamily="34" charset="-122"/>
               </a:rPr>
-              <a:t>二手房页设计</a:t>
+              <a:t>买房页设计</a:t>
             </a:r>
             <a:endParaRPr lang="de-DE" sz="3200" dirty="0">
               <a:solidFill>
                 <a:schemeClr val="bg1"/>
               </a:solidFill>
-              <a:latin typeface="微软雅黑" panose="020B0503020204020204" pitchFamily="34" charset="-122"/>
-              <a:ea typeface="微软雅黑" panose="020B0503020204020204" pitchFamily="34" charset="-122"/>
+              <a:latin typeface="Microsoft YaHei" panose="020B0503020204020204" pitchFamily="34" charset="-122"/>
+              <a:ea typeface="Microsoft YaHei" panose="020B0503020204020204" pitchFamily="34" charset="-122"/>
             </a:endParaRPr>
           </a:p>
         </p:txBody>
       </p:sp>
-      <p:sp>
-        <p:nvSpPr>
-          <p:cNvPr id="5" name="TextBox 4"/>
+      <p:pic>
+        <p:nvPicPr>
+          <p:cNvPr id="2" name="图片 1">
+            <a:extLst>
+              <a:ext uri="{FF2B5EF4-FFF2-40B4-BE49-F238E27FC236}">
+                <a16:creationId xmlns:a16="http://schemas.microsoft.com/office/drawing/2014/main" id="{70948727-E03E-4B0C-B277-348AF120F70E}"/>
+              </a:ext>
+            </a:extLst>
+          </p:cNvPr>
+          <p:cNvPicPr>
+            <a:picLocks noChangeAspect="1"/>
+          </p:cNvPicPr>
+          <p:nvPr/>
+        </p:nvPicPr>
+        <p:blipFill>
+          <a:blip r:embed="rId3"/>
+          <a:stretch>
+            <a:fillRect/>
+          </a:stretch>
+        </p:blipFill>
+        <p:spPr>
+          <a:xfrm>
+            <a:off x="8014147" y="0"/>
+            <a:ext cx="3876969" cy="6858000"/>
+          </a:xfrm>
+          <a:prstGeom prst="rect">
+            <a:avLst/>
+          </a:prstGeom>
+        </p:spPr>
+      </p:pic>
+      <p:sp>
+        <p:nvSpPr>
+          <p:cNvPr id="10" name="TextBox 6">
+            <a:extLst>
+              <a:ext uri="{FF2B5EF4-FFF2-40B4-BE49-F238E27FC236}">
+                <a16:creationId xmlns:a16="http://schemas.microsoft.com/office/drawing/2014/main" id="{80FA027D-2B1B-47FD-9D1E-C3F96B56FB7A}"/>
+              </a:ext>
+            </a:extLst>
+          </p:cNvPr>
           <p:cNvSpPr txBox="1"/>
           <p:nvPr/>
         </p:nvSpPr>
         <p:spPr>
           <a:xfrm>
-            <a:off x="4044896" y="1131216"/>
-            <a:ext cx="6675723" cy="646331"/>
+            <a:off x="300883" y="1371744"/>
+            <a:ext cx="6838147" cy="1477328"/>
           </a:xfrm>
           <a:prstGeom prst="rect">
             <a:avLst/>
@@ -7012,17 +5326,17 @@
                 <a:solidFill>
                   <a:schemeClr val="bg1"/>
                 </a:solidFill>
-                <a:latin typeface="微软雅黑" panose="020B0503020204020204" pitchFamily="34" charset="-122"/>
-                <a:ea typeface="微软雅黑" panose="020B0503020204020204" pitchFamily="34" charset="-122"/>
+                <a:latin typeface="Microsoft YaHei" panose="020B0503020204020204" pitchFamily="34" charset="-122"/>
+                <a:ea typeface="Microsoft YaHei" panose="020B0503020204020204" pitchFamily="34" charset="-122"/>
               </a:rPr>
-              <a:t>通过首页的‘二手房’功能键导航到此页</a:t>
+              <a:t>通过点击下方导航栏的买房按钮，跳转到买房页。</a:t>
             </a:r>
             <a:endParaRPr lang="en-US" altLang="zh-CN" dirty="0">
               <a:solidFill>
                 <a:schemeClr val="bg1"/>
               </a:solidFill>
-              <a:latin typeface="微软雅黑" panose="020B0503020204020204" pitchFamily="34" charset="-122"/>
-              <a:ea typeface="微软雅黑" panose="020B0503020204020204" pitchFamily="34" charset="-122"/>
+              <a:latin typeface="Microsoft YaHei" panose="020B0503020204020204" pitchFamily="34" charset="-122"/>
+              <a:ea typeface="Microsoft YaHei" panose="020B0503020204020204" pitchFamily="34" charset="-122"/>
             </a:endParaRPr>
           </a:p>
           <a:p>
@@ -7031,114 +5345,104 @@
                 <a:solidFill>
                   <a:schemeClr val="bg1"/>
                 </a:solidFill>
-                <a:latin typeface="微软雅黑" panose="020B0503020204020204" pitchFamily="34" charset="-122"/>
-                <a:ea typeface="微软雅黑" panose="020B0503020204020204" pitchFamily="34" charset="-122"/>
+                <a:latin typeface="Microsoft YaHei" panose="020B0503020204020204" pitchFamily="34" charset="-122"/>
+                <a:ea typeface="Microsoft YaHei" panose="020B0503020204020204" pitchFamily="34" charset="-122"/>
               </a:rPr>
-              <a:t>筛选栏支持如下筛选条件</a:t>
+              <a:t>首页可以通过“区域”“总价”“户型”进行筛选</a:t>
+            </a:r>
+            <a:endParaRPr lang="en-US" altLang="zh-CN" dirty="0">
+              <a:solidFill>
+                <a:schemeClr val="bg1"/>
+              </a:solidFill>
+              <a:latin typeface="Microsoft YaHei" panose="020B0503020204020204" pitchFamily="34" charset="-122"/>
+              <a:ea typeface="Microsoft YaHei" panose="020B0503020204020204" pitchFamily="34" charset="-122"/>
+            </a:endParaRPr>
+          </a:p>
+          <a:p>
+            <a:r>
+              <a:rPr lang="zh-CN" altLang="en-US" dirty="0">
+                <a:solidFill>
+                  <a:schemeClr val="bg1"/>
+                </a:solidFill>
+                <a:latin typeface="Microsoft YaHei" panose="020B0503020204020204" pitchFamily="34" charset="-122"/>
+                <a:ea typeface="Microsoft YaHei" panose="020B0503020204020204" pitchFamily="34" charset="-122"/>
+              </a:rPr>
+              <a:t>选择“更多”，可以根据“装修情况”“户型”进行筛选</a:t>
+            </a:r>
+            <a:endParaRPr lang="en-US" altLang="zh-CN" dirty="0">
+              <a:solidFill>
+                <a:schemeClr val="bg1"/>
+              </a:solidFill>
+              <a:latin typeface="Microsoft YaHei" panose="020B0503020204020204" pitchFamily="34" charset="-122"/>
+              <a:ea typeface="Microsoft YaHei" panose="020B0503020204020204" pitchFamily="34" charset="-122"/>
+            </a:endParaRPr>
+          </a:p>
+          <a:p>
+            <a:endParaRPr lang="en-US" dirty="0">
+              <a:solidFill>
+                <a:schemeClr val="bg1"/>
+              </a:solidFill>
+              <a:latin typeface="Microsoft YaHei" panose="020B0503020204020204" pitchFamily="34" charset="-122"/>
+              <a:ea typeface="Microsoft YaHei" panose="020B0503020204020204" pitchFamily="34" charset="-122"/>
+            </a:endParaRPr>
+          </a:p>
+          <a:p>
+            <a:r>
+              <a:rPr lang="zh-CN" altLang="en-US" dirty="0">
+                <a:solidFill>
+                  <a:schemeClr val="bg1"/>
+                </a:solidFill>
+                <a:latin typeface="Microsoft YaHei" panose="020B0503020204020204" pitchFamily="34" charset="-122"/>
+                <a:ea typeface="Microsoft YaHei" panose="020B0503020204020204" pitchFamily="34" charset="-122"/>
+              </a:rPr>
+              <a:t>具体筛选项，见</a:t>
+            </a:r>
+            <a:r>
+              <a:rPr lang="en-US" altLang="zh-CN" dirty="0">
+                <a:solidFill>
+                  <a:schemeClr val="bg1"/>
+                </a:solidFill>
+                <a:latin typeface="Microsoft YaHei" panose="020B0503020204020204" pitchFamily="34" charset="-122"/>
+                <a:ea typeface="Microsoft YaHei" panose="020B0503020204020204" pitchFamily="34" charset="-122"/>
+              </a:rPr>
+              <a:t>《</a:t>
+            </a:r>
+            <a:r>
+              <a:rPr lang="zh-CN" altLang="en-US" dirty="0">
+                <a:solidFill>
+                  <a:schemeClr val="bg1"/>
+                </a:solidFill>
+                <a:latin typeface="Microsoft YaHei" panose="020B0503020204020204" pitchFamily="34" charset="-122"/>
+                <a:ea typeface="Microsoft YaHei" panose="020B0503020204020204" pitchFamily="34" charset="-122"/>
+              </a:rPr>
+              <a:t>数据库设计</a:t>
+            </a:r>
+            <a:r>
+              <a:rPr lang="en-US" altLang="zh-CN" dirty="0">
+                <a:solidFill>
+                  <a:schemeClr val="bg1"/>
+                </a:solidFill>
+                <a:latin typeface="Microsoft YaHei" panose="020B0503020204020204" pitchFamily="34" charset="-122"/>
+                <a:ea typeface="Microsoft YaHei" panose="020B0503020204020204" pitchFamily="34" charset="-122"/>
+              </a:rPr>
+              <a:t>》</a:t>
             </a:r>
             <a:endParaRPr lang="de-DE" dirty="0">
               <a:solidFill>
                 <a:schemeClr val="bg1"/>
               </a:solidFill>
-              <a:latin typeface="微软雅黑" panose="020B0503020204020204" pitchFamily="34" charset="-122"/>
-              <a:ea typeface="微软雅黑" panose="020B0503020204020204" pitchFamily="34" charset="-122"/>
+              <a:latin typeface="Microsoft YaHei" panose="020B0503020204020204" pitchFamily="34" charset="-122"/>
+              <a:ea typeface="Microsoft YaHei" panose="020B0503020204020204" pitchFamily="34" charset="-122"/>
             </a:endParaRPr>
           </a:p>
         </p:txBody>
       </p:sp>
-      <p:sp>
-        <p:nvSpPr>
-          <p:cNvPr id="6" name="Rectangle 5"/>
-          <p:cNvSpPr/>
-          <p:nvPr/>
-        </p:nvSpPr>
-        <p:spPr>
-          <a:xfrm>
-            <a:off x="4139139" y="1965772"/>
-            <a:ext cx="6070090" cy="494625"/>
-          </a:xfrm>
-          <a:prstGeom prst="rect">
-            <a:avLst/>
-          </a:prstGeom>
-        </p:spPr>
-        <p:style>
-          <a:lnRef idx="2">
-            <a:schemeClr val="accent1">
-              <a:shade val="50000"/>
-            </a:schemeClr>
-          </a:lnRef>
-          <a:fillRef idx="1">
-            <a:schemeClr val="accent1"/>
-          </a:fillRef>
-          <a:effectRef idx="0">
-            <a:schemeClr val="accent1"/>
-          </a:effectRef>
-          <a:fontRef idx="minor">
-            <a:schemeClr val="lt1"/>
-          </a:fontRef>
-        </p:style>
-        <p:txBody>
-          <a:bodyPr rtlCol="0" anchor="ctr"/>
-          <a:lstStyle/>
-          <a:p>
-            <a:pPr algn="dist"/>
-            <a:r>
-              <a:rPr lang="zh-CN" altLang="en-US" dirty="0">
-                <a:latin typeface="Microsoft YaHei UI" panose="020B0503020204020204" pitchFamily="34" charset="-122"/>
-                <a:ea typeface="Microsoft YaHei UI" panose="020B0503020204020204" pitchFamily="34" charset="-122"/>
-              </a:rPr>
-              <a:t>区域 总价 户型 更多</a:t>
-            </a:r>
-            <a:endParaRPr lang="zh-CN" altLang="en-US" dirty="0">
-              <a:latin typeface="Microsoft YaHei UI" panose="020B0503020204020204" pitchFamily="34" charset="-122"/>
-              <a:ea typeface="Microsoft YaHei UI" panose="020B0503020204020204" pitchFamily="34" charset="-122"/>
-            </a:endParaRPr>
-          </a:p>
-        </p:txBody>
-      </p:sp>
-      <p:sp>
-        <p:nvSpPr>
-          <p:cNvPr id="7" name="TextBox 6"/>
-          <p:cNvSpPr txBox="1"/>
-          <p:nvPr/>
-        </p:nvSpPr>
-        <p:spPr>
-          <a:xfrm>
-            <a:off x="4139139" y="3074709"/>
-            <a:ext cx="6675723" cy="646331"/>
-          </a:xfrm>
-          <a:prstGeom prst="rect">
-            <a:avLst/>
-          </a:prstGeom>
-          <a:noFill/>
-        </p:spPr>
-        <p:txBody>
-          <a:bodyPr wrap="square" rtlCol="0">
-            <a:spAutoFit/>
-          </a:bodyPr>
-          <a:lstStyle/>
-          <a:p>
-            <a:r>
-              <a:rPr lang="zh-CN" altLang="en-US" dirty="0">
-                <a:solidFill>
-                  <a:schemeClr val="bg1"/>
-                </a:solidFill>
-                <a:latin typeface="微软雅黑" panose="020B0503020204020204" pitchFamily="34" charset="-122"/>
-                <a:ea typeface="微软雅黑" panose="020B0503020204020204" pitchFamily="34" charset="-122"/>
-              </a:rPr>
-              <a:t>在‘更多’筛选项中，支持‘朝向’‘面积’‘楼龄’‘楼层’‘装修情况’进行进一步筛选</a:t>
-            </a:r>
-            <a:endParaRPr lang="de-DE" dirty="0">
-              <a:solidFill>
-                <a:schemeClr val="bg1"/>
-              </a:solidFill>
-              <a:latin typeface="微软雅黑" panose="020B0503020204020204" pitchFamily="34" charset="-122"/>
-              <a:ea typeface="微软雅黑" panose="020B0503020204020204" pitchFamily="34" charset="-122"/>
-            </a:endParaRPr>
-          </a:p>
-        </p:txBody>
-      </p:sp>
     </p:spTree>
+    <p:extLst>
+      <p:ext uri="{BB962C8B-B14F-4D97-AF65-F5344CB8AC3E}">
+        <p14:creationId xmlns:p14="http://schemas.microsoft.com/office/powerpoint/2010/main" val="1995061132"/>
+      </p:ext>
+    </p:extLst>
   </p:cSld>
   <p:clrMapOvr>
     <a:masterClrMapping/>
@@ -7175,106 +5479,6 @@
       </p:grpSpPr>
       <p:sp>
         <p:nvSpPr>
-          <p:cNvPr id="3" name="Rectangle 2"/>
-          <p:cNvSpPr/>
-          <p:nvPr/>
-        </p:nvSpPr>
-        <p:spPr>
-          <a:xfrm>
-            <a:off x="801278" y="707010"/>
-            <a:ext cx="2837468" cy="848413"/>
-          </a:xfrm>
-          <a:prstGeom prst="rect">
-            <a:avLst/>
-          </a:prstGeom>
-        </p:spPr>
-        <p:style>
-          <a:lnRef idx="2">
-            <a:schemeClr val="accent1">
-              <a:shade val="50000"/>
-            </a:schemeClr>
-          </a:lnRef>
-          <a:fillRef idx="1">
-            <a:schemeClr val="accent1"/>
-          </a:fillRef>
-          <a:effectRef idx="0">
-            <a:schemeClr val="accent1"/>
-          </a:effectRef>
-          <a:fontRef idx="minor">
-            <a:schemeClr val="lt1"/>
-          </a:fontRef>
-        </p:style>
-        <p:txBody>
-          <a:bodyPr rtlCol="0" anchor="ctr"/>
-          <a:lstStyle/>
-          <a:p>
-            <a:pPr algn="ctr"/>
-            <a:r>
-              <a:rPr lang="zh-CN" altLang="en-US" dirty="0">
-                <a:latin typeface="Microsoft YaHei UI" panose="020B0503020204020204" pitchFamily="34" charset="-122"/>
-                <a:ea typeface="Microsoft YaHei UI" panose="020B0503020204020204" pitchFamily="34" charset="-122"/>
-              </a:rPr>
-              <a:t>筛选栏</a:t>
-            </a:r>
-            <a:endParaRPr lang="zh-CN" altLang="en-US" dirty="0">
-              <a:latin typeface="Microsoft YaHei UI" panose="020B0503020204020204" pitchFamily="34" charset="-122"/>
-              <a:ea typeface="Microsoft YaHei UI" panose="020B0503020204020204" pitchFamily="34" charset="-122"/>
-            </a:endParaRPr>
-          </a:p>
-        </p:txBody>
-      </p:sp>
-      <p:sp>
-        <p:nvSpPr>
-          <p:cNvPr id="9" name="Rectangle 8"/>
-          <p:cNvSpPr/>
-          <p:nvPr/>
-        </p:nvSpPr>
-        <p:spPr>
-          <a:xfrm>
-            <a:off x="801278" y="1616979"/>
-            <a:ext cx="2837468" cy="4472735"/>
-          </a:xfrm>
-          <a:prstGeom prst="rect">
-            <a:avLst/>
-          </a:prstGeom>
-        </p:spPr>
-        <p:style>
-          <a:lnRef idx="2">
-            <a:schemeClr val="accent1">
-              <a:shade val="50000"/>
-            </a:schemeClr>
-          </a:lnRef>
-          <a:fillRef idx="1">
-            <a:schemeClr val="accent1"/>
-          </a:fillRef>
-          <a:effectRef idx="0">
-            <a:schemeClr val="accent1"/>
-          </a:effectRef>
-          <a:fontRef idx="minor">
-            <a:schemeClr val="lt1"/>
-          </a:fontRef>
-        </p:style>
-        <p:txBody>
-          <a:bodyPr rtlCol="0" anchor="ctr"/>
-          <a:lstStyle/>
-          <a:p>
-            <a:pPr algn="ctr"/>
-            <a:r>
-              <a:rPr lang="zh-CN" altLang="en-US" dirty="0">
-                <a:latin typeface="Microsoft YaHei UI" panose="020B0503020204020204" pitchFamily="34" charset="-122"/>
-                <a:ea typeface="Microsoft YaHei UI" panose="020B0503020204020204" pitchFamily="34" charset="-122"/>
-              </a:rPr>
-              <a:t>结果显示区</a:t>
-            </a:r>
-            <a:endParaRPr lang="zh-CN" altLang="en-US" dirty="0">
-              <a:latin typeface="Microsoft YaHei UI" panose="020B0503020204020204" pitchFamily="34" charset="-122"/>
-              <a:ea typeface="Microsoft YaHei UI" panose="020B0503020204020204" pitchFamily="34" charset="-122"/>
-            </a:endParaRPr>
-          </a:p>
-        </p:txBody>
-      </p:sp>
-      <p:sp>
-        <p:nvSpPr>
           <p:cNvPr id="11" name="TextBox 10"/>
           <p:cNvSpPr txBox="1"/>
           <p:nvPr/>
@@ -7300,31 +5504,97 @@
                 <a:solidFill>
                   <a:schemeClr val="bg1"/>
                 </a:solidFill>
-                <a:latin typeface="微软雅黑" panose="020B0503020204020204" pitchFamily="34" charset="-122"/>
-                <a:ea typeface="微软雅黑" panose="020B0503020204020204" pitchFamily="34" charset="-122"/>
+                <a:latin typeface="Microsoft YaHei" panose="020B0503020204020204" pitchFamily="34" charset="-122"/>
+                <a:ea typeface="Microsoft YaHei" panose="020B0503020204020204" pitchFamily="34" charset="-122"/>
               </a:rPr>
-              <a:t>租房页设计</a:t>
+              <a:t>买房详情页设计</a:t>
             </a:r>
             <a:endParaRPr lang="de-DE" sz="3200" dirty="0">
               <a:solidFill>
                 <a:schemeClr val="bg1"/>
               </a:solidFill>
-              <a:latin typeface="微软雅黑" panose="020B0503020204020204" pitchFamily="34" charset="-122"/>
-              <a:ea typeface="微软雅黑" panose="020B0503020204020204" pitchFamily="34" charset="-122"/>
+              <a:latin typeface="Microsoft YaHei" panose="020B0503020204020204" pitchFamily="34" charset="-122"/>
+              <a:ea typeface="Microsoft YaHei" panose="020B0503020204020204" pitchFamily="34" charset="-122"/>
             </a:endParaRPr>
           </a:p>
         </p:txBody>
       </p:sp>
-      <p:sp>
-        <p:nvSpPr>
-          <p:cNvPr id="5" name="TextBox 4"/>
+      <p:pic>
+        <p:nvPicPr>
+          <p:cNvPr id="2" name="图片 1">
+            <a:extLst>
+              <a:ext uri="{FF2B5EF4-FFF2-40B4-BE49-F238E27FC236}">
+                <a16:creationId xmlns:a16="http://schemas.microsoft.com/office/drawing/2014/main" id="{9CD6F32E-8885-4A99-85D9-F8BF4F36AACD}"/>
+              </a:ext>
+            </a:extLst>
+          </p:cNvPr>
+          <p:cNvPicPr>
+            <a:picLocks noChangeAspect="1"/>
+          </p:cNvPicPr>
+          <p:nvPr/>
+        </p:nvPicPr>
+        <p:blipFill>
+          <a:blip r:embed="rId3"/>
+          <a:stretch>
+            <a:fillRect/>
+          </a:stretch>
+        </p:blipFill>
+        <p:spPr>
+          <a:xfrm>
+            <a:off x="4157515" y="0"/>
+            <a:ext cx="3876969" cy="6858000"/>
+          </a:xfrm>
+          <a:prstGeom prst="rect">
+            <a:avLst/>
+          </a:prstGeom>
+        </p:spPr>
+      </p:pic>
+      <p:pic>
+        <p:nvPicPr>
+          <p:cNvPr id="4" name="图片 3">
+            <a:extLst>
+              <a:ext uri="{FF2B5EF4-FFF2-40B4-BE49-F238E27FC236}">
+                <a16:creationId xmlns:a16="http://schemas.microsoft.com/office/drawing/2014/main" id="{4ED402A5-9C94-4996-804C-EDF2465EF39B}"/>
+              </a:ext>
+            </a:extLst>
+          </p:cNvPr>
+          <p:cNvPicPr>
+            <a:picLocks noChangeAspect="1"/>
+          </p:cNvPicPr>
+          <p:nvPr/>
+        </p:nvPicPr>
+        <p:blipFill>
+          <a:blip r:embed="rId4"/>
+          <a:stretch>
+            <a:fillRect/>
+          </a:stretch>
+        </p:blipFill>
+        <p:spPr>
+          <a:xfrm>
+            <a:off x="8153481" y="0"/>
+            <a:ext cx="3904911" cy="6858000"/>
+          </a:xfrm>
+          <a:prstGeom prst="rect">
+            <a:avLst/>
+          </a:prstGeom>
+        </p:spPr>
+      </p:pic>
+      <p:sp>
+        <p:nvSpPr>
+          <p:cNvPr id="10" name="TextBox 6">
+            <a:extLst>
+              <a:ext uri="{FF2B5EF4-FFF2-40B4-BE49-F238E27FC236}">
+                <a16:creationId xmlns:a16="http://schemas.microsoft.com/office/drawing/2014/main" id="{A65D469F-FE8F-4284-82BD-827CDB5BEE94}"/>
+              </a:ext>
+            </a:extLst>
+          </p:cNvPr>
           <p:cNvSpPr txBox="1"/>
           <p:nvPr/>
         </p:nvSpPr>
         <p:spPr>
           <a:xfrm>
-            <a:off x="4044896" y="1131216"/>
-            <a:ext cx="6675723" cy="646331"/>
+            <a:off x="300884" y="1371744"/>
+            <a:ext cx="3633554" cy="1200329"/>
           </a:xfrm>
           <a:prstGeom prst="rect">
             <a:avLst/>
@@ -7342,17 +5612,26 @@
                 <a:solidFill>
                   <a:schemeClr val="bg1"/>
                 </a:solidFill>
-                <a:latin typeface="微软雅黑" panose="020B0503020204020204" pitchFamily="34" charset="-122"/>
-                <a:ea typeface="微软雅黑" panose="020B0503020204020204" pitchFamily="34" charset="-122"/>
+                <a:latin typeface="Microsoft YaHei" panose="020B0503020204020204" pitchFamily="34" charset="-122"/>
+                <a:ea typeface="Microsoft YaHei" panose="020B0503020204020204" pitchFamily="34" charset="-122"/>
               </a:rPr>
-              <a:t>通过首页的‘租房’功能键导航到此页</a:t>
+              <a:t>点击房源相册，可以进入图片浏览模式。</a:t>
             </a:r>
             <a:endParaRPr lang="en-US" altLang="zh-CN" dirty="0">
               <a:solidFill>
                 <a:schemeClr val="bg1"/>
               </a:solidFill>
-              <a:latin typeface="微软雅黑" panose="020B0503020204020204" pitchFamily="34" charset="-122"/>
-              <a:ea typeface="微软雅黑" panose="020B0503020204020204" pitchFamily="34" charset="-122"/>
+              <a:latin typeface="Microsoft YaHei" panose="020B0503020204020204" pitchFamily="34" charset="-122"/>
+              <a:ea typeface="Microsoft YaHei" panose="020B0503020204020204" pitchFamily="34" charset="-122"/>
+            </a:endParaRPr>
+          </a:p>
+          <a:p>
+            <a:endParaRPr lang="en-US" dirty="0">
+              <a:solidFill>
+                <a:schemeClr val="bg1"/>
+              </a:solidFill>
+              <a:latin typeface="Microsoft YaHei" panose="020B0503020204020204" pitchFamily="34" charset="-122"/>
+              <a:ea typeface="Microsoft YaHei" panose="020B0503020204020204" pitchFamily="34" charset="-122"/>
             </a:endParaRPr>
           </a:p>
           <a:p>
@@ -7361,114 +5640,27 @@
                 <a:solidFill>
                   <a:schemeClr val="bg1"/>
                 </a:solidFill>
-                <a:latin typeface="微软雅黑" panose="020B0503020204020204" pitchFamily="34" charset="-122"/>
-                <a:ea typeface="微软雅黑" panose="020B0503020204020204" pitchFamily="34" charset="-122"/>
+                <a:latin typeface="Microsoft YaHei" panose="020B0503020204020204" pitchFamily="34" charset="-122"/>
+                <a:ea typeface="Microsoft YaHei" panose="020B0503020204020204" pitchFamily="34" charset="-122"/>
               </a:rPr>
-              <a:t>筛选栏支持如下筛选条件</a:t>
+              <a:t>点击电话咨询，可以呼出拨号盘</a:t>
             </a:r>
             <a:endParaRPr lang="de-DE" dirty="0">
               <a:solidFill>
                 <a:schemeClr val="bg1"/>
               </a:solidFill>
-              <a:latin typeface="微软雅黑" panose="020B0503020204020204" pitchFamily="34" charset="-122"/>
-              <a:ea typeface="微软雅黑" panose="020B0503020204020204" pitchFamily="34" charset="-122"/>
+              <a:latin typeface="Microsoft YaHei" panose="020B0503020204020204" pitchFamily="34" charset="-122"/>
+              <a:ea typeface="Microsoft YaHei" panose="020B0503020204020204" pitchFamily="34" charset="-122"/>
             </a:endParaRPr>
           </a:p>
         </p:txBody>
       </p:sp>
-      <p:sp>
-        <p:nvSpPr>
-          <p:cNvPr id="6" name="Rectangle 5"/>
-          <p:cNvSpPr/>
-          <p:nvPr/>
-        </p:nvSpPr>
-        <p:spPr>
-          <a:xfrm>
-            <a:off x="4139139" y="1965772"/>
-            <a:ext cx="6070090" cy="494625"/>
-          </a:xfrm>
-          <a:prstGeom prst="rect">
-            <a:avLst/>
-          </a:prstGeom>
-        </p:spPr>
-        <p:style>
-          <a:lnRef idx="2">
-            <a:schemeClr val="accent1">
-              <a:shade val="50000"/>
-            </a:schemeClr>
-          </a:lnRef>
-          <a:fillRef idx="1">
-            <a:schemeClr val="accent1"/>
-          </a:fillRef>
-          <a:effectRef idx="0">
-            <a:schemeClr val="accent1"/>
-          </a:effectRef>
-          <a:fontRef idx="minor">
-            <a:schemeClr val="lt1"/>
-          </a:fontRef>
-        </p:style>
-        <p:txBody>
-          <a:bodyPr rtlCol="0" anchor="ctr"/>
-          <a:lstStyle/>
-          <a:p>
-            <a:pPr algn="ctr"/>
-            <a:r>
-              <a:rPr lang="zh-CN" altLang="en-US" dirty="0">
-                <a:latin typeface="Microsoft YaHei UI" panose="020B0503020204020204" pitchFamily="34" charset="-122"/>
-                <a:ea typeface="Microsoft YaHei UI" panose="020B0503020204020204" pitchFamily="34" charset="-122"/>
-              </a:rPr>
-              <a:t>区域                   租金                 出租类型                更多</a:t>
-            </a:r>
-            <a:endParaRPr lang="zh-CN" altLang="en-US" dirty="0">
-              <a:latin typeface="Microsoft YaHei UI" panose="020B0503020204020204" pitchFamily="34" charset="-122"/>
-              <a:ea typeface="Microsoft YaHei UI" panose="020B0503020204020204" pitchFamily="34" charset="-122"/>
-            </a:endParaRPr>
-          </a:p>
-        </p:txBody>
-      </p:sp>
-      <p:sp>
-        <p:nvSpPr>
-          <p:cNvPr id="7" name="TextBox 6"/>
-          <p:cNvSpPr txBox="1"/>
-          <p:nvPr/>
-        </p:nvSpPr>
-        <p:spPr>
-          <a:xfrm>
-            <a:off x="4139139" y="3074709"/>
-            <a:ext cx="6675723" cy="646331"/>
-          </a:xfrm>
-          <a:prstGeom prst="rect">
-            <a:avLst/>
-          </a:prstGeom>
-          <a:noFill/>
-        </p:spPr>
-        <p:txBody>
-          <a:bodyPr wrap="square" rtlCol="0">
-            <a:spAutoFit/>
-          </a:bodyPr>
-          <a:lstStyle/>
-          <a:p>
-            <a:r>
-              <a:rPr lang="zh-CN" altLang="en-US" dirty="0">
-                <a:solidFill>
-                  <a:schemeClr val="bg1"/>
-                </a:solidFill>
-                <a:latin typeface="微软雅黑" panose="020B0503020204020204" pitchFamily="34" charset="-122"/>
-                <a:ea typeface="微软雅黑" panose="020B0503020204020204" pitchFamily="34" charset="-122"/>
-              </a:rPr>
-              <a:t>在‘更多’筛选项中，支持‘装修’‘特色’‘户型’进行进一步筛选</a:t>
-            </a:r>
-            <a:endParaRPr lang="de-DE" dirty="0">
-              <a:solidFill>
-                <a:schemeClr val="bg1"/>
-              </a:solidFill>
-              <a:latin typeface="微软雅黑" panose="020B0503020204020204" pitchFamily="34" charset="-122"/>
-              <a:ea typeface="微软雅黑" panose="020B0503020204020204" pitchFamily="34" charset="-122"/>
-            </a:endParaRPr>
-          </a:p>
-        </p:txBody>
-      </p:sp>
     </p:spTree>
+    <p:extLst>
+      <p:ext uri="{BB962C8B-B14F-4D97-AF65-F5344CB8AC3E}">
+        <p14:creationId xmlns:p14="http://schemas.microsoft.com/office/powerpoint/2010/main" val="4072608264"/>
+      </p:ext>
+    </p:extLst>
   </p:cSld>
   <p:clrMapOvr>
     <a:masterClrMapping/>
@@ -7505,134 +5697,6 @@
       </p:grpSpPr>
       <p:sp>
         <p:nvSpPr>
-          <p:cNvPr id="3" name="Rectangle 2"/>
-          <p:cNvSpPr/>
-          <p:nvPr/>
-        </p:nvSpPr>
-        <p:spPr>
-          <a:xfrm>
-            <a:off x="801278" y="707010"/>
-            <a:ext cx="2837468" cy="848413"/>
-          </a:xfrm>
-          <a:prstGeom prst="rect">
-            <a:avLst/>
-          </a:prstGeom>
-        </p:spPr>
-        <p:style>
-          <a:lnRef idx="2">
-            <a:schemeClr val="accent1">
-              <a:shade val="50000"/>
-            </a:schemeClr>
-          </a:lnRef>
-          <a:fillRef idx="1">
-            <a:schemeClr val="accent1"/>
-          </a:fillRef>
-          <a:effectRef idx="0">
-            <a:schemeClr val="accent1"/>
-          </a:effectRef>
-          <a:fontRef idx="minor">
-            <a:schemeClr val="lt1"/>
-          </a:fontRef>
-        </p:style>
-        <p:txBody>
-          <a:bodyPr rtlCol="0" anchor="ctr"/>
-          <a:lstStyle/>
-          <a:p>
-            <a:pPr algn="ctr"/>
-            <a:r>
-              <a:rPr lang="zh-CN" altLang="en-US" dirty="0">
-                <a:latin typeface="Microsoft YaHei UI" panose="020B0503020204020204" pitchFamily="34" charset="-122"/>
-                <a:ea typeface="Microsoft YaHei UI" panose="020B0503020204020204" pitchFamily="34" charset="-122"/>
-              </a:rPr>
-              <a:t>门店</a:t>
-            </a:r>
-            <a:r>
-              <a:rPr lang="en-US" altLang="zh-CN" dirty="0">
-                <a:latin typeface="Microsoft YaHei UI" panose="020B0503020204020204" pitchFamily="34" charset="-122"/>
-                <a:ea typeface="Microsoft YaHei UI" panose="020B0503020204020204" pitchFamily="34" charset="-122"/>
-              </a:rPr>
-              <a:t>1</a:t>
-            </a:r>
-            <a:r>
-              <a:rPr lang="zh-CN" altLang="en-US" dirty="0">
-                <a:latin typeface="Microsoft YaHei UI" panose="020B0503020204020204" pitchFamily="34" charset="-122"/>
-                <a:ea typeface="Microsoft YaHei UI" panose="020B0503020204020204" pitchFamily="34" charset="-122"/>
-              </a:rPr>
-              <a:t>地址</a:t>
-            </a:r>
-            <a:endParaRPr lang="zh-CN" altLang="en-US" dirty="0">
-              <a:latin typeface="Microsoft YaHei UI" panose="020B0503020204020204" pitchFamily="34" charset="-122"/>
-              <a:ea typeface="Microsoft YaHei UI" panose="020B0503020204020204" pitchFamily="34" charset="-122"/>
-            </a:endParaRPr>
-          </a:p>
-        </p:txBody>
-      </p:sp>
-      <p:sp>
-        <p:nvSpPr>
-          <p:cNvPr id="9" name="Rectangle 8"/>
-          <p:cNvSpPr/>
-          <p:nvPr/>
-        </p:nvSpPr>
-        <p:spPr>
-          <a:xfrm>
-            <a:off x="801278" y="1616980"/>
-            <a:ext cx="2837468" cy="711442"/>
-          </a:xfrm>
-          <a:prstGeom prst="rect">
-            <a:avLst/>
-          </a:prstGeom>
-        </p:spPr>
-        <p:style>
-          <a:lnRef idx="2">
-            <a:schemeClr val="accent1">
-              <a:shade val="50000"/>
-            </a:schemeClr>
-          </a:lnRef>
-          <a:fillRef idx="1">
-            <a:schemeClr val="accent1"/>
-          </a:fillRef>
-          <a:effectRef idx="0">
-            <a:schemeClr val="accent1"/>
-          </a:effectRef>
-          <a:fontRef idx="minor">
-            <a:schemeClr val="lt1"/>
-          </a:fontRef>
-        </p:style>
-        <p:txBody>
-          <a:bodyPr rtlCol="0" anchor="ctr"/>
-          <a:lstStyle/>
-          <a:p>
-            <a:pPr algn="ctr"/>
-            <a:r>
-              <a:rPr lang="zh-CN" altLang="en-US" dirty="0">
-                <a:latin typeface="Microsoft YaHei UI" panose="020B0503020204020204" pitchFamily="34" charset="-122"/>
-                <a:ea typeface="Microsoft YaHei UI" panose="020B0503020204020204" pitchFamily="34" charset="-122"/>
-              </a:rPr>
-              <a:t>门店</a:t>
-            </a:r>
-            <a:r>
-              <a:rPr lang="en-US" altLang="zh-CN" dirty="0">
-                <a:latin typeface="Microsoft YaHei UI" panose="020B0503020204020204" pitchFamily="34" charset="-122"/>
-                <a:ea typeface="Microsoft YaHei UI" panose="020B0503020204020204" pitchFamily="34" charset="-122"/>
-              </a:rPr>
-              <a:t>2</a:t>
-            </a:r>
-            <a:r>
-              <a:rPr lang="zh-CN" altLang="en-US" dirty="0">
-                <a:latin typeface="Microsoft YaHei UI" panose="020B0503020204020204" pitchFamily="34" charset="-122"/>
-                <a:ea typeface="Microsoft YaHei UI" panose="020B0503020204020204" pitchFamily="34" charset="-122"/>
-              </a:rPr>
-              <a:t>地址</a:t>
-            </a:r>
-            <a:endParaRPr lang="zh-CN" altLang="en-US" dirty="0">
-              <a:latin typeface="Microsoft YaHei UI" panose="020B0503020204020204" pitchFamily="34" charset="-122"/>
-              <a:ea typeface="Microsoft YaHei UI" panose="020B0503020204020204" pitchFamily="34" charset="-122"/>
-            </a:endParaRPr>
-          </a:p>
-        </p:txBody>
-      </p:sp>
-      <p:sp>
-        <p:nvSpPr>
           <p:cNvPr id="11" name="TextBox 10"/>
           <p:cNvSpPr txBox="1"/>
           <p:nvPr/>
@@ -7658,31 +5722,37 @@
                 <a:solidFill>
                   <a:schemeClr val="bg1"/>
                 </a:solidFill>
-                <a:latin typeface="微软雅黑" panose="020B0503020204020204" pitchFamily="34" charset="-122"/>
-                <a:ea typeface="微软雅黑" panose="020B0503020204020204" pitchFamily="34" charset="-122"/>
+                <a:latin typeface="Microsoft YaHei" panose="020B0503020204020204" pitchFamily="34" charset="-122"/>
+                <a:ea typeface="Microsoft YaHei" panose="020B0503020204020204" pitchFamily="34" charset="-122"/>
               </a:rPr>
-              <a:t>门店页设计</a:t>
+              <a:t>出租页设计</a:t>
             </a:r>
             <a:endParaRPr lang="de-DE" sz="3200" dirty="0">
               <a:solidFill>
                 <a:schemeClr val="bg1"/>
               </a:solidFill>
-              <a:latin typeface="微软雅黑" panose="020B0503020204020204" pitchFamily="34" charset="-122"/>
-              <a:ea typeface="微软雅黑" panose="020B0503020204020204" pitchFamily="34" charset="-122"/>
+              <a:latin typeface="Microsoft YaHei" panose="020B0503020204020204" pitchFamily="34" charset="-122"/>
+              <a:ea typeface="Microsoft YaHei" panose="020B0503020204020204" pitchFamily="34" charset="-122"/>
             </a:endParaRPr>
           </a:p>
         </p:txBody>
       </p:sp>
       <p:sp>
         <p:nvSpPr>
-          <p:cNvPr id="5" name="TextBox 4"/>
+          <p:cNvPr id="10" name="TextBox 6">
+            <a:extLst>
+              <a:ext uri="{FF2B5EF4-FFF2-40B4-BE49-F238E27FC236}">
+                <a16:creationId xmlns:a16="http://schemas.microsoft.com/office/drawing/2014/main" id="{FE7CAEEF-151B-47B1-B1A5-B554CE6F157F}"/>
+              </a:ext>
+            </a:extLst>
+          </p:cNvPr>
           <p:cNvSpPr txBox="1"/>
           <p:nvPr/>
         </p:nvSpPr>
         <p:spPr>
           <a:xfrm>
-            <a:off x="4044896" y="1131216"/>
-            <a:ext cx="6675723" cy="923330"/>
+            <a:off x="300883" y="1371744"/>
+            <a:ext cx="6838147" cy="1477328"/>
           </a:xfrm>
           <a:prstGeom prst="rect">
             <a:avLst/>
@@ -7700,17 +5770,17 @@
                 <a:solidFill>
                   <a:schemeClr val="bg1"/>
                 </a:solidFill>
-                <a:latin typeface="微软雅黑" panose="020B0503020204020204" pitchFamily="34" charset="-122"/>
-                <a:ea typeface="微软雅黑" panose="020B0503020204020204" pitchFamily="34" charset="-122"/>
+                <a:latin typeface="Microsoft YaHei" panose="020B0503020204020204" pitchFamily="34" charset="-122"/>
+                <a:ea typeface="Microsoft YaHei" panose="020B0503020204020204" pitchFamily="34" charset="-122"/>
               </a:rPr>
-              <a:t>通过首页的‘门店’功能键导航到此页</a:t>
+              <a:t>通过点击下方导航栏的租房按钮，跳转到租房页。</a:t>
             </a:r>
             <a:endParaRPr lang="en-US" altLang="zh-CN" dirty="0">
               <a:solidFill>
                 <a:schemeClr val="bg1"/>
               </a:solidFill>
-              <a:latin typeface="微软雅黑" panose="020B0503020204020204" pitchFamily="34" charset="-122"/>
-              <a:ea typeface="微软雅黑" panose="020B0503020204020204" pitchFamily="34" charset="-122"/>
+              <a:latin typeface="Microsoft YaHei" panose="020B0503020204020204" pitchFamily="34" charset="-122"/>
+              <a:ea typeface="Microsoft YaHei" panose="020B0503020204020204" pitchFamily="34" charset="-122"/>
             </a:endParaRPr>
           </a:p>
           <a:p>
@@ -7719,17 +5789,17 @@
                 <a:solidFill>
                   <a:schemeClr val="bg1"/>
                 </a:solidFill>
-                <a:latin typeface="微软雅黑" panose="020B0503020204020204" pitchFamily="34" charset="-122"/>
-                <a:ea typeface="微软雅黑" panose="020B0503020204020204" pitchFamily="34" charset="-122"/>
+                <a:latin typeface="Microsoft YaHei" panose="020B0503020204020204" pitchFamily="34" charset="-122"/>
+                <a:ea typeface="Microsoft YaHei" panose="020B0503020204020204" pitchFamily="34" charset="-122"/>
               </a:rPr>
-              <a:t>提供门店电话一键直播</a:t>
+              <a:t>首页可以通过“区域”“租金”“户型”进行筛选</a:t>
             </a:r>
             <a:endParaRPr lang="en-US" altLang="zh-CN" dirty="0">
               <a:solidFill>
                 <a:schemeClr val="bg1"/>
               </a:solidFill>
-              <a:latin typeface="微软雅黑" panose="020B0503020204020204" pitchFamily="34" charset="-122"/>
-              <a:ea typeface="微软雅黑" panose="020B0503020204020204" pitchFamily="34" charset="-122"/>
+              <a:latin typeface="Microsoft YaHei" panose="020B0503020204020204" pitchFamily="34" charset="-122"/>
+              <a:ea typeface="Microsoft YaHei" panose="020B0503020204020204" pitchFamily="34" charset="-122"/>
             </a:endParaRPr>
           </a:p>
           <a:p>
@@ -7738,64 +5808,115 @@
                 <a:solidFill>
                   <a:schemeClr val="bg1"/>
                 </a:solidFill>
-                <a:latin typeface="微软雅黑" panose="020B0503020204020204" pitchFamily="34" charset="-122"/>
-                <a:ea typeface="微软雅黑" panose="020B0503020204020204" pitchFamily="34" charset="-122"/>
+                <a:latin typeface="Microsoft YaHei" panose="020B0503020204020204" pitchFamily="34" charset="-122"/>
+                <a:ea typeface="Microsoft YaHei" panose="020B0503020204020204" pitchFamily="34" charset="-122"/>
               </a:rPr>
-              <a:t>地图大头钉显示</a:t>
+              <a:t>选择“更多”，可以根据“装修情况”“朝向”进行筛选</a:t>
+            </a:r>
+            <a:endParaRPr lang="en-US" altLang="zh-CN" dirty="0">
+              <a:solidFill>
+                <a:schemeClr val="bg1"/>
+              </a:solidFill>
+              <a:latin typeface="Microsoft YaHei" panose="020B0503020204020204" pitchFamily="34" charset="-122"/>
+              <a:ea typeface="Microsoft YaHei" panose="020B0503020204020204" pitchFamily="34" charset="-122"/>
+            </a:endParaRPr>
+          </a:p>
+          <a:p>
+            <a:endParaRPr lang="en-US" dirty="0">
+              <a:solidFill>
+                <a:schemeClr val="bg1"/>
+              </a:solidFill>
+              <a:latin typeface="Microsoft YaHei" panose="020B0503020204020204" pitchFamily="34" charset="-122"/>
+              <a:ea typeface="Microsoft YaHei" panose="020B0503020204020204" pitchFamily="34" charset="-122"/>
+            </a:endParaRPr>
+          </a:p>
+          <a:p>
+            <a:r>
+              <a:rPr lang="zh-CN" altLang="en-US" dirty="0">
+                <a:solidFill>
+                  <a:schemeClr val="bg1"/>
+                </a:solidFill>
+                <a:latin typeface="Microsoft YaHei" panose="020B0503020204020204" pitchFamily="34" charset="-122"/>
+                <a:ea typeface="Microsoft YaHei" panose="020B0503020204020204" pitchFamily="34" charset="-122"/>
+              </a:rPr>
+              <a:t>具体筛选项，见</a:t>
+            </a:r>
+            <a:r>
+              <a:rPr lang="en-US" altLang="zh-CN" dirty="0">
+                <a:solidFill>
+                  <a:schemeClr val="bg1"/>
+                </a:solidFill>
+                <a:latin typeface="Microsoft YaHei" panose="020B0503020204020204" pitchFamily="34" charset="-122"/>
+                <a:ea typeface="Microsoft YaHei" panose="020B0503020204020204" pitchFamily="34" charset="-122"/>
+              </a:rPr>
+              <a:t>《</a:t>
+            </a:r>
+            <a:r>
+              <a:rPr lang="zh-CN" altLang="en-US" dirty="0">
+                <a:solidFill>
+                  <a:schemeClr val="bg1"/>
+                </a:solidFill>
+                <a:latin typeface="Microsoft YaHei" panose="020B0503020204020204" pitchFamily="34" charset="-122"/>
+                <a:ea typeface="Microsoft YaHei" panose="020B0503020204020204" pitchFamily="34" charset="-122"/>
+              </a:rPr>
+              <a:t>数据库设计</a:t>
+            </a:r>
+            <a:r>
+              <a:rPr lang="en-US" altLang="zh-CN" dirty="0">
+                <a:solidFill>
+                  <a:schemeClr val="bg1"/>
+                </a:solidFill>
+                <a:latin typeface="Microsoft YaHei" panose="020B0503020204020204" pitchFamily="34" charset="-122"/>
+                <a:ea typeface="Microsoft YaHei" panose="020B0503020204020204" pitchFamily="34" charset="-122"/>
+              </a:rPr>
+              <a:t>》</a:t>
             </a:r>
             <a:endParaRPr lang="de-DE" dirty="0">
               <a:solidFill>
                 <a:schemeClr val="bg1"/>
               </a:solidFill>
-              <a:latin typeface="微软雅黑" panose="020B0503020204020204" pitchFamily="34" charset="-122"/>
-              <a:ea typeface="微软雅黑" panose="020B0503020204020204" pitchFamily="34" charset="-122"/>
+              <a:latin typeface="Microsoft YaHei" panose="020B0503020204020204" pitchFamily="34" charset="-122"/>
+              <a:ea typeface="Microsoft YaHei" panose="020B0503020204020204" pitchFamily="34" charset="-122"/>
             </a:endParaRPr>
           </a:p>
         </p:txBody>
       </p:sp>
-      <p:sp>
-        <p:nvSpPr>
-          <p:cNvPr id="8" name="TextBox 7"/>
-          <p:cNvSpPr txBox="1"/>
+      <p:pic>
+        <p:nvPicPr>
+          <p:cNvPr id="4" name="图片 3">
+            <a:extLst>
+              <a:ext uri="{FF2B5EF4-FFF2-40B4-BE49-F238E27FC236}">
+                <a16:creationId xmlns:a16="http://schemas.microsoft.com/office/drawing/2014/main" id="{FA3FBBB7-75F3-45A1-A017-79667252F57B}"/>
+              </a:ext>
+            </a:extLst>
+          </p:cNvPr>
+          <p:cNvPicPr>
+            <a:picLocks noChangeAspect="1"/>
+          </p:cNvPicPr>
           <p:nvPr/>
-        </p:nvSpPr>
+        </p:nvPicPr>
+        <p:blipFill>
+          <a:blip r:embed="rId3"/>
+          <a:stretch>
+            <a:fillRect/>
+          </a:stretch>
+        </p:blipFill>
         <p:spPr>
-          <a:xfrm rot="5400000">
-            <a:off x="1606461" y="3071674"/>
-            <a:ext cx="1292714" cy="369332"/>
+          <a:xfrm>
+            <a:off x="7711908" y="0"/>
+            <a:ext cx="3865270" cy="6858000"/>
           </a:xfrm>
           <a:prstGeom prst="rect">
             <a:avLst/>
           </a:prstGeom>
-          <a:noFill/>
         </p:spPr>
-        <p:txBody>
-          <a:bodyPr wrap="square" rtlCol="0">
-            <a:spAutoFit/>
-          </a:bodyPr>
-          <a:lstStyle/>
-          <a:p>
-            <a:r>
-              <a:rPr lang="en-US" dirty="0">
-                <a:solidFill>
-                  <a:schemeClr val="bg1"/>
-                </a:solidFill>
-                <a:latin typeface="微软雅黑" panose="020B0503020204020204" pitchFamily="34" charset="-122"/>
-                <a:ea typeface="微软雅黑" panose="020B0503020204020204" pitchFamily="34" charset="-122"/>
-              </a:rPr>
-              <a:t>……………</a:t>
-            </a:r>
-            <a:endParaRPr lang="de-DE" dirty="0">
-              <a:solidFill>
-                <a:schemeClr val="bg1"/>
-              </a:solidFill>
-              <a:latin typeface="微软雅黑" panose="020B0503020204020204" pitchFamily="34" charset="-122"/>
-              <a:ea typeface="微软雅黑" panose="020B0503020204020204" pitchFamily="34" charset="-122"/>
-            </a:endParaRPr>
-          </a:p>
-        </p:txBody>
-      </p:sp>
+      </p:pic>
     </p:spTree>
+    <p:extLst>
+      <p:ext uri="{BB962C8B-B14F-4D97-AF65-F5344CB8AC3E}">
+        <p14:creationId xmlns:p14="http://schemas.microsoft.com/office/powerpoint/2010/main" val="215883179"/>
+      </p:ext>
+    </p:extLst>
   </p:cSld>
   <p:clrMapOvr>
     <a:masterClrMapping/>
@@ -7832,106 +5953,6 @@
       </p:grpSpPr>
       <p:sp>
         <p:nvSpPr>
-          <p:cNvPr id="3" name="Rectangle 2"/>
-          <p:cNvSpPr/>
-          <p:nvPr/>
-        </p:nvSpPr>
-        <p:spPr>
-          <a:xfrm>
-            <a:off x="801278" y="707010"/>
-            <a:ext cx="2837468" cy="848413"/>
-          </a:xfrm>
-          <a:prstGeom prst="rect">
-            <a:avLst/>
-          </a:prstGeom>
-        </p:spPr>
-        <p:style>
-          <a:lnRef idx="2">
-            <a:schemeClr val="accent1">
-              <a:shade val="50000"/>
-            </a:schemeClr>
-          </a:lnRef>
-          <a:fillRef idx="1">
-            <a:schemeClr val="accent1"/>
-          </a:fillRef>
-          <a:effectRef idx="0">
-            <a:schemeClr val="accent1"/>
-          </a:effectRef>
-          <a:fontRef idx="minor">
-            <a:schemeClr val="lt1"/>
-          </a:fontRef>
-        </p:style>
-        <p:txBody>
-          <a:bodyPr rtlCol="0" anchor="ctr"/>
-          <a:lstStyle/>
-          <a:p>
-            <a:pPr algn="ctr"/>
-            <a:r>
-              <a:rPr lang="zh-CN" altLang="en-US" dirty="0">
-                <a:latin typeface="Microsoft YaHei UI" panose="020B0503020204020204" pitchFamily="34" charset="-122"/>
-                <a:ea typeface="Microsoft YaHei UI" panose="020B0503020204020204" pitchFamily="34" charset="-122"/>
-              </a:rPr>
-              <a:t>筛选栏</a:t>
-            </a:r>
-            <a:endParaRPr lang="zh-CN" altLang="en-US" dirty="0">
-              <a:latin typeface="Microsoft YaHei UI" panose="020B0503020204020204" pitchFamily="34" charset="-122"/>
-              <a:ea typeface="Microsoft YaHei UI" panose="020B0503020204020204" pitchFamily="34" charset="-122"/>
-            </a:endParaRPr>
-          </a:p>
-        </p:txBody>
-      </p:sp>
-      <p:sp>
-        <p:nvSpPr>
-          <p:cNvPr id="9" name="Rectangle 8"/>
-          <p:cNvSpPr/>
-          <p:nvPr/>
-        </p:nvSpPr>
-        <p:spPr>
-          <a:xfrm>
-            <a:off x="801278" y="1616979"/>
-            <a:ext cx="2837468" cy="4472735"/>
-          </a:xfrm>
-          <a:prstGeom prst="rect">
-            <a:avLst/>
-          </a:prstGeom>
-        </p:spPr>
-        <p:style>
-          <a:lnRef idx="2">
-            <a:schemeClr val="accent1">
-              <a:shade val="50000"/>
-            </a:schemeClr>
-          </a:lnRef>
-          <a:fillRef idx="1">
-            <a:schemeClr val="accent1"/>
-          </a:fillRef>
-          <a:effectRef idx="0">
-            <a:schemeClr val="accent1"/>
-          </a:effectRef>
-          <a:fontRef idx="minor">
-            <a:schemeClr val="lt1"/>
-          </a:fontRef>
-        </p:style>
-        <p:txBody>
-          <a:bodyPr rtlCol="0" anchor="ctr"/>
-          <a:lstStyle/>
-          <a:p>
-            <a:pPr algn="ctr"/>
-            <a:r>
-              <a:rPr lang="zh-CN" altLang="en-US" dirty="0">
-                <a:latin typeface="Microsoft YaHei UI" panose="020B0503020204020204" pitchFamily="34" charset="-122"/>
-                <a:ea typeface="Microsoft YaHei UI" panose="020B0503020204020204" pitchFamily="34" charset="-122"/>
-              </a:rPr>
-              <a:t>结果显示区</a:t>
-            </a:r>
-            <a:endParaRPr lang="zh-CN" altLang="en-US" dirty="0">
-              <a:latin typeface="Microsoft YaHei UI" panose="020B0503020204020204" pitchFamily="34" charset="-122"/>
-              <a:ea typeface="Microsoft YaHei UI" panose="020B0503020204020204" pitchFamily="34" charset="-122"/>
-            </a:endParaRPr>
-          </a:p>
-        </p:txBody>
-      </p:sp>
-      <p:sp>
-        <p:nvSpPr>
           <p:cNvPr id="11" name="TextBox 10"/>
           <p:cNvSpPr txBox="1"/>
           <p:nvPr/>
@@ -7957,31 +5978,97 @@
                 <a:solidFill>
                   <a:schemeClr val="bg1"/>
                 </a:solidFill>
-                <a:latin typeface="微软雅黑" panose="020B0503020204020204" pitchFamily="34" charset="-122"/>
-                <a:ea typeface="微软雅黑" panose="020B0503020204020204" pitchFamily="34" charset="-122"/>
+                <a:latin typeface="Microsoft YaHei" panose="020B0503020204020204" pitchFamily="34" charset="-122"/>
+                <a:ea typeface="Microsoft YaHei" panose="020B0503020204020204" pitchFamily="34" charset="-122"/>
               </a:rPr>
-              <a:t>写字楼页设计</a:t>
+              <a:t>租房详情页设计</a:t>
             </a:r>
             <a:endParaRPr lang="de-DE" sz="3200" dirty="0">
               <a:solidFill>
                 <a:schemeClr val="bg1"/>
               </a:solidFill>
-              <a:latin typeface="微软雅黑" panose="020B0503020204020204" pitchFamily="34" charset="-122"/>
-              <a:ea typeface="微软雅黑" panose="020B0503020204020204" pitchFamily="34" charset="-122"/>
+              <a:latin typeface="Microsoft YaHei" panose="020B0503020204020204" pitchFamily="34" charset="-122"/>
+              <a:ea typeface="Microsoft YaHei" panose="020B0503020204020204" pitchFamily="34" charset="-122"/>
             </a:endParaRPr>
           </a:p>
         </p:txBody>
       </p:sp>
-      <p:sp>
-        <p:nvSpPr>
-          <p:cNvPr id="5" name="TextBox 4"/>
+      <p:pic>
+        <p:nvPicPr>
+          <p:cNvPr id="2" name="图片 1">
+            <a:extLst>
+              <a:ext uri="{FF2B5EF4-FFF2-40B4-BE49-F238E27FC236}">
+                <a16:creationId xmlns:a16="http://schemas.microsoft.com/office/drawing/2014/main" id="{82229187-6B7E-4475-B1AB-4D193AD10900}"/>
+              </a:ext>
+            </a:extLst>
+          </p:cNvPr>
+          <p:cNvPicPr>
+            <a:picLocks noChangeAspect="1"/>
+          </p:cNvPicPr>
+          <p:nvPr/>
+        </p:nvPicPr>
+        <p:blipFill>
+          <a:blip r:embed="rId3"/>
+          <a:stretch>
+            <a:fillRect/>
+          </a:stretch>
+        </p:blipFill>
+        <p:spPr>
+          <a:xfrm>
+            <a:off x="4142410" y="0"/>
+            <a:ext cx="3907180" cy="6858000"/>
+          </a:xfrm>
+          <a:prstGeom prst="rect">
+            <a:avLst/>
+          </a:prstGeom>
+        </p:spPr>
+      </p:pic>
+      <p:pic>
+        <p:nvPicPr>
+          <p:cNvPr id="4" name="图片 3">
+            <a:extLst>
+              <a:ext uri="{FF2B5EF4-FFF2-40B4-BE49-F238E27FC236}">
+                <a16:creationId xmlns:a16="http://schemas.microsoft.com/office/drawing/2014/main" id="{87E1417E-E3FE-4191-B941-E5B7165063D0}"/>
+              </a:ext>
+            </a:extLst>
+          </p:cNvPr>
+          <p:cNvPicPr>
+            <a:picLocks noChangeAspect="1"/>
+          </p:cNvPicPr>
+          <p:nvPr/>
+        </p:nvPicPr>
+        <p:blipFill>
+          <a:blip r:embed="rId4"/>
+          <a:stretch>
+            <a:fillRect/>
+          </a:stretch>
+        </p:blipFill>
+        <p:spPr>
+          <a:xfrm>
+            <a:off x="8220087" y="0"/>
+            <a:ext cx="3872370" cy="6858000"/>
+          </a:xfrm>
+          <a:prstGeom prst="rect">
+            <a:avLst/>
+          </a:prstGeom>
+        </p:spPr>
+      </p:pic>
+      <p:sp>
+        <p:nvSpPr>
+          <p:cNvPr id="10" name="TextBox 6">
+            <a:extLst>
+              <a:ext uri="{FF2B5EF4-FFF2-40B4-BE49-F238E27FC236}">
+                <a16:creationId xmlns:a16="http://schemas.microsoft.com/office/drawing/2014/main" id="{6A89AC3A-EC80-4DAF-8BED-D91482AB6269}"/>
+              </a:ext>
+            </a:extLst>
+          </p:cNvPr>
           <p:cNvSpPr txBox="1"/>
           <p:nvPr/>
         </p:nvSpPr>
         <p:spPr>
           <a:xfrm>
-            <a:off x="4044896" y="1131216"/>
-            <a:ext cx="6675723" cy="646331"/>
+            <a:off x="300884" y="1371744"/>
+            <a:ext cx="3633554" cy="1200329"/>
           </a:xfrm>
           <a:prstGeom prst="rect">
             <a:avLst/>
@@ -7999,17 +6086,26 @@
                 <a:solidFill>
                   <a:schemeClr val="bg1"/>
                 </a:solidFill>
-                <a:latin typeface="微软雅黑" panose="020B0503020204020204" pitchFamily="34" charset="-122"/>
-                <a:ea typeface="微软雅黑" panose="020B0503020204020204" pitchFamily="34" charset="-122"/>
+                <a:latin typeface="Microsoft YaHei" panose="020B0503020204020204" pitchFamily="34" charset="-122"/>
+                <a:ea typeface="Microsoft YaHei" panose="020B0503020204020204" pitchFamily="34" charset="-122"/>
               </a:rPr>
-              <a:t>通过底部导航栏的‘写字楼’ 导航到此页</a:t>
+              <a:t>点击房源相册，可以进入图片浏览模式。</a:t>
             </a:r>
             <a:endParaRPr lang="en-US" altLang="zh-CN" dirty="0">
               <a:solidFill>
                 <a:schemeClr val="bg1"/>
               </a:solidFill>
-              <a:latin typeface="微软雅黑" panose="020B0503020204020204" pitchFamily="34" charset="-122"/>
-              <a:ea typeface="微软雅黑" panose="020B0503020204020204" pitchFamily="34" charset="-122"/>
+              <a:latin typeface="Microsoft YaHei" panose="020B0503020204020204" pitchFamily="34" charset="-122"/>
+              <a:ea typeface="Microsoft YaHei" panose="020B0503020204020204" pitchFamily="34" charset="-122"/>
+            </a:endParaRPr>
+          </a:p>
+          <a:p>
+            <a:endParaRPr lang="en-US" dirty="0">
+              <a:solidFill>
+                <a:schemeClr val="bg1"/>
+              </a:solidFill>
+              <a:latin typeface="Microsoft YaHei" panose="020B0503020204020204" pitchFamily="34" charset="-122"/>
+              <a:ea typeface="Microsoft YaHei" panose="020B0503020204020204" pitchFamily="34" charset="-122"/>
             </a:endParaRPr>
           </a:p>
           <a:p>
@@ -8018,114 +6114,27 @@
                 <a:solidFill>
                   <a:schemeClr val="bg1"/>
                 </a:solidFill>
-                <a:latin typeface="微软雅黑" panose="020B0503020204020204" pitchFamily="34" charset="-122"/>
-                <a:ea typeface="微软雅黑" panose="020B0503020204020204" pitchFamily="34" charset="-122"/>
+                <a:latin typeface="Microsoft YaHei" panose="020B0503020204020204" pitchFamily="34" charset="-122"/>
+                <a:ea typeface="Microsoft YaHei" panose="020B0503020204020204" pitchFamily="34" charset="-122"/>
               </a:rPr>
-              <a:t>筛选栏支持如下筛选条件</a:t>
+              <a:t>点击电话咨询，可以呼出拨号盘</a:t>
             </a:r>
             <a:endParaRPr lang="de-DE" dirty="0">
               <a:solidFill>
                 <a:schemeClr val="bg1"/>
               </a:solidFill>
-              <a:latin typeface="微软雅黑" panose="020B0503020204020204" pitchFamily="34" charset="-122"/>
-              <a:ea typeface="微软雅黑" panose="020B0503020204020204" pitchFamily="34" charset="-122"/>
+              <a:latin typeface="Microsoft YaHei" panose="020B0503020204020204" pitchFamily="34" charset="-122"/>
+              <a:ea typeface="Microsoft YaHei" panose="020B0503020204020204" pitchFamily="34" charset="-122"/>
             </a:endParaRPr>
           </a:p>
         </p:txBody>
       </p:sp>
-      <p:sp>
-        <p:nvSpPr>
-          <p:cNvPr id="6" name="Rectangle 5"/>
-          <p:cNvSpPr/>
-          <p:nvPr/>
-        </p:nvSpPr>
-        <p:spPr>
-          <a:xfrm>
-            <a:off x="4139139" y="1965772"/>
-            <a:ext cx="6070090" cy="494625"/>
-          </a:xfrm>
-          <a:prstGeom prst="rect">
-            <a:avLst/>
-          </a:prstGeom>
-        </p:spPr>
-        <p:style>
-          <a:lnRef idx="2">
-            <a:schemeClr val="accent1">
-              <a:shade val="50000"/>
-            </a:schemeClr>
-          </a:lnRef>
-          <a:fillRef idx="1">
-            <a:schemeClr val="accent1"/>
-          </a:fillRef>
-          <a:effectRef idx="0">
-            <a:schemeClr val="accent1"/>
-          </a:effectRef>
-          <a:fontRef idx="minor">
-            <a:schemeClr val="lt1"/>
-          </a:fontRef>
-        </p:style>
-        <p:txBody>
-          <a:bodyPr rtlCol="0" anchor="ctr"/>
-          <a:lstStyle/>
-          <a:p>
-            <a:pPr algn="dist"/>
-            <a:r>
-              <a:rPr lang="zh-CN" altLang="en-US" dirty="0">
-                <a:latin typeface="Microsoft YaHei UI" panose="020B0503020204020204" pitchFamily="34" charset="-122"/>
-                <a:ea typeface="Microsoft YaHei UI" panose="020B0503020204020204" pitchFamily="34" charset="-122"/>
-              </a:rPr>
-              <a:t>区域 租售 租金 更多</a:t>
-            </a:r>
-            <a:endParaRPr lang="zh-CN" altLang="en-US" dirty="0">
-              <a:latin typeface="Microsoft YaHei UI" panose="020B0503020204020204" pitchFamily="34" charset="-122"/>
-              <a:ea typeface="Microsoft YaHei UI" panose="020B0503020204020204" pitchFamily="34" charset="-122"/>
-            </a:endParaRPr>
-          </a:p>
-        </p:txBody>
-      </p:sp>
-      <p:sp>
-        <p:nvSpPr>
-          <p:cNvPr id="7" name="TextBox 6"/>
-          <p:cNvSpPr txBox="1"/>
-          <p:nvPr/>
-        </p:nvSpPr>
-        <p:spPr>
-          <a:xfrm>
-            <a:off x="4139139" y="3074709"/>
-            <a:ext cx="6675723" cy="369332"/>
-          </a:xfrm>
-          <a:prstGeom prst="rect">
-            <a:avLst/>
-          </a:prstGeom>
-          <a:noFill/>
-        </p:spPr>
-        <p:txBody>
-          <a:bodyPr wrap="square" rtlCol="0">
-            <a:spAutoFit/>
-          </a:bodyPr>
-          <a:lstStyle/>
-          <a:p>
-            <a:r>
-              <a:rPr lang="zh-CN" altLang="en-US" dirty="0">
-                <a:solidFill>
-                  <a:schemeClr val="bg1"/>
-                </a:solidFill>
-                <a:latin typeface="微软雅黑" panose="020B0503020204020204" pitchFamily="34" charset="-122"/>
-                <a:ea typeface="微软雅黑" panose="020B0503020204020204" pitchFamily="34" charset="-122"/>
-              </a:rPr>
-              <a:t>在‘更多’筛选项中，支持 ‘面积’‘类别’进行进一步筛选</a:t>
-            </a:r>
-            <a:endParaRPr lang="de-DE" dirty="0">
-              <a:solidFill>
-                <a:schemeClr val="bg1"/>
-              </a:solidFill>
-              <a:latin typeface="微软雅黑" panose="020B0503020204020204" pitchFamily="34" charset="-122"/>
-              <a:ea typeface="微软雅黑" panose="020B0503020204020204" pitchFamily="34" charset="-122"/>
-            </a:endParaRPr>
-          </a:p>
-        </p:txBody>
-      </p:sp>
     </p:spTree>
+    <p:extLst>
+      <p:ext uri="{BB962C8B-B14F-4D97-AF65-F5344CB8AC3E}">
+        <p14:creationId xmlns:p14="http://schemas.microsoft.com/office/powerpoint/2010/main" val="2555711144"/>
+      </p:ext>
+    </p:extLst>
   </p:cSld>
   <p:clrMapOvr>
     <a:masterClrMapping/>
@@ -8176,7 +6185,7 @@
     </a:clrScheme>
     <a:fontScheme name="Office">
       <a:majorFont>
-        <a:latin typeface="Calibri Light"/>
+        <a:latin typeface="Calibri Light" panose="020F0302020204030204"/>
         <a:ea typeface=""/>
         <a:cs typeface=""/>
         <a:font script="Jpan" typeface="ＭＳ Ｐゴシック"/>
@@ -8211,7 +6220,7 @@
         <a:font script="Geor" typeface="Sylfaen"/>
       </a:majorFont>
       <a:minorFont>
-        <a:latin typeface="Calibri"/>
+        <a:latin typeface="Calibri" panose="020F0502020204030204"/>
         <a:ea typeface=""/>
         <a:cs typeface=""/>
         <a:font script="Jpan" typeface="ＭＳ Ｐゴシック"/>
@@ -8437,7 +6446,7 @@
     </a:clrScheme>
     <a:fontScheme name="Office">
       <a:majorFont>
-        <a:latin typeface="Calibri Light"/>
+        <a:latin typeface="Calibri Light" panose="020F0302020204030204"/>
         <a:ea typeface=""/>
         <a:cs typeface=""/>
         <a:font script="Jpan" typeface="ＭＳ Ｐゴシック"/>
@@ -8472,7 +6481,7 @@
         <a:font script="Geor" typeface="Sylfaen"/>
       </a:majorFont>
       <a:minorFont>
-        <a:latin typeface="Calibri"/>
+        <a:latin typeface="Calibri" panose="020F0502020204030204"/>
         <a:ea typeface=""/>
         <a:cs typeface=""/>
         <a:font script="Jpan" typeface="ＭＳ Ｐゴシック"/>
